--- a/MEng_TaskB/Presentation/MengPresentationDraft.pptx
+++ b/MEng_TaskB/Presentation/MengPresentationDraft.pptx
@@ -2,24 +2,27 @@
 <file path=ppt/presentation.xml><?xml version="1.0" encoding="utf-8"?>
 <p:presentation xmlns:a="http://schemas.openxmlformats.org/drawingml/2006/main" xmlns:r="http://schemas.openxmlformats.org/officeDocument/2006/relationships" xmlns:p="http://schemas.openxmlformats.org/presentationml/2006/main" removePersonalInfoOnSave="1" saveSubsetFonts="1">
   <p:sldMasterIdLst>
-    <p:sldMasterId id="2147483648" r:id="rId9"/>
-    <p:sldMasterId id="2147483783" r:id="rId10"/>
+    <p:sldMasterId id="2147483648" r:id="rId11"/>
+    <p:sldMasterId id="2147483783" r:id="rId12"/>
   </p:sldMasterIdLst>
   <p:notesMasterIdLst>
-    <p:notesMasterId r:id="rId19"/>
+    <p:notesMasterId r:id="rId24"/>
   </p:notesMasterIdLst>
   <p:handoutMasterIdLst>
-    <p:handoutMasterId r:id="rId20"/>
+    <p:handoutMasterId r:id="rId25"/>
   </p:handoutMasterIdLst>
   <p:sldIdLst>
-    <p:sldId id="257" r:id="rId11"/>
-    <p:sldId id="259" r:id="rId12"/>
-    <p:sldId id="260" r:id="rId13"/>
-    <p:sldId id="261" r:id="rId14"/>
-    <p:sldId id="262" r:id="rId15"/>
-    <p:sldId id="263" r:id="rId16"/>
-    <p:sldId id="264" r:id="rId17"/>
-    <p:sldId id="265" r:id="rId18"/>
+    <p:sldId id="257" r:id="rId13"/>
+    <p:sldId id="259" r:id="rId14"/>
+    <p:sldId id="260" r:id="rId15"/>
+    <p:sldId id="261" r:id="rId16"/>
+    <p:sldId id="267" r:id="rId17"/>
+    <p:sldId id="262" r:id="rId18"/>
+    <p:sldId id="266" r:id="rId19"/>
+    <p:sldId id="263" r:id="rId20"/>
+    <p:sldId id="268" r:id="rId21"/>
+    <p:sldId id="264" r:id="rId22"/>
+    <p:sldId id="265" r:id="rId23"/>
   </p:sldIdLst>
   <p:sldSz cx="12192000" cy="6858000"/>
   <p:notesSz cx="6819900" cy="9918700"/>
@@ -154,6 +157,4570 @@
 </p1510:revInfo>
 </file>
 
+<file path=ppt/charts/chart1.xml><?xml version="1.0" encoding="utf-8"?>
+<c:chartSpace xmlns:c="http://schemas.openxmlformats.org/drawingml/2006/chart" xmlns:a="http://schemas.openxmlformats.org/drawingml/2006/main" xmlns:r="http://schemas.openxmlformats.org/officeDocument/2006/relationships" xmlns:c16r2="http://schemas.microsoft.com/office/drawing/2015/06/chart">
+  <c:date1904 val="0"/>
+  <c:lang val="en-GB"/>
+  <c:roundedCorners val="0"/>
+  <mc:AlternateContent xmlns:mc="http://schemas.openxmlformats.org/markup-compatibility/2006">
+    <mc:Choice xmlns:c14="http://schemas.microsoft.com/office/drawing/2007/8/2/chart" Requires="c14">
+      <c14:style val="102"/>
+    </mc:Choice>
+    <mc:Fallback>
+      <c:style val="2"/>
+    </mc:Fallback>
+  </mc:AlternateContent>
+  <c:chart>
+    <c:title>
+      <c:tx>
+        <c:rich>
+          <a:bodyPr rot="0" spcFirstLastPara="1" vertOverflow="ellipsis" vert="horz" wrap="square" anchor="ctr" anchorCtr="1"/>
+          <a:lstStyle/>
+          <a:p>
+            <a:pPr>
+              <a:defRPr sz="1400" b="0" i="0" u="none" strike="noStrike" kern="1200" spc="0" baseline="0">
+                <a:solidFill>
+                  <a:schemeClr val="tx1">
+                    <a:lumMod val="65000"/>
+                    <a:lumOff val="35000"/>
+                  </a:schemeClr>
+                </a:solidFill>
+                <a:latin typeface="+mn-lt"/>
+                <a:ea typeface="+mn-ea"/>
+                <a:cs typeface="+mn-cs"/>
+              </a:defRPr>
+            </a:pPr>
+            <a:r>
+              <a:rPr lang="en-GB"/>
+              <a:t>Classification Tree: Accuracy</a:t>
+            </a:r>
+          </a:p>
+        </c:rich>
+      </c:tx>
+      <c:overlay val="0"/>
+      <c:spPr>
+        <a:noFill/>
+        <a:ln>
+          <a:noFill/>
+        </a:ln>
+        <a:effectLst/>
+      </c:spPr>
+      <c:txPr>
+        <a:bodyPr rot="0" spcFirstLastPara="1" vertOverflow="ellipsis" vert="horz" wrap="square" anchor="ctr" anchorCtr="1"/>
+        <a:lstStyle/>
+        <a:p>
+          <a:pPr>
+            <a:defRPr sz="1400" b="0" i="0" u="none" strike="noStrike" kern="1200" spc="0" baseline="0">
+              <a:solidFill>
+                <a:schemeClr val="tx1">
+                  <a:lumMod val="65000"/>
+                  <a:lumOff val="35000"/>
+                </a:schemeClr>
+              </a:solidFill>
+              <a:latin typeface="+mn-lt"/>
+              <a:ea typeface="+mn-ea"/>
+              <a:cs typeface="+mn-cs"/>
+            </a:defRPr>
+          </a:pPr>
+          <a:endParaRPr lang="en-US"/>
+        </a:p>
+      </c:txPr>
+    </c:title>
+    <c:autoTitleDeleted val="0"/>
+    <c:plotArea>
+      <c:layout/>
+      <c:barChart>
+        <c:barDir val="col"/>
+        <c:grouping val="clustered"/>
+        <c:varyColors val="0"/>
+        <c:ser>
+          <c:idx val="0"/>
+          <c:order val="0"/>
+          <c:tx>
+            <c:strRef>
+              <c:f>'NewResults_End)'!$B$3</c:f>
+              <c:strCache>
+                <c:ptCount val="1"/>
+                <c:pt idx="0">
+                  <c:v>Control(Accuracy)</c:v>
+                </c:pt>
+              </c:strCache>
+            </c:strRef>
+          </c:tx>
+          <c:spPr>
+            <a:solidFill>
+              <a:schemeClr val="bg1">
+                <a:lumMod val="65000"/>
+              </a:schemeClr>
+            </a:solidFill>
+            <a:ln>
+              <a:noFill/>
+            </a:ln>
+            <a:effectLst/>
+          </c:spPr>
+          <c:invertIfNegative val="0"/>
+          <c:cat>
+            <c:numRef>
+              <c:f>'NewResults_End)'!$A$4:$A$6</c:f>
+              <c:numCache>
+                <c:formatCode>0%</c:formatCode>
+                <c:ptCount val="3"/>
+                <c:pt idx="0">
+                  <c:v>0.1</c:v>
+                </c:pt>
+                <c:pt idx="1">
+                  <c:v>0.4</c:v>
+                </c:pt>
+                <c:pt idx="2">
+                  <c:v>0.7</c:v>
+                </c:pt>
+              </c:numCache>
+            </c:numRef>
+          </c:cat>
+          <c:val>
+            <c:numRef>
+              <c:f>'NewResults_End)'!$B$4:$B$6</c:f>
+              <c:numCache>
+                <c:formatCode>General</c:formatCode>
+                <c:ptCount val="3"/>
+                <c:pt idx="0">
+                  <c:v>0.81113727095915655</c:v>
+                </c:pt>
+                <c:pt idx="1">
+                  <c:v>0.81113727095915655</c:v>
+                </c:pt>
+                <c:pt idx="2">
+                  <c:v>0.81113727095915655</c:v>
+                </c:pt>
+              </c:numCache>
+            </c:numRef>
+          </c:val>
+          <c:extLst>
+            <c:ext xmlns:c16="http://schemas.microsoft.com/office/drawing/2014/chart" uri="{C3380CC4-5D6E-409C-BE32-E72D297353CC}">
+              <c16:uniqueId val="{00000000-F81B-B847-8544-95B2502BCB9E}"/>
+            </c:ext>
+          </c:extLst>
+        </c:ser>
+        <c:ser>
+          <c:idx val="1"/>
+          <c:order val="1"/>
+          <c:tx>
+            <c:strRef>
+              <c:f>'NewResults_End)'!$C$3</c:f>
+              <c:strCache>
+                <c:ptCount val="1"/>
+                <c:pt idx="0">
+                  <c:v>Mean(Accuracy)</c:v>
+                </c:pt>
+              </c:strCache>
+            </c:strRef>
+          </c:tx>
+          <c:spPr>
+            <a:solidFill>
+              <a:schemeClr val="accent2"/>
+            </a:solidFill>
+            <a:ln>
+              <a:noFill/>
+            </a:ln>
+            <a:effectLst/>
+          </c:spPr>
+          <c:invertIfNegative val="0"/>
+          <c:cat>
+            <c:numRef>
+              <c:f>'NewResults_End)'!$A$4:$A$6</c:f>
+              <c:numCache>
+                <c:formatCode>0%</c:formatCode>
+                <c:ptCount val="3"/>
+                <c:pt idx="0">
+                  <c:v>0.1</c:v>
+                </c:pt>
+                <c:pt idx="1">
+                  <c:v>0.4</c:v>
+                </c:pt>
+                <c:pt idx="2">
+                  <c:v>0.7</c:v>
+                </c:pt>
+              </c:numCache>
+            </c:numRef>
+          </c:cat>
+          <c:val>
+            <c:numRef>
+              <c:f>'NewResults_End)'!$C$4:$C$6</c:f>
+              <c:numCache>
+                <c:formatCode>General</c:formatCode>
+                <c:ptCount val="3"/>
+                <c:pt idx="0">
+                  <c:v>0.8123656464325929</c:v>
+                </c:pt>
+                <c:pt idx="1">
+                  <c:v>0.78104207185996521</c:v>
+                </c:pt>
+                <c:pt idx="2">
+                  <c:v>0.76292353362677856</c:v>
+                </c:pt>
+              </c:numCache>
+            </c:numRef>
+          </c:val>
+          <c:extLst>
+            <c:ext xmlns:c16="http://schemas.microsoft.com/office/drawing/2014/chart" uri="{C3380CC4-5D6E-409C-BE32-E72D297353CC}">
+              <c16:uniqueId val="{00000001-F81B-B847-8544-95B2502BCB9E}"/>
+            </c:ext>
+          </c:extLst>
+        </c:ser>
+        <c:ser>
+          <c:idx val="2"/>
+          <c:order val="2"/>
+          <c:tx>
+            <c:strRef>
+              <c:f>'NewResults_End)'!$D$3</c:f>
+              <c:strCache>
+                <c:ptCount val="1"/>
+                <c:pt idx="0">
+                  <c:v>k-NN(Accuracy)</c:v>
+                </c:pt>
+              </c:strCache>
+            </c:strRef>
+          </c:tx>
+          <c:spPr>
+            <a:solidFill>
+              <a:schemeClr val="accent1">
+                <a:lumMod val="75000"/>
+              </a:schemeClr>
+            </a:solidFill>
+            <a:ln>
+              <a:noFill/>
+            </a:ln>
+            <a:effectLst/>
+          </c:spPr>
+          <c:invertIfNegative val="0"/>
+          <c:cat>
+            <c:numRef>
+              <c:f>'NewResults_End)'!$A$4:$A$6</c:f>
+              <c:numCache>
+                <c:formatCode>0%</c:formatCode>
+                <c:ptCount val="3"/>
+                <c:pt idx="0">
+                  <c:v>0.1</c:v>
+                </c:pt>
+                <c:pt idx="1">
+                  <c:v>0.4</c:v>
+                </c:pt>
+                <c:pt idx="2">
+                  <c:v>0.7</c:v>
+                </c:pt>
+              </c:numCache>
+            </c:numRef>
+          </c:cat>
+          <c:val>
+            <c:numRef>
+              <c:f>'NewResults_End)'!$D$4:$D$6</c:f>
+              <c:numCache>
+                <c:formatCode>General</c:formatCode>
+                <c:ptCount val="3"/>
+                <c:pt idx="0">
+                  <c:v>0.80663300000000004</c:v>
+                </c:pt>
+                <c:pt idx="1">
+                  <c:v>0.56658799999999998</c:v>
+                </c:pt>
+                <c:pt idx="2">
+                  <c:v>0.26164399999999999</c:v>
+                </c:pt>
+              </c:numCache>
+            </c:numRef>
+          </c:val>
+          <c:extLst>
+            <c:ext xmlns:c16="http://schemas.microsoft.com/office/drawing/2014/chart" uri="{C3380CC4-5D6E-409C-BE32-E72D297353CC}">
+              <c16:uniqueId val="{00000002-F81B-B847-8544-95B2502BCB9E}"/>
+            </c:ext>
+          </c:extLst>
+        </c:ser>
+        <c:dLbls>
+          <c:showLegendKey val="0"/>
+          <c:showVal val="0"/>
+          <c:showCatName val="0"/>
+          <c:showSerName val="0"/>
+          <c:showPercent val="0"/>
+          <c:showBubbleSize val="0"/>
+        </c:dLbls>
+        <c:gapWidth val="150"/>
+        <c:axId val="397713664"/>
+        <c:axId val="397715392"/>
+      </c:barChart>
+      <c:catAx>
+        <c:axId val="397713664"/>
+        <c:scaling>
+          <c:orientation val="minMax"/>
+        </c:scaling>
+        <c:delete val="0"/>
+        <c:axPos val="b"/>
+        <c:title>
+          <c:tx>
+            <c:rich>
+              <a:bodyPr rot="0" spcFirstLastPara="1" vertOverflow="ellipsis" vert="horz" wrap="square" anchor="ctr" anchorCtr="1"/>
+              <a:lstStyle/>
+              <a:p>
+                <a:pPr>
+                  <a:defRPr sz="1000" b="0" i="0" u="none" strike="noStrike" kern="1200" baseline="0">
+                    <a:solidFill>
+                      <a:schemeClr val="tx1">
+                        <a:lumMod val="65000"/>
+                        <a:lumOff val="35000"/>
+                      </a:schemeClr>
+                    </a:solidFill>
+                    <a:latin typeface="+mn-lt"/>
+                    <a:ea typeface="+mn-ea"/>
+                    <a:cs typeface="+mn-cs"/>
+                  </a:defRPr>
+                </a:pPr>
+                <a:r>
+                  <a:rPr lang="en-GB"/>
+                  <a:t>Proportion of Missing Values Imputed</a:t>
+                </a:r>
+              </a:p>
+            </c:rich>
+          </c:tx>
+          <c:overlay val="0"/>
+          <c:spPr>
+            <a:noFill/>
+            <a:ln>
+              <a:noFill/>
+            </a:ln>
+            <a:effectLst/>
+          </c:spPr>
+          <c:txPr>
+            <a:bodyPr rot="0" spcFirstLastPara="1" vertOverflow="ellipsis" vert="horz" wrap="square" anchor="ctr" anchorCtr="1"/>
+            <a:lstStyle/>
+            <a:p>
+              <a:pPr>
+                <a:defRPr sz="1000" b="0" i="0" u="none" strike="noStrike" kern="1200" baseline="0">
+                  <a:solidFill>
+                    <a:schemeClr val="tx1">
+                      <a:lumMod val="65000"/>
+                      <a:lumOff val="35000"/>
+                    </a:schemeClr>
+                  </a:solidFill>
+                  <a:latin typeface="+mn-lt"/>
+                  <a:ea typeface="+mn-ea"/>
+                  <a:cs typeface="+mn-cs"/>
+                </a:defRPr>
+              </a:pPr>
+              <a:endParaRPr lang="en-US"/>
+            </a:p>
+          </c:txPr>
+        </c:title>
+        <c:numFmt formatCode="0%" sourceLinked="1"/>
+        <c:majorTickMark val="none"/>
+        <c:minorTickMark val="none"/>
+        <c:tickLblPos val="nextTo"/>
+        <c:spPr>
+          <a:noFill/>
+          <a:ln w="9525" cap="flat" cmpd="sng" algn="ctr">
+            <a:solidFill>
+              <a:schemeClr val="tx1">
+                <a:lumMod val="15000"/>
+                <a:lumOff val="85000"/>
+              </a:schemeClr>
+            </a:solidFill>
+            <a:round/>
+          </a:ln>
+          <a:effectLst/>
+        </c:spPr>
+        <c:txPr>
+          <a:bodyPr rot="-60000000" spcFirstLastPara="1" vertOverflow="ellipsis" vert="horz" wrap="square" anchor="ctr" anchorCtr="1"/>
+          <a:lstStyle/>
+          <a:p>
+            <a:pPr>
+              <a:defRPr sz="900" b="0" i="0" u="none" strike="noStrike" kern="1200" baseline="0">
+                <a:solidFill>
+                  <a:schemeClr val="tx1">
+                    <a:lumMod val="65000"/>
+                    <a:lumOff val="35000"/>
+                  </a:schemeClr>
+                </a:solidFill>
+                <a:latin typeface="+mn-lt"/>
+                <a:ea typeface="+mn-ea"/>
+                <a:cs typeface="+mn-cs"/>
+              </a:defRPr>
+            </a:pPr>
+            <a:endParaRPr lang="en-US"/>
+          </a:p>
+        </c:txPr>
+        <c:crossAx val="397715392"/>
+        <c:crosses val="autoZero"/>
+        <c:auto val="1"/>
+        <c:lblAlgn val="ctr"/>
+        <c:lblOffset val="100"/>
+        <c:noMultiLvlLbl val="0"/>
+      </c:catAx>
+      <c:valAx>
+        <c:axId val="397715392"/>
+        <c:scaling>
+          <c:orientation val="minMax"/>
+        </c:scaling>
+        <c:delete val="0"/>
+        <c:axPos val="l"/>
+        <c:majorGridlines>
+          <c:spPr>
+            <a:ln w="9525" cap="flat" cmpd="sng" algn="ctr">
+              <a:solidFill>
+                <a:schemeClr val="tx1">
+                  <a:lumMod val="15000"/>
+                  <a:lumOff val="85000"/>
+                </a:schemeClr>
+              </a:solidFill>
+              <a:round/>
+            </a:ln>
+            <a:effectLst/>
+          </c:spPr>
+        </c:majorGridlines>
+        <c:title>
+          <c:tx>
+            <c:rich>
+              <a:bodyPr rot="-5400000" spcFirstLastPara="1" vertOverflow="ellipsis" vert="horz" wrap="square" anchor="ctr" anchorCtr="1"/>
+              <a:lstStyle/>
+              <a:p>
+                <a:pPr>
+                  <a:defRPr sz="1000" b="0" i="0" u="none" strike="noStrike" kern="1200" baseline="0">
+                    <a:solidFill>
+                      <a:schemeClr val="tx1">
+                        <a:lumMod val="65000"/>
+                        <a:lumOff val="35000"/>
+                      </a:schemeClr>
+                    </a:solidFill>
+                    <a:latin typeface="+mn-lt"/>
+                    <a:ea typeface="+mn-ea"/>
+                    <a:cs typeface="+mn-cs"/>
+                  </a:defRPr>
+                </a:pPr>
+                <a:r>
+                  <a:rPr lang="en-GB"/>
+                  <a:t>Calculated</a:t>
+                </a:r>
+                <a:r>
+                  <a:rPr lang="en-GB" baseline="0"/>
+                  <a:t> Accuracy</a:t>
+                </a:r>
+                <a:endParaRPr lang="en-GB"/>
+              </a:p>
+            </c:rich>
+          </c:tx>
+          <c:overlay val="0"/>
+          <c:spPr>
+            <a:noFill/>
+            <a:ln>
+              <a:noFill/>
+            </a:ln>
+            <a:effectLst/>
+          </c:spPr>
+          <c:txPr>
+            <a:bodyPr rot="-5400000" spcFirstLastPara="1" vertOverflow="ellipsis" vert="horz" wrap="square" anchor="ctr" anchorCtr="1"/>
+            <a:lstStyle/>
+            <a:p>
+              <a:pPr>
+                <a:defRPr sz="1000" b="0" i="0" u="none" strike="noStrike" kern="1200" baseline="0">
+                  <a:solidFill>
+                    <a:schemeClr val="tx1">
+                      <a:lumMod val="65000"/>
+                      <a:lumOff val="35000"/>
+                    </a:schemeClr>
+                  </a:solidFill>
+                  <a:latin typeface="+mn-lt"/>
+                  <a:ea typeface="+mn-ea"/>
+                  <a:cs typeface="+mn-cs"/>
+                </a:defRPr>
+              </a:pPr>
+              <a:endParaRPr lang="en-US"/>
+            </a:p>
+          </c:txPr>
+        </c:title>
+        <c:numFmt formatCode="General" sourceLinked="1"/>
+        <c:majorTickMark val="none"/>
+        <c:minorTickMark val="none"/>
+        <c:tickLblPos val="nextTo"/>
+        <c:spPr>
+          <a:noFill/>
+          <a:ln>
+            <a:noFill/>
+          </a:ln>
+          <a:effectLst/>
+        </c:spPr>
+        <c:txPr>
+          <a:bodyPr rot="-60000000" spcFirstLastPara="1" vertOverflow="ellipsis" vert="horz" wrap="square" anchor="ctr" anchorCtr="1"/>
+          <a:lstStyle/>
+          <a:p>
+            <a:pPr>
+              <a:defRPr sz="900" b="0" i="0" u="none" strike="noStrike" kern="1200" baseline="0">
+                <a:solidFill>
+                  <a:schemeClr val="tx1">
+                    <a:lumMod val="65000"/>
+                    <a:lumOff val="35000"/>
+                  </a:schemeClr>
+                </a:solidFill>
+                <a:latin typeface="+mn-lt"/>
+                <a:ea typeface="+mn-ea"/>
+                <a:cs typeface="+mn-cs"/>
+              </a:defRPr>
+            </a:pPr>
+            <a:endParaRPr lang="en-US"/>
+          </a:p>
+        </c:txPr>
+        <c:crossAx val="397713664"/>
+        <c:crosses val="autoZero"/>
+        <c:crossBetween val="between"/>
+      </c:valAx>
+      <c:spPr>
+        <a:noFill/>
+        <a:ln>
+          <a:noFill/>
+        </a:ln>
+        <a:effectLst/>
+      </c:spPr>
+    </c:plotArea>
+    <c:legend>
+      <c:legendPos val="r"/>
+      <c:overlay val="0"/>
+      <c:spPr>
+        <a:noFill/>
+        <a:ln>
+          <a:noFill/>
+        </a:ln>
+        <a:effectLst/>
+      </c:spPr>
+      <c:txPr>
+        <a:bodyPr rot="0" spcFirstLastPara="1" vertOverflow="ellipsis" vert="horz" wrap="square" anchor="ctr" anchorCtr="1"/>
+        <a:lstStyle/>
+        <a:p>
+          <a:pPr>
+            <a:defRPr sz="900" b="0" i="0" u="none" strike="noStrike" kern="1200" baseline="0">
+              <a:solidFill>
+                <a:schemeClr val="tx1">
+                  <a:lumMod val="65000"/>
+                  <a:lumOff val="35000"/>
+                </a:schemeClr>
+              </a:solidFill>
+              <a:latin typeface="+mn-lt"/>
+              <a:ea typeface="+mn-ea"/>
+              <a:cs typeface="+mn-cs"/>
+            </a:defRPr>
+          </a:pPr>
+          <a:endParaRPr lang="en-US"/>
+        </a:p>
+      </c:txPr>
+    </c:legend>
+    <c:plotVisOnly val="1"/>
+    <c:dispBlanksAs val="gap"/>
+    <c:extLst>
+      <c:ext xmlns:c16r3="http://schemas.microsoft.com/office/drawing/2017/03/chart" uri="{56B9EC1D-385E-4148-901F-78D8002777C0}">
+        <c16r3:dataDisplayOptions16>
+          <c16r3:dispNaAsBlank val="1"/>
+        </c16r3:dataDisplayOptions16>
+      </c:ext>
+    </c:extLst>
+    <c:showDLblsOverMax val="0"/>
+  </c:chart>
+  <c:spPr>
+    <a:noFill/>
+    <a:ln>
+      <a:noFill/>
+    </a:ln>
+    <a:effectLst/>
+  </c:spPr>
+  <c:txPr>
+    <a:bodyPr/>
+    <a:lstStyle/>
+    <a:p>
+      <a:pPr>
+        <a:defRPr/>
+      </a:pPr>
+      <a:endParaRPr lang="en-US"/>
+    </a:p>
+  </c:txPr>
+  <c:externalData r:id="rId3">
+    <c:autoUpdate val="0"/>
+  </c:externalData>
+</c:chartSpace>
+</file>
+
+<file path=ppt/charts/chart2.xml><?xml version="1.0" encoding="utf-8"?>
+<c:chartSpace xmlns:c="http://schemas.openxmlformats.org/drawingml/2006/chart" xmlns:a="http://schemas.openxmlformats.org/drawingml/2006/main" xmlns:r="http://schemas.openxmlformats.org/officeDocument/2006/relationships" xmlns:c16r2="http://schemas.microsoft.com/office/drawing/2015/06/chart">
+  <c:date1904 val="0"/>
+  <c:lang val="en-GB"/>
+  <c:roundedCorners val="0"/>
+  <mc:AlternateContent xmlns:mc="http://schemas.openxmlformats.org/markup-compatibility/2006">
+    <mc:Choice xmlns:c14="http://schemas.microsoft.com/office/drawing/2007/8/2/chart" Requires="c14">
+      <c14:style val="102"/>
+    </mc:Choice>
+    <mc:Fallback>
+      <c:style val="2"/>
+    </mc:Fallback>
+  </mc:AlternateContent>
+  <c:chart>
+    <c:title>
+      <c:tx>
+        <c:rich>
+          <a:bodyPr rot="0" spcFirstLastPara="1" vertOverflow="ellipsis" vert="horz" wrap="square" anchor="ctr" anchorCtr="1"/>
+          <a:lstStyle/>
+          <a:p>
+            <a:pPr>
+              <a:defRPr sz="1400" b="0" i="0" u="none" strike="noStrike" kern="1200" spc="0" baseline="0">
+                <a:solidFill>
+                  <a:schemeClr val="tx1">
+                    <a:lumMod val="65000"/>
+                    <a:lumOff val="35000"/>
+                  </a:schemeClr>
+                </a:solidFill>
+                <a:latin typeface="+mn-lt"/>
+                <a:ea typeface="+mn-ea"/>
+                <a:cs typeface="+mn-cs"/>
+              </a:defRPr>
+            </a:pPr>
+            <a:r>
+              <a:rPr lang="en-GB"/>
+              <a:t>Classification Tree: F1</a:t>
+            </a:r>
+          </a:p>
+        </c:rich>
+      </c:tx>
+      <c:overlay val="0"/>
+      <c:spPr>
+        <a:noFill/>
+        <a:ln>
+          <a:noFill/>
+        </a:ln>
+        <a:effectLst/>
+      </c:spPr>
+      <c:txPr>
+        <a:bodyPr rot="0" spcFirstLastPara="1" vertOverflow="ellipsis" vert="horz" wrap="square" anchor="ctr" anchorCtr="1"/>
+        <a:lstStyle/>
+        <a:p>
+          <a:pPr>
+            <a:defRPr sz="1400" b="0" i="0" u="none" strike="noStrike" kern="1200" spc="0" baseline="0">
+              <a:solidFill>
+                <a:schemeClr val="tx1">
+                  <a:lumMod val="65000"/>
+                  <a:lumOff val="35000"/>
+                </a:schemeClr>
+              </a:solidFill>
+              <a:latin typeface="+mn-lt"/>
+              <a:ea typeface="+mn-ea"/>
+              <a:cs typeface="+mn-cs"/>
+            </a:defRPr>
+          </a:pPr>
+          <a:endParaRPr lang="en-US"/>
+        </a:p>
+      </c:txPr>
+    </c:title>
+    <c:autoTitleDeleted val="0"/>
+    <c:plotArea>
+      <c:layout/>
+      <c:barChart>
+        <c:barDir val="col"/>
+        <c:grouping val="clustered"/>
+        <c:varyColors val="0"/>
+        <c:ser>
+          <c:idx val="0"/>
+          <c:order val="0"/>
+          <c:tx>
+            <c:strRef>
+              <c:f>'NewResults_End)'!$N$3</c:f>
+              <c:strCache>
+                <c:ptCount val="1"/>
+                <c:pt idx="0">
+                  <c:v>Control(F1)</c:v>
+                </c:pt>
+              </c:strCache>
+            </c:strRef>
+          </c:tx>
+          <c:spPr>
+            <a:solidFill>
+              <a:schemeClr val="bg1">
+                <a:lumMod val="65000"/>
+              </a:schemeClr>
+            </a:solidFill>
+            <a:ln>
+              <a:noFill/>
+            </a:ln>
+            <a:effectLst/>
+          </c:spPr>
+          <c:invertIfNegative val="0"/>
+          <c:cat>
+            <c:numRef>
+              <c:f>'NewResults_End)'!$A$4:$A$6</c:f>
+              <c:numCache>
+                <c:formatCode>0%</c:formatCode>
+                <c:ptCount val="3"/>
+                <c:pt idx="0">
+                  <c:v>0.1</c:v>
+                </c:pt>
+                <c:pt idx="1">
+                  <c:v>0.4</c:v>
+                </c:pt>
+                <c:pt idx="2">
+                  <c:v>0.7</c:v>
+                </c:pt>
+              </c:numCache>
+            </c:numRef>
+          </c:cat>
+          <c:val>
+            <c:numRef>
+              <c:f>'NewResults_End)'!$N$4:$N$6</c:f>
+              <c:numCache>
+                <c:formatCode>General</c:formatCode>
+                <c:ptCount val="3"/>
+                <c:pt idx="0">
+                  <c:v>0.78879480622315157</c:v>
+                </c:pt>
+                <c:pt idx="1">
+                  <c:v>0.78879480622315157</c:v>
+                </c:pt>
+                <c:pt idx="2">
+                  <c:v>0.78879480622315157</c:v>
+                </c:pt>
+              </c:numCache>
+            </c:numRef>
+          </c:val>
+          <c:extLst>
+            <c:ext xmlns:c16="http://schemas.microsoft.com/office/drawing/2014/chart" uri="{C3380CC4-5D6E-409C-BE32-E72D297353CC}">
+              <c16:uniqueId val="{00000000-0280-8E43-8D0D-010B05E2BCF7}"/>
+            </c:ext>
+          </c:extLst>
+        </c:ser>
+        <c:ser>
+          <c:idx val="1"/>
+          <c:order val="1"/>
+          <c:tx>
+            <c:strRef>
+              <c:f>'NewResults_End)'!$O$3</c:f>
+              <c:strCache>
+                <c:ptCount val="1"/>
+                <c:pt idx="0">
+                  <c:v>Mean(F1)</c:v>
+                </c:pt>
+              </c:strCache>
+            </c:strRef>
+          </c:tx>
+          <c:spPr>
+            <a:solidFill>
+              <a:schemeClr val="accent2"/>
+            </a:solidFill>
+            <a:ln>
+              <a:noFill/>
+            </a:ln>
+            <a:effectLst/>
+          </c:spPr>
+          <c:invertIfNegative val="0"/>
+          <c:cat>
+            <c:numRef>
+              <c:f>'NewResults_End)'!$A$4:$A$6</c:f>
+              <c:numCache>
+                <c:formatCode>0%</c:formatCode>
+                <c:ptCount val="3"/>
+                <c:pt idx="0">
+                  <c:v>0.1</c:v>
+                </c:pt>
+                <c:pt idx="1">
+                  <c:v>0.4</c:v>
+                </c:pt>
+                <c:pt idx="2">
+                  <c:v>0.7</c:v>
+                </c:pt>
+              </c:numCache>
+            </c:numRef>
+          </c:cat>
+          <c:val>
+            <c:numRef>
+              <c:f>'NewResults_End)'!$O$4:$O$6</c:f>
+              <c:numCache>
+                <c:formatCode>General</c:formatCode>
+                <c:ptCount val="3"/>
+                <c:pt idx="0">
+                  <c:v>0.78560311502942748</c:v>
+                </c:pt>
+                <c:pt idx="1">
+                  <c:v>0.71767430595285797</c:v>
+                </c:pt>
+                <c:pt idx="2">
+                  <c:v>0.661535050357556</c:v>
+                </c:pt>
+              </c:numCache>
+            </c:numRef>
+          </c:val>
+          <c:extLst>
+            <c:ext xmlns:c16="http://schemas.microsoft.com/office/drawing/2014/chart" uri="{C3380CC4-5D6E-409C-BE32-E72D297353CC}">
+              <c16:uniqueId val="{00000001-0280-8E43-8D0D-010B05E2BCF7}"/>
+            </c:ext>
+          </c:extLst>
+        </c:ser>
+        <c:ser>
+          <c:idx val="2"/>
+          <c:order val="2"/>
+          <c:tx>
+            <c:strRef>
+              <c:f>'NewResults_End)'!$P$3</c:f>
+              <c:strCache>
+                <c:ptCount val="1"/>
+                <c:pt idx="0">
+                  <c:v>k-NN(F1)</c:v>
+                </c:pt>
+              </c:strCache>
+            </c:strRef>
+          </c:tx>
+          <c:spPr>
+            <a:solidFill>
+              <a:schemeClr val="accent1">
+                <a:lumMod val="75000"/>
+              </a:schemeClr>
+            </a:solidFill>
+            <a:ln>
+              <a:noFill/>
+            </a:ln>
+            <a:effectLst/>
+          </c:spPr>
+          <c:invertIfNegative val="0"/>
+          <c:cat>
+            <c:numRef>
+              <c:f>'NewResults_End)'!$A$4:$A$6</c:f>
+              <c:numCache>
+                <c:formatCode>0%</c:formatCode>
+                <c:ptCount val="3"/>
+                <c:pt idx="0">
+                  <c:v>0.1</c:v>
+                </c:pt>
+                <c:pt idx="1">
+                  <c:v>0.4</c:v>
+                </c:pt>
+                <c:pt idx="2">
+                  <c:v>0.7</c:v>
+                </c:pt>
+              </c:numCache>
+            </c:numRef>
+          </c:cat>
+          <c:val>
+            <c:numRef>
+              <c:f>'NewResults_End)'!$P$4:$P$6</c:f>
+              <c:numCache>
+                <c:formatCode>General</c:formatCode>
+                <c:ptCount val="3"/>
+                <c:pt idx="0">
+                  <c:v>0.79250100000000001</c:v>
+                </c:pt>
+                <c:pt idx="1">
+                  <c:v>0.59484599999999999</c:v>
+                </c:pt>
+                <c:pt idx="2">
+                  <c:v>0.14568900000000001</c:v>
+                </c:pt>
+              </c:numCache>
+            </c:numRef>
+          </c:val>
+          <c:extLst>
+            <c:ext xmlns:c16="http://schemas.microsoft.com/office/drawing/2014/chart" uri="{C3380CC4-5D6E-409C-BE32-E72D297353CC}">
+              <c16:uniqueId val="{00000002-0280-8E43-8D0D-010B05E2BCF7}"/>
+            </c:ext>
+          </c:extLst>
+        </c:ser>
+        <c:dLbls>
+          <c:showLegendKey val="0"/>
+          <c:showVal val="0"/>
+          <c:showCatName val="0"/>
+          <c:showSerName val="0"/>
+          <c:showPercent val="0"/>
+          <c:showBubbleSize val="0"/>
+        </c:dLbls>
+        <c:gapWidth val="150"/>
+        <c:axId val="397713664"/>
+        <c:axId val="397715392"/>
+      </c:barChart>
+      <c:catAx>
+        <c:axId val="397713664"/>
+        <c:scaling>
+          <c:orientation val="minMax"/>
+        </c:scaling>
+        <c:delete val="0"/>
+        <c:axPos val="b"/>
+        <c:title>
+          <c:tx>
+            <c:rich>
+              <a:bodyPr rot="0" spcFirstLastPara="1" vertOverflow="ellipsis" vert="horz" wrap="square" anchor="ctr" anchorCtr="1"/>
+              <a:lstStyle/>
+              <a:p>
+                <a:pPr>
+                  <a:defRPr sz="1000" b="0" i="0" u="none" strike="noStrike" kern="1200" baseline="0">
+                    <a:solidFill>
+                      <a:schemeClr val="tx1">
+                        <a:lumMod val="65000"/>
+                        <a:lumOff val="35000"/>
+                      </a:schemeClr>
+                    </a:solidFill>
+                    <a:latin typeface="+mn-lt"/>
+                    <a:ea typeface="+mn-ea"/>
+                    <a:cs typeface="+mn-cs"/>
+                  </a:defRPr>
+                </a:pPr>
+                <a:r>
+                  <a:rPr lang="en-GB"/>
+                  <a:t>Proportion of Missing Values Imputed</a:t>
+                </a:r>
+              </a:p>
+            </c:rich>
+          </c:tx>
+          <c:overlay val="0"/>
+          <c:spPr>
+            <a:noFill/>
+            <a:ln>
+              <a:noFill/>
+            </a:ln>
+            <a:effectLst/>
+          </c:spPr>
+          <c:txPr>
+            <a:bodyPr rot="0" spcFirstLastPara="1" vertOverflow="ellipsis" vert="horz" wrap="square" anchor="ctr" anchorCtr="1"/>
+            <a:lstStyle/>
+            <a:p>
+              <a:pPr>
+                <a:defRPr sz="1000" b="0" i="0" u="none" strike="noStrike" kern="1200" baseline="0">
+                  <a:solidFill>
+                    <a:schemeClr val="tx1">
+                      <a:lumMod val="65000"/>
+                      <a:lumOff val="35000"/>
+                    </a:schemeClr>
+                  </a:solidFill>
+                  <a:latin typeface="+mn-lt"/>
+                  <a:ea typeface="+mn-ea"/>
+                  <a:cs typeface="+mn-cs"/>
+                </a:defRPr>
+              </a:pPr>
+              <a:endParaRPr lang="en-US"/>
+            </a:p>
+          </c:txPr>
+        </c:title>
+        <c:numFmt formatCode="0%" sourceLinked="1"/>
+        <c:majorTickMark val="none"/>
+        <c:minorTickMark val="none"/>
+        <c:tickLblPos val="nextTo"/>
+        <c:spPr>
+          <a:noFill/>
+          <a:ln w="9525" cap="flat" cmpd="sng" algn="ctr">
+            <a:solidFill>
+              <a:schemeClr val="tx1">
+                <a:lumMod val="15000"/>
+                <a:lumOff val="85000"/>
+              </a:schemeClr>
+            </a:solidFill>
+            <a:round/>
+          </a:ln>
+          <a:effectLst/>
+        </c:spPr>
+        <c:txPr>
+          <a:bodyPr rot="-60000000" spcFirstLastPara="1" vertOverflow="ellipsis" vert="horz" wrap="square" anchor="ctr" anchorCtr="1"/>
+          <a:lstStyle/>
+          <a:p>
+            <a:pPr>
+              <a:defRPr sz="900" b="0" i="0" u="none" strike="noStrike" kern="1200" baseline="0">
+                <a:solidFill>
+                  <a:schemeClr val="tx1">
+                    <a:lumMod val="65000"/>
+                    <a:lumOff val="35000"/>
+                  </a:schemeClr>
+                </a:solidFill>
+                <a:latin typeface="+mn-lt"/>
+                <a:ea typeface="+mn-ea"/>
+                <a:cs typeface="+mn-cs"/>
+              </a:defRPr>
+            </a:pPr>
+            <a:endParaRPr lang="en-US"/>
+          </a:p>
+        </c:txPr>
+        <c:crossAx val="397715392"/>
+        <c:crosses val="autoZero"/>
+        <c:auto val="1"/>
+        <c:lblAlgn val="ctr"/>
+        <c:lblOffset val="100"/>
+        <c:noMultiLvlLbl val="0"/>
+      </c:catAx>
+      <c:valAx>
+        <c:axId val="397715392"/>
+        <c:scaling>
+          <c:orientation val="minMax"/>
+        </c:scaling>
+        <c:delete val="0"/>
+        <c:axPos val="l"/>
+        <c:majorGridlines>
+          <c:spPr>
+            <a:ln w="9525" cap="flat" cmpd="sng" algn="ctr">
+              <a:solidFill>
+                <a:schemeClr val="tx1">
+                  <a:lumMod val="15000"/>
+                  <a:lumOff val="85000"/>
+                </a:schemeClr>
+              </a:solidFill>
+              <a:round/>
+            </a:ln>
+            <a:effectLst/>
+          </c:spPr>
+        </c:majorGridlines>
+        <c:title>
+          <c:tx>
+            <c:rich>
+              <a:bodyPr rot="-5400000" spcFirstLastPara="1" vertOverflow="ellipsis" vert="horz" wrap="square" anchor="ctr" anchorCtr="1"/>
+              <a:lstStyle/>
+              <a:p>
+                <a:pPr>
+                  <a:defRPr sz="1000" b="0" i="0" u="none" strike="noStrike" kern="1200" baseline="0">
+                    <a:solidFill>
+                      <a:schemeClr val="tx1">
+                        <a:lumMod val="65000"/>
+                        <a:lumOff val="35000"/>
+                      </a:schemeClr>
+                    </a:solidFill>
+                    <a:latin typeface="+mn-lt"/>
+                    <a:ea typeface="+mn-ea"/>
+                    <a:cs typeface="+mn-cs"/>
+                  </a:defRPr>
+                </a:pPr>
+                <a:r>
+                  <a:rPr lang="en-GB"/>
+                  <a:t>Calculated</a:t>
+                </a:r>
+                <a:r>
+                  <a:rPr lang="en-GB" baseline="0"/>
+                  <a:t> F1</a:t>
+                </a:r>
+                <a:endParaRPr lang="en-GB"/>
+              </a:p>
+            </c:rich>
+          </c:tx>
+          <c:overlay val="0"/>
+          <c:spPr>
+            <a:noFill/>
+            <a:ln>
+              <a:noFill/>
+            </a:ln>
+            <a:effectLst/>
+          </c:spPr>
+          <c:txPr>
+            <a:bodyPr rot="-5400000" spcFirstLastPara="1" vertOverflow="ellipsis" vert="horz" wrap="square" anchor="ctr" anchorCtr="1"/>
+            <a:lstStyle/>
+            <a:p>
+              <a:pPr>
+                <a:defRPr sz="1000" b="0" i="0" u="none" strike="noStrike" kern="1200" baseline="0">
+                  <a:solidFill>
+                    <a:schemeClr val="tx1">
+                      <a:lumMod val="65000"/>
+                      <a:lumOff val="35000"/>
+                    </a:schemeClr>
+                  </a:solidFill>
+                  <a:latin typeface="+mn-lt"/>
+                  <a:ea typeface="+mn-ea"/>
+                  <a:cs typeface="+mn-cs"/>
+                </a:defRPr>
+              </a:pPr>
+              <a:endParaRPr lang="en-US"/>
+            </a:p>
+          </c:txPr>
+        </c:title>
+        <c:numFmt formatCode="General" sourceLinked="1"/>
+        <c:majorTickMark val="none"/>
+        <c:minorTickMark val="none"/>
+        <c:tickLblPos val="nextTo"/>
+        <c:spPr>
+          <a:noFill/>
+          <a:ln>
+            <a:noFill/>
+          </a:ln>
+          <a:effectLst/>
+        </c:spPr>
+        <c:txPr>
+          <a:bodyPr rot="-60000000" spcFirstLastPara="1" vertOverflow="ellipsis" vert="horz" wrap="square" anchor="ctr" anchorCtr="1"/>
+          <a:lstStyle/>
+          <a:p>
+            <a:pPr>
+              <a:defRPr sz="900" b="0" i="0" u="none" strike="noStrike" kern="1200" baseline="0">
+                <a:solidFill>
+                  <a:schemeClr val="tx1">
+                    <a:lumMod val="65000"/>
+                    <a:lumOff val="35000"/>
+                  </a:schemeClr>
+                </a:solidFill>
+                <a:latin typeface="+mn-lt"/>
+                <a:ea typeface="+mn-ea"/>
+                <a:cs typeface="+mn-cs"/>
+              </a:defRPr>
+            </a:pPr>
+            <a:endParaRPr lang="en-US"/>
+          </a:p>
+        </c:txPr>
+        <c:crossAx val="397713664"/>
+        <c:crosses val="autoZero"/>
+        <c:crossBetween val="between"/>
+      </c:valAx>
+      <c:spPr>
+        <a:noFill/>
+        <a:ln>
+          <a:noFill/>
+        </a:ln>
+        <a:effectLst/>
+      </c:spPr>
+    </c:plotArea>
+    <c:legend>
+      <c:legendPos val="r"/>
+      <c:overlay val="0"/>
+      <c:spPr>
+        <a:noFill/>
+        <a:ln>
+          <a:noFill/>
+        </a:ln>
+        <a:effectLst/>
+      </c:spPr>
+      <c:txPr>
+        <a:bodyPr rot="0" spcFirstLastPara="1" vertOverflow="ellipsis" vert="horz" wrap="square" anchor="ctr" anchorCtr="1"/>
+        <a:lstStyle/>
+        <a:p>
+          <a:pPr>
+            <a:defRPr sz="900" b="0" i="0" u="none" strike="noStrike" kern="1200" baseline="0">
+              <a:solidFill>
+                <a:schemeClr val="tx1">
+                  <a:lumMod val="65000"/>
+                  <a:lumOff val="35000"/>
+                </a:schemeClr>
+              </a:solidFill>
+              <a:latin typeface="+mn-lt"/>
+              <a:ea typeface="+mn-ea"/>
+              <a:cs typeface="+mn-cs"/>
+            </a:defRPr>
+          </a:pPr>
+          <a:endParaRPr lang="en-US"/>
+        </a:p>
+      </c:txPr>
+    </c:legend>
+    <c:plotVisOnly val="1"/>
+    <c:dispBlanksAs val="gap"/>
+    <c:extLst>
+      <c:ext xmlns:c16r3="http://schemas.microsoft.com/office/drawing/2017/03/chart" uri="{56B9EC1D-385E-4148-901F-78D8002777C0}">
+        <c16r3:dataDisplayOptions16>
+          <c16r3:dispNaAsBlank val="1"/>
+        </c16r3:dataDisplayOptions16>
+      </c:ext>
+    </c:extLst>
+    <c:showDLblsOverMax val="0"/>
+  </c:chart>
+  <c:spPr>
+    <a:noFill/>
+    <a:ln>
+      <a:noFill/>
+    </a:ln>
+    <a:effectLst/>
+  </c:spPr>
+  <c:txPr>
+    <a:bodyPr/>
+    <a:lstStyle/>
+    <a:p>
+      <a:pPr>
+        <a:defRPr/>
+      </a:pPr>
+      <a:endParaRPr lang="en-US"/>
+    </a:p>
+  </c:txPr>
+  <c:externalData r:id="rId3">
+    <c:autoUpdate val="0"/>
+  </c:externalData>
+</c:chartSpace>
+</file>
+
+<file path=ppt/charts/chart3.xml><?xml version="1.0" encoding="utf-8"?>
+<c:chartSpace xmlns:c="http://schemas.openxmlformats.org/drawingml/2006/chart" xmlns:a="http://schemas.openxmlformats.org/drawingml/2006/main" xmlns:r="http://schemas.openxmlformats.org/officeDocument/2006/relationships" xmlns:c16r2="http://schemas.microsoft.com/office/drawing/2015/06/chart">
+  <c:date1904 val="0"/>
+  <c:lang val="en-GB"/>
+  <c:roundedCorners val="0"/>
+  <mc:AlternateContent xmlns:mc="http://schemas.openxmlformats.org/markup-compatibility/2006">
+    <mc:Choice xmlns:c14="http://schemas.microsoft.com/office/drawing/2007/8/2/chart" Requires="c14">
+      <c14:style val="102"/>
+    </mc:Choice>
+    <mc:Fallback>
+      <c:style val="2"/>
+    </mc:Fallback>
+  </mc:AlternateContent>
+  <c:chart>
+    <c:title>
+      <c:tx>
+        <c:rich>
+          <a:bodyPr rot="0" spcFirstLastPara="1" vertOverflow="ellipsis" vert="horz" wrap="square" anchor="ctr" anchorCtr="1"/>
+          <a:lstStyle/>
+          <a:p>
+            <a:pPr>
+              <a:defRPr sz="1400" b="0" i="0" u="none" strike="noStrike" kern="1200" spc="0" baseline="0">
+                <a:solidFill>
+                  <a:schemeClr val="tx1">
+                    <a:lumMod val="65000"/>
+                    <a:lumOff val="35000"/>
+                  </a:schemeClr>
+                </a:solidFill>
+                <a:latin typeface="+mn-lt"/>
+                <a:ea typeface="+mn-ea"/>
+                <a:cs typeface="+mn-cs"/>
+              </a:defRPr>
+            </a:pPr>
+            <a:r>
+              <a:rPr lang="en-GB"/>
+              <a:t>k-Nerest Neighbour: Accuracy</a:t>
+            </a:r>
+          </a:p>
+        </c:rich>
+      </c:tx>
+      <c:overlay val="0"/>
+      <c:spPr>
+        <a:noFill/>
+        <a:ln>
+          <a:noFill/>
+        </a:ln>
+        <a:effectLst/>
+      </c:spPr>
+      <c:txPr>
+        <a:bodyPr rot="0" spcFirstLastPara="1" vertOverflow="ellipsis" vert="horz" wrap="square" anchor="ctr" anchorCtr="1"/>
+        <a:lstStyle/>
+        <a:p>
+          <a:pPr>
+            <a:defRPr sz="1400" b="0" i="0" u="none" strike="noStrike" kern="1200" spc="0" baseline="0">
+              <a:solidFill>
+                <a:schemeClr val="tx1">
+                  <a:lumMod val="65000"/>
+                  <a:lumOff val="35000"/>
+                </a:schemeClr>
+              </a:solidFill>
+              <a:latin typeface="+mn-lt"/>
+              <a:ea typeface="+mn-ea"/>
+              <a:cs typeface="+mn-cs"/>
+            </a:defRPr>
+          </a:pPr>
+          <a:endParaRPr lang="en-US"/>
+        </a:p>
+      </c:txPr>
+    </c:title>
+    <c:autoTitleDeleted val="0"/>
+    <c:plotArea>
+      <c:layout/>
+      <c:barChart>
+        <c:barDir val="col"/>
+        <c:grouping val="clustered"/>
+        <c:varyColors val="0"/>
+        <c:ser>
+          <c:idx val="0"/>
+          <c:order val="0"/>
+          <c:tx>
+            <c:strRef>
+              <c:f>'NewResults_End)'!$B$3</c:f>
+              <c:strCache>
+                <c:ptCount val="1"/>
+                <c:pt idx="0">
+                  <c:v>Control(Accuracy)</c:v>
+                </c:pt>
+              </c:strCache>
+            </c:strRef>
+          </c:tx>
+          <c:spPr>
+            <a:solidFill>
+              <a:schemeClr val="bg1">
+                <a:lumMod val="65000"/>
+              </a:schemeClr>
+            </a:solidFill>
+            <a:ln>
+              <a:noFill/>
+            </a:ln>
+            <a:effectLst/>
+          </c:spPr>
+          <c:invertIfNegative val="0"/>
+          <c:cat>
+            <c:numRef>
+              <c:f>'NewResults_End)'!$A$27:$A$29</c:f>
+              <c:numCache>
+                <c:formatCode>0%</c:formatCode>
+                <c:ptCount val="3"/>
+                <c:pt idx="0">
+                  <c:v>0.1</c:v>
+                </c:pt>
+                <c:pt idx="1">
+                  <c:v>0.4</c:v>
+                </c:pt>
+                <c:pt idx="2">
+                  <c:v>0.7</c:v>
+                </c:pt>
+              </c:numCache>
+            </c:numRef>
+          </c:cat>
+          <c:val>
+            <c:numRef>
+              <c:f>'NewResults_End)'!$B$27:$B$29</c:f>
+              <c:numCache>
+                <c:formatCode>General</c:formatCode>
+                <c:ptCount val="3"/>
+                <c:pt idx="0">
+                  <c:v>0.80745214453884695</c:v>
+                </c:pt>
+                <c:pt idx="1">
+                  <c:v>0.80745214453884695</c:v>
+                </c:pt>
+                <c:pt idx="2">
+                  <c:v>0.80745214453884695</c:v>
+                </c:pt>
+              </c:numCache>
+            </c:numRef>
+          </c:val>
+          <c:extLst>
+            <c:ext xmlns:c16="http://schemas.microsoft.com/office/drawing/2014/chart" uri="{C3380CC4-5D6E-409C-BE32-E72D297353CC}">
+              <c16:uniqueId val="{00000000-0918-274F-B194-CE5307256D03}"/>
+            </c:ext>
+          </c:extLst>
+        </c:ser>
+        <c:ser>
+          <c:idx val="1"/>
+          <c:order val="1"/>
+          <c:tx>
+            <c:strRef>
+              <c:f>'NewResults_End)'!$C$3</c:f>
+              <c:strCache>
+                <c:ptCount val="1"/>
+                <c:pt idx="0">
+                  <c:v>Mean(Accuracy)</c:v>
+                </c:pt>
+              </c:strCache>
+            </c:strRef>
+          </c:tx>
+          <c:spPr>
+            <a:solidFill>
+              <a:schemeClr val="accent2"/>
+            </a:solidFill>
+            <a:ln>
+              <a:noFill/>
+            </a:ln>
+            <a:effectLst/>
+          </c:spPr>
+          <c:invertIfNegative val="0"/>
+          <c:cat>
+            <c:numRef>
+              <c:f>'NewResults_End)'!$A$27:$A$29</c:f>
+              <c:numCache>
+                <c:formatCode>0%</c:formatCode>
+                <c:ptCount val="3"/>
+                <c:pt idx="0">
+                  <c:v>0.1</c:v>
+                </c:pt>
+                <c:pt idx="1">
+                  <c:v>0.4</c:v>
+                </c:pt>
+                <c:pt idx="2">
+                  <c:v>0.7</c:v>
+                </c:pt>
+              </c:numCache>
+            </c:numRef>
+          </c:cat>
+          <c:val>
+            <c:numRef>
+              <c:f>'NewResults_End)'!$C$27:$C$29</c:f>
+              <c:numCache>
+                <c:formatCode>General</c:formatCode>
+                <c:ptCount val="3"/>
+                <c:pt idx="0">
+                  <c:v>0.78513665677141975</c:v>
+                </c:pt>
+                <c:pt idx="1">
+                  <c:v>0.77459310062442421</c:v>
+                </c:pt>
+                <c:pt idx="2">
+                  <c:v>0.74961613266455118</c:v>
+                </c:pt>
+              </c:numCache>
+            </c:numRef>
+          </c:val>
+          <c:extLst>
+            <c:ext xmlns:c16="http://schemas.microsoft.com/office/drawing/2014/chart" uri="{C3380CC4-5D6E-409C-BE32-E72D297353CC}">
+              <c16:uniqueId val="{00000001-0918-274F-B194-CE5307256D03}"/>
+            </c:ext>
+          </c:extLst>
+        </c:ser>
+        <c:ser>
+          <c:idx val="2"/>
+          <c:order val="2"/>
+          <c:tx>
+            <c:strRef>
+              <c:f>'NewResults_End)'!$D$3</c:f>
+              <c:strCache>
+                <c:ptCount val="1"/>
+                <c:pt idx="0">
+                  <c:v>k-NN(Accuracy)</c:v>
+                </c:pt>
+              </c:strCache>
+            </c:strRef>
+          </c:tx>
+          <c:spPr>
+            <a:solidFill>
+              <a:schemeClr val="accent1">
+                <a:lumMod val="75000"/>
+              </a:schemeClr>
+            </a:solidFill>
+            <a:ln>
+              <a:noFill/>
+            </a:ln>
+            <a:effectLst/>
+          </c:spPr>
+          <c:invertIfNegative val="0"/>
+          <c:cat>
+            <c:numRef>
+              <c:f>'NewResults_End)'!$A$27:$A$29</c:f>
+              <c:numCache>
+                <c:formatCode>0%</c:formatCode>
+                <c:ptCount val="3"/>
+                <c:pt idx="0">
+                  <c:v>0.1</c:v>
+                </c:pt>
+                <c:pt idx="1">
+                  <c:v>0.4</c:v>
+                </c:pt>
+                <c:pt idx="2">
+                  <c:v>0.7</c:v>
+                </c:pt>
+              </c:numCache>
+            </c:numRef>
+          </c:cat>
+          <c:val>
+            <c:numRef>
+              <c:f>'NewResults_End)'!$D$27:$D$29</c:f>
+              <c:numCache>
+                <c:formatCode>General</c:formatCode>
+                <c:ptCount val="3"/>
+                <c:pt idx="0">
+                  <c:v>0.78431799999999996</c:v>
+                </c:pt>
+                <c:pt idx="1">
+                  <c:v>0.61203799999999997</c:v>
+                </c:pt>
+                <c:pt idx="2">
+                  <c:v>0.31958199999999998</c:v>
+                </c:pt>
+              </c:numCache>
+            </c:numRef>
+          </c:val>
+          <c:extLst>
+            <c:ext xmlns:c16="http://schemas.microsoft.com/office/drawing/2014/chart" uri="{C3380CC4-5D6E-409C-BE32-E72D297353CC}">
+              <c16:uniqueId val="{00000002-0918-274F-B194-CE5307256D03}"/>
+            </c:ext>
+          </c:extLst>
+        </c:ser>
+        <c:dLbls>
+          <c:showLegendKey val="0"/>
+          <c:showVal val="0"/>
+          <c:showCatName val="0"/>
+          <c:showSerName val="0"/>
+          <c:showPercent val="0"/>
+          <c:showBubbleSize val="0"/>
+        </c:dLbls>
+        <c:gapWidth val="150"/>
+        <c:axId val="397713664"/>
+        <c:axId val="397715392"/>
+      </c:barChart>
+      <c:catAx>
+        <c:axId val="397713664"/>
+        <c:scaling>
+          <c:orientation val="minMax"/>
+        </c:scaling>
+        <c:delete val="0"/>
+        <c:axPos val="b"/>
+        <c:title>
+          <c:tx>
+            <c:rich>
+              <a:bodyPr rot="0" spcFirstLastPara="1" vertOverflow="ellipsis" vert="horz" wrap="square" anchor="ctr" anchorCtr="1"/>
+              <a:lstStyle/>
+              <a:p>
+                <a:pPr>
+                  <a:defRPr sz="1000" b="0" i="0" u="none" strike="noStrike" kern="1200" baseline="0">
+                    <a:solidFill>
+                      <a:schemeClr val="tx1">
+                        <a:lumMod val="65000"/>
+                        <a:lumOff val="35000"/>
+                      </a:schemeClr>
+                    </a:solidFill>
+                    <a:latin typeface="+mn-lt"/>
+                    <a:ea typeface="+mn-ea"/>
+                    <a:cs typeface="+mn-cs"/>
+                  </a:defRPr>
+                </a:pPr>
+                <a:r>
+                  <a:rPr lang="en-GB"/>
+                  <a:t>Proportion of Missing Values Imputed</a:t>
+                </a:r>
+              </a:p>
+            </c:rich>
+          </c:tx>
+          <c:overlay val="0"/>
+          <c:spPr>
+            <a:noFill/>
+            <a:ln>
+              <a:noFill/>
+            </a:ln>
+            <a:effectLst/>
+          </c:spPr>
+          <c:txPr>
+            <a:bodyPr rot="0" spcFirstLastPara="1" vertOverflow="ellipsis" vert="horz" wrap="square" anchor="ctr" anchorCtr="1"/>
+            <a:lstStyle/>
+            <a:p>
+              <a:pPr>
+                <a:defRPr sz="1000" b="0" i="0" u="none" strike="noStrike" kern="1200" baseline="0">
+                  <a:solidFill>
+                    <a:schemeClr val="tx1">
+                      <a:lumMod val="65000"/>
+                      <a:lumOff val="35000"/>
+                    </a:schemeClr>
+                  </a:solidFill>
+                  <a:latin typeface="+mn-lt"/>
+                  <a:ea typeface="+mn-ea"/>
+                  <a:cs typeface="+mn-cs"/>
+                </a:defRPr>
+              </a:pPr>
+              <a:endParaRPr lang="en-US"/>
+            </a:p>
+          </c:txPr>
+        </c:title>
+        <c:numFmt formatCode="0%" sourceLinked="1"/>
+        <c:majorTickMark val="none"/>
+        <c:minorTickMark val="none"/>
+        <c:tickLblPos val="nextTo"/>
+        <c:spPr>
+          <a:noFill/>
+          <a:ln w="9525" cap="flat" cmpd="sng" algn="ctr">
+            <a:solidFill>
+              <a:schemeClr val="tx1">
+                <a:lumMod val="15000"/>
+                <a:lumOff val="85000"/>
+              </a:schemeClr>
+            </a:solidFill>
+            <a:round/>
+          </a:ln>
+          <a:effectLst/>
+        </c:spPr>
+        <c:txPr>
+          <a:bodyPr rot="-60000000" spcFirstLastPara="1" vertOverflow="ellipsis" vert="horz" wrap="square" anchor="ctr" anchorCtr="1"/>
+          <a:lstStyle/>
+          <a:p>
+            <a:pPr>
+              <a:defRPr sz="900" b="0" i="0" u="none" strike="noStrike" kern="1200" baseline="0">
+                <a:solidFill>
+                  <a:schemeClr val="tx1">
+                    <a:lumMod val="65000"/>
+                    <a:lumOff val="35000"/>
+                  </a:schemeClr>
+                </a:solidFill>
+                <a:latin typeface="+mn-lt"/>
+                <a:ea typeface="+mn-ea"/>
+                <a:cs typeface="+mn-cs"/>
+              </a:defRPr>
+            </a:pPr>
+            <a:endParaRPr lang="en-US"/>
+          </a:p>
+        </c:txPr>
+        <c:crossAx val="397715392"/>
+        <c:crosses val="autoZero"/>
+        <c:auto val="1"/>
+        <c:lblAlgn val="ctr"/>
+        <c:lblOffset val="100"/>
+        <c:noMultiLvlLbl val="0"/>
+      </c:catAx>
+      <c:valAx>
+        <c:axId val="397715392"/>
+        <c:scaling>
+          <c:orientation val="minMax"/>
+        </c:scaling>
+        <c:delete val="0"/>
+        <c:axPos val="l"/>
+        <c:majorGridlines>
+          <c:spPr>
+            <a:ln w="9525" cap="flat" cmpd="sng" algn="ctr">
+              <a:solidFill>
+                <a:schemeClr val="tx1">
+                  <a:lumMod val="15000"/>
+                  <a:lumOff val="85000"/>
+                </a:schemeClr>
+              </a:solidFill>
+              <a:round/>
+            </a:ln>
+            <a:effectLst/>
+          </c:spPr>
+        </c:majorGridlines>
+        <c:title>
+          <c:tx>
+            <c:rich>
+              <a:bodyPr rot="-5400000" spcFirstLastPara="1" vertOverflow="ellipsis" vert="horz" wrap="square" anchor="ctr" anchorCtr="1"/>
+              <a:lstStyle/>
+              <a:p>
+                <a:pPr>
+                  <a:defRPr sz="1000" b="0" i="0" u="none" strike="noStrike" kern="1200" baseline="0">
+                    <a:solidFill>
+                      <a:schemeClr val="tx1">
+                        <a:lumMod val="65000"/>
+                        <a:lumOff val="35000"/>
+                      </a:schemeClr>
+                    </a:solidFill>
+                    <a:latin typeface="+mn-lt"/>
+                    <a:ea typeface="+mn-ea"/>
+                    <a:cs typeface="+mn-cs"/>
+                  </a:defRPr>
+                </a:pPr>
+                <a:r>
+                  <a:rPr lang="en-GB"/>
+                  <a:t>Calculated</a:t>
+                </a:r>
+                <a:r>
+                  <a:rPr lang="en-GB" baseline="0"/>
+                  <a:t> Accuracy</a:t>
+                </a:r>
+                <a:endParaRPr lang="en-GB"/>
+              </a:p>
+            </c:rich>
+          </c:tx>
+          <c:overlay val="0"/>
+          <c:spPr>
+            <a:noFill/>
+            <a:ln>
+              <a:noFill/>
+            </a:ln>
+            <a:effectLst/>
+          </c:spPr>
+          <c:txPr>
+            <a:bodyPr rot="-5400000" spcFirstLastPara="1" vertOverflow="ellipsis" vert="horz" wrap="square" anchor="ctr" anchorCtr="1"/>
+            <a:lstStyle/>
+            <a:p>
+              <a:pPr>
+                <a:defRPr sz="1000" b="0" i="0" u="none" strike="noStrike" kern="1200" baseline="0">
+                  <a:solidFill>
+                    <a:schemeClr val="tx1">
+                      <a:lumMod val="65000"/>
+                      <a:lumOff val="35000"/>
+                    </a:schemeClr>
+                  </a:solidFill>
+                  <a:latin typeface="+mn-lt"/>
+                  <a:ea typeface="+mn-ea"/>
+                  <a:cs typeface="+mn-cs"/>
+                </a:defRPr>
+              </a:pPr>
+              <a:endParaRPr lang="en-US"/>
+            </a:p>
+          </c:txPr>
+        </c:title>
+        <c:numFmt formatCode="General" sourceLinked="1"/>
+        <c:majorTickMark val="none"/>
+        <c:minorTickMark val="none"/>
+        <c:tickLblPos val="nextTo"/>
+        <c:spPr>
+          <a:noFill/>
+          <a:ln>
+            <a:noFill/>
+          </a:ln>
+          <a:effectLst/>
+        </c:spPr>
+        <c:txPr>
+          <a:bodyPr rot="-60000000" spcFirstLastPara="1" vertOverflow="ellipsis" vert="horz" wrap="square" anchor="ctr" anchorCtr="1"/>
+          <a:lstStyle/>
+          <a:p>
+            <a:pPr>
+              <a:defRPr sz="900" b="0" i="0" u="none" strike="noStrike" kern="1200" baseline="0">
+                <a:solidFill>
+                  <a:schemeClr val="tx1">
+                    <a:lumMod val="65000"/>
+                    <a:lumOff val="35000"/>
+                  </a:schemeClr>
+                </a:solidFill>
+                <a:latin typeface="+mn-lt"/>
+                <a:ea typeface="+mn-ea"/>
+                <a:cs typeface="+mn-cs"/>
+              </a:defRPr>
+            </a:pPr>
+            <a:endParaRPr lang="en-US"/>
+          </a:p>
+        </c:txPr>
+        <c:crossAx val="397713664"/>
+        <c:crosses val="autoZero"/>
+        <c:crossBetween val="between"/>
+      </c:valAx>
+      <c:spPr>
+        <a:noFill/>
+        <a:ln>
+          <a:noFill/>
+        </a:ln>
+        <a:effectLst/>
+      </c:spPr>
+    </c:plotArea>
+    <c:legend>
+      <c:legendPos val="r"/>
+      <c:overlay val="0"/>
+      <c:spPr>
+        <a:noFill/>
+        <a:ln>
+          <a:noFill/>
+        </a:ln>
+        <a:effectLst/>
+      </c:spPr>
+      <c:txPr>
+        <a:bodyPr rot="0" spcFirstLastPara="1" vertOverflow="ellipsis" vert="horz" wrap="square" anchor="ctr" anchorCtr="1"/>
+        <a:lstStyle/>
+        <a:p>
+          <a:pPr>
+            <a:defRPr sz="900" b="0" i="0" u="none" strike="noStrike" kern="1200" baseline="0">
+              <a:solidFill>
+                <a:schemeClr val="tx1">
+                  <a:lumMod val="65000"/>
+                  <a:lumOff val="35000"/>
+                </a:schemeClr>
+              </a:solidFill>
+              <a:latin typeface="+mn-lt"/>
+              <a:ea typeface="+mn-ea"/>
+              <a:cs typeface="+mn-cs"/>
+            </a:defRPr>
+          </a:pPr>
+          <a:endParaRPr lang="en-US"/>
+        </a:p>
+      </c:txPr>
+    </c:legend>
+    <c:plotVisOnly val="1"/>
+    <c:dispBlanksAs val="gap"/>
+    <c:extLst>
+      <c:ext xmlns:c16r3="http://schemas.microsoft.com/office/drawing/2017/03/chart" uri="{56B9EC1D-385E-4148-901F-78D8002777C0}">
+        <c16r3:dataDisplayOptions16>
+          <c16r3:dispNaAsBlank val="1"/>
+        </c16r3:dataDisplayOptions16>
+      </c:ext>
+    </c:extLst>
+    <c:showDLblsOverMax val="0"/>
+  </c:chart>
+  <c:spPr>
+    <a:noFill/>
+    <a:ln>
+      <a:noFill/>
+    </a:ln>
+    <a:effectLst/>
+  </c:spPr>
+  <c:txPr>
+    <a:bodyPr/>
+    <a:lstStyle/>
+    <a:p>
+      <a:pPr>
+        <a:defRPr/>
+      </a:pPr>
+      <a:endParaRPr lang="en-US"/>
+    </a:p>
+  </c:txPr>
+  <c:externalData r:id="rId3">
+    <c:autoUpdate val="0"/>
+  </c:externalData>
+</c:chartSpace>
+</file>
+
+<file path=ppt/charts/chart4.xml><?xml version="1.0" encoding="utf-8"?>
+<c:chartSpace xmlns:c="http://schemas.openxmlformats.org/drawingml/2006/chart" xmlns:a="http://schemas.openxmlformats.org/drawingml/2006/main" xmlns:r="http://schemas.openxmlformats.org/officeDocument/2006/relationships" xmlns:c16r2="http://schemas.microsoft.com/office/drawing/2015/06/chart">
+  <c:date1904 val="0"/>
+  <c:lang val="en-GB"/>
+  <c:roundedCorners val="0"/>
+  <mc:AlternateContent xmlns:mc="http://schemas.openxmlformats.org/markup-compatibility/2006">
+    <mc:Choice xmlns:c14="http://schemas.microsoft.com/office/drawing/2007/8/2/chart" Requires="c14">
+      <c14:style val="102"/>
+    </mc:Choice>
+    <mc:Fallback>
+      <c:style val="2"/>
+    </mc:Fallback>
+  </mc:AlternateContent>
+  <c:chart>
+    <c:title>
+      <c:tx>
+        <c:rich>
+          <a:bodyPr rot="0" spcFirstLastPara="1" vertOverflow="ellipsis" vert="horz" wrap="square" anchor="ctr" anchorCtr="1"/>
+          <a:lstStyle/>
+          <a:p>
+            <a:pPr>
+              <a:defRPr sz="1400" b="0" i="0" u="none" strike="noStrike" kern="1200" spc="0" baseline="0">
+                <a:solidFill>
+                  <a:schemeClr val="tx1">
+                    <a:lumMod val="65000"/>
+                    <a:lumOff val="35000"/>
+                  </a:schemeClr>
+                </a:solidFill>
+                <a:latin typeface="+mn-lt"/>
+                <a:ea typeface="+mn-ea"/>
+                <a:cs typeface="+mn-cs"/>
+              </a:defRPr>
+            </a:pPr>
+            <a:r>
+              <a:rPr lang="en-GB"/>
+              <a:t>k-Nerest Neighbour: F1</a:t>
+            </a:r>
+          </a:p>
+        </c:rich>
+      </c:tx>
+      <c:overlay val="0"/>
+      <c:spPr>
+        <a:noFill/>
+        <a:ln>
+          <a:noFill/>
+        </a:ln>
+        <a:effectLst/>
+      </c:spPr>
+      <c:txPr>
+        <a:bodyPr rot="0" spcFirstLastPara="1" vertOverflow="ellipsis" vert="horz" wrap="square" anchor="ctr" anchorCtr="1"/>
+        <a:lstStyle/>
+        <a:p>
+          <a:pPr>
+            <a:defRPr sz="1400" b="0" i="0" u="none" strike="noStrike" kern="1200" spc="0" baseline="0">
+              <a:solidFill>
+                <a:schemeClr val="tx1">
+                  <a:lumMod val="65000"/>
+                  <a:lumOff val="35000"/>
+                </a:schemeClr>
+              </a:solidFill>
+              <a:latin typeface="+mn-lt"/>
+              <a:ea typeface="+mn-ea"/>
+              <a:cs typeface="+mn-cs"/>
+            </a:defRPr>
+          </a:pPr>
+          <a:endParaRPr lang="en-US"/>
+        </a:p>
+      </c:txPr>
+    </c:title>
+    <c:autoTitleDeleted val="0"/>
+    <c:plotArea>
+      <c:layout/>
+      <c:barChart>
+        <c:barDir val="col"/>
+        <c:grouping val="clustered"/>
+        <c:varyColors val="0"/>
+        <c:ser>
+          <c:idx val="0"/>
+          <c:order val="0"/>
+          <c:tx>
+            <c:strRef>
+              <c:f>'NewResults_End)'!$N$3</c:f>
+              <c:strCache>
+                <c:ptCount val="1"/>
+                <c:pt idx="0">
+                  <c:v>Control(F1)</c:v>
+                </c:pt>
+              </c:strCache>
+            </c:strRef>
+          </c:tx>
+          <c:spPr>
+            <a:solidFill>
+              <a:schemeClr val="bg1">
+                <a:lumMod val="65000"/>
+              </a:schemeClr>
+            </a:solidFill>
+            <a:ln>
+              <a:noFill/>
+            </a:ln>
+            <a:effectLst/>
+          </c:spPr>
+          <c:invertIfNegative val="0"/>
+          <c:cat>
+            <c:numRef>
+              <c:f>'NewResults_End)'!$A$27:$A$29</c:f>
+              <c:numCache>
+                <c:formatCode>0%</c:formatCode>
+                <c:ptCount val="3"/>
+                <c:pt idx="0">
+                  <c:v>0.1</c:v>
+                </c:pt>
+                <c:pt idx="1">
+                  <c:v>0.4</c:v>
+                </c:pt>
+                <c:pt idx="2">
+                  <c:v>0.7</c:v>
+                </c:pt>
+              </c:numCache>
+            </c:numRef>
+          </c:cat>
+          <c:val>
+            <c:numRef>
+              <c:f>'NewResults_End)'!$N$27:$N$29</c:f>
+              <c:numCache>
+                <c:formatCode>General</c:formatCode>
+                <c:ptCount val="3"/>
+                <c:pt idx="0">
+                  <c:v>0.80039686949754418</c:v>
+                </c:pt>
+                <c:pt idx="1">
+                  <c:v>0.80039686949754418</c:v>
+                </c:pt>
+                <c:pt idx="2">
+                  <c:v>0.80039686949754418</c:v>
+                </c:pt>
+              </c:numCache>
+            </c:numRef>
+          </c:val>
+          <c:extLst>
+            <c:ext xmlns:c16="http://schemas.microsoft.com/office/drawing/2014/chart" uri="{C3380CC4-5D6E-409C-BE32-E72D297353CC}">
+              <c16:uniqueId val="{00000000-5FB9-E64C-91E1-678DEDBBA450}"/>
+            </c:ext>
+          </c:extLst>
+        </c:ser>
+        <c:ser>
+          <c:idx val="1"/>
+          <c:order val="1"/>
+          <c:tx>
+            <c:strRef>
+              <c:f>'NewResults_End)'!$O$3</c:f>
+              <c:strCache>
+                <c:ptCount val="1"/>
+                <c:pt idx="0">
+                  <c:v>Mean(F1)</c:v>
+                </c:pt>
+              </c:strCache>
+            </c:strRef>
+          </c:tx>
+          <c:spPr>
+            <a:solidFill>
+              <a:schemeClr val="accent2"/>
+            </a:solidFill>
+            <a:ln>
+              <a:noFill/>
+            </a:ln>
+            <a:effectLst/>
+          </c:spPr>
+          <c:invertIfNegative val="0"/>
+          <c:cat>
+            <c:numRef>
+              <c:f>'NewResults_End)'!$A$27:$A$29</c:f>
+              <c:numCache>
+                <c:formatCode>0%</c:formatCode>
+                <c:ptCount val="3"/>
+                <c:pt idx="0">
+                  <c:v>0.1</c:v>
+                </c:pt>
+                <c:pt idx="1">
+                  <c:v>0.4</c:v>
+                </c:pt>
+                <c:pt idx="2">
+                  <c:v>0.7</c:v>
+                </c:pt>
+              </c:numCache>
+            </c:numRef>
+          </c:cat>
+          <c:val>
+            <c:numRef>
+              <c:f>'NewResults_End)'!$O$27:$O$29</c:f>
+              <c:numCache>
+                <c:formatCode>General</c:formatCode>
+                <c:ptCount val="3"/>
+                <c:pt idx="0">
+                  <c:v>0.77208995728365548</c:v>
+                </c:pt>
+                <c:pt idx="1">
+                  <c:v>0.74705270822564263</c:v>
+                </c:pt>
+                <c:pt idx="2">
+                  <c:v>0.71571575033308343</c:v>
+                </c:pt>
+              </c:numCache>
+            </c:numRef>
+          </c:val>
+          <c:extLst>
+            <c:ext xmlns:c16="http://schemas.microsoft.com/office/drawing/2014/chart" uri="{C3380CC4-5D6E-409C-BE32-E72D297353CC}">
+              <c16:uniqueId val="{00000001-5FB9-E64C-91E1-678DEDBBA450}"/>
+            </c:ext>
+          </c:extLst>
+        </c:ser>
+        <c:ser>
+          <c:idx val="2"/>
+          <c:order val="2"/>
+          <c:tx>
+            <c:strRef>
+              <c:f>'NewResults_End)'!$P$3</c:f>
+              <c:strCache>
+                <c:ptCount val="1"/>
+                <c:pt idx="0">
+                  <c:v>k-NN(F1)</c:v>
+                </c:pt>
+              </c:strCache>
+            </c:strRef>
+          </c:tx>
+          <c:spPr>
+            <a:solidFill>
+              <a:schemeClr val="accent1">
+                <a:lumMod val="75000"/>
+              </a:schemeClr>
+            </a:solidFill>
+            <a:ln>
+              <a:noFill/>
+            </a:ln>
+            <a:effectLst/>
+          </c:spPr>
+          <c:invertIfNegative val="0"/>
+          <c:cat>
+            <c:numRef>
+              <c:f>'NewResults_End)'!$A$27:$A$29</c:f>
+              <c:numCache>
+                <c:formatCode>0%</c:formatCode>
+                <c:ptCount val="3"/>
+                <c:pt idx="0">
+                  <c:v>0.1</c:v>
+                </c:pt>
+                <c:pt idx="1">
+                  <c:v>0.4</c:v>
+                </c:pt>
+                <c:pt idx="2">
+                  <c:v>0.7</c:v>
+                </c:pt>
+              </c:numCache>
+            </c:numRef>
+          </c:cat>
+          <c:val>
+            <c:numRef>
+              <c:f>'NewResults_End)'!$P$27:$P$29</c:f>
+              <c:numCache>
+                <c:formatCode>General</c:formatCode>
+                <c:ptCount val="3"/>
+                <c:pt idx="0">
+                  <c:v>0.78365399999999996</c:v>
+                </c:pt>
+                <c:pt idx="1">
+                  <c:v>0.64047299999999996</c:v>
+                </c:pt>
+                <c:pt idx="2">
+                  <c:v>0.26821</c:v>
+                </c:pt>
+              </c:numCache>
+            </c:numRef>
+          </c:val>
+          <c:extLst>
+            <c:ext xmlns:c16="http://schemas.microsoft.com/office/drawing/2014/chart" uri="{C3380CC4-5D6E-409C-BE32-E72D297353CC}">
+              <c16:uniqueId val="{00000002-5FB9-E64C-91E1-678DEDBBA450}"/>
+            </c:ext>
+          </c:extLst>
+        </c:ser>
+        <c:dLbls>
+          <c:showLegendKey val="0"/>
+          <c:showVal val="0"/>
+          <c:showCatName val="0"/>
+          <c:showSerName val="0"/>
+          <c:showPercent val="0"/>
+          <c:showBubbleSize val="0"/>
+        </c:dLbls>
+        <c:gapWidth val="150"/>
+        <c:axId val="397713664"/>
+        <c:axId val="397715392"/>
+      </c:barChart>
+      <c:catAx>
+        <c:axId val="397713664"/>
+        <c:scaling>
+          <c:orientation val="minMax"/>
+        </c:scaling>
+        <c:delete val="0"/>
+        <c:axPos val="b"/>
+        <c:title>
+          <c:tx>
+            <c:rich>
+              <a:bodyPr rot="0" spcFirstLastPara="1" vertOverflow="ellipsis" vert="horz" wrap="square" anchor="ctr" anchorCtr="1"/>
+              <a:lstStyle/>
+              <a:p>
+                <a:pPr>
+                  <a:defRPr sz="1000" b="0" i="0" u="none" strike="noStrike" kern="1200" baseline="0">
+                    <a:solidFill>
+                      <a:schemeClr val="tx1">
+                        <a:lumMod val="65000"/>
+                        <a:lumOff val="35000"/>
+                      </a:schemeClr>
+                    </a:solidFill>
+                    <a:latin typeface="+mn-lt"/>
+                    <a:ea typeface="+mn-ea"/>
+                    <a:cs typeface="+mn-cs"/>
+                  </a:defRPr>
+                </a:pPr>
+                <a:r>
+                  <a:rPr lang="en-GB"/>
+                  <a:t>Proportion of Missing Values Imputed</a:t>
+                </a:r>
+              </a:p>
+            </c:rich>
+          </c:tx>
+          <c:overlay val="0"/>
+          <c:spPr>
+            <a:noFill/>
+            <a:ln>
+              <a:noFill/>
+            </a:ln>
+            <a:effectLst/>
+          </c:spPr>
+          <c:txPr>
+            <a:bodyPr rot="0" spcFirstLastPara="1" vertOverflow="ellipsis" vert="horz" wrap="square" anchor="ctr" anchorCtr="1"/>
+            <a:lstStyle/>
+            <a:p>
+              <a:pPr>
+                <a:defRPr sz="1000" b="0" i="0" u="none" strike="noStrike" kern="1200" baseline="0">
+                  <a:solidFill>
+                    <a:schemeClr val="tx1">
+                      <a:lumMod val="65000"/>
+                      <a:lumOff val="35000"/>
+                    </a:schemeClr>
+                  </a:solidFill>
+                  <a:latin typeface="+mn-lt"/>
+                  <a:ea typeface="+mn-ea"/>
+                  <a:cs typeface="+mn-cs"/>
+                </a:defRPr>
+              </a:pPr>
+              <a:endParaRPr lang="en-US"/>
+            </a:p>
+          </c:txPr>
+        </c:title>
+        <c:numFmt formatCode="0%" sourceLinked="1"/>
+        <c:majorTickMark val="none"/>
+        <c:minorTickMark val="none"/>
+        <c:tickLblPos val="nextTo"/>
+        <c:spPr>
+          <a:noFill/>
+          <a:ln w="9525" cap="flat" cmpd="sng" algn="ctr">
+            <a:solidFill>
+              <a:schemeClr val="tx1">
+                <a:lumMod val="15000"/>
+                <a:lumOff val="85000"/>
+              </a:schemeClr>
+            </a:solidFill>
+            <a:round/>
+          </a:ln>
+          <a:effectLst/>
+        </c:spPr>
+        <c:txPr>
+          <a:bodyPr rot="-60000000" spcFirstLastPara="1" vertOverflow="ellipsis" vert="horz" wrap="square" anchor="ctr" anchorCtr="1"/>
+          <a:lstStyle/>
+          <a:p>
+            <a:pPr>
+              <a:defRPr sz="900" b="0" i="0" u="none" strike="noStrike" kern="1200" baseline="0">
+                <a:solidFill>
+                  <a:schemeClr val="tx1">
+                    <a:lumMod val="65000"/>
+                    <a:lumOff val="35000"/>
+                  </a:schemeClr>
+                </a:solidFill>
+                <a:latin typeface="+mn-lt"/>
+                <a:ea typeface="+mn-ea"/>
+                <a:cs typeface="+mn-cs"/>
+              </a:defRPr>
+            </a:pPr>
+            <a:endParaRPr lang="en-US"/>
+          </a:p>
+        </c:txPr>
+        <c:crossAx val="397715392"/>
+        <c:crosses val="autoZero"/>
+        <c:auto val="1"/>
+        <c:lblAlgn val="ctr"/>
+        <c:lblOffset val="100"/>
+        <c:noMultiLvlLbl val="0"/>
+      </c:catAx>
+      <c:valAx>
+        <c:axId val="397715392"/>
+        <c:scaling>
+          <c:orientation val="minMax"/>
+        </c:scaling>
+        <c:delete val="0"/>
+        <c:axPos val="l"/>
+        <c:majorGridlines>
+          <c:spPr>
+            <a:ln w="9525" cap="flat" cmpd="sng" algn="ctr">
+              <a:solidFill>
+                <a:schemeClr val="tx1">
+                  <a:lumMod val="15000"/>
+                  <a:lumOff val="85000"/>
+                </a:schemeClr>
+              </a:solidFill>
+              <a:round/>
+            </a:ln>
+            <a:effectLst/>
+          </c:spPr>
+        </c:majorGridlines>
+        <c:title>
+          <c:tx>
+            <c:rich>
+              <a:bodyPr rot="-5400000" spcFirstLastPara="1" vertOverflow="ellipsis" vert="horz" wrap="square" anchor="ctr" anchorCtr="1"/>
+              <a:lstStyle/>
+              <a:p>
+                <a:pPr>
+                  <a:defRPr sz="1000" b="0" i="0" u="none" strike="noStrike" kern="1200" baseline="0">
+                    <a:solidFill>
+                      <a:schemeClr val="tx1">
+                        <a:lumMod val="65000"/>
+                        <a:lumOff val="35000"/>
+                      </a:schemeClr>
+                    </a:solidFill>
+                    <a:latin typeface="+mn-lt"/>
+                    <a:ea typeface="+mn-ea"/>
+                    <a:cs typeface="+mn-cs"/>
+                  </a:defRPr>
+                </a:pPr>
+                <a:r>
+                  <a:rPr lang="en-GB"/>
+                  <a:t>Calculated</a:t>
+                </a:r>
+                <a:r>
+                  <a:rPr lang="en-GB" baseline="0"/>
+                  <a:t> F1</a:t>
+                </a:r>
+                <a:endParaRPr lang="en-GB"/>
+              </a:p>
+            </c:rich>
+          </c:tx>
+          <c:overlay val="0"/>
+          <c:spPr>
+            <a:noFill/>
+            <a:ln>
+              <a:noFill/>
+            </a:ln>
+            <a:effectLst/>
+          </c:spPr>
+          <c:txPr>
+            <a:bodyPr rot="-5400000" spcFirstLastPara="1" vertOverflow="ellipsis" vert="horz" wrap="square" anchor="ctr" anchorCtr="1"/>
+            <a:lstStyle/>
+            <a:p>
+              <a:pPr>
+                <a:defRPr sz="1000" b="0" i="0" u="none" strike="noStrike" kern="1200" baseline="0">
+                  <a:solidFill>
+                    <a:schemeClr val="tx1">
+                      <a:lumMod val="65000"/>
+                      <a:lumOff val="35000"/>
+                    </a:schemeClr>
+                  </a:solidFill>
+                  <a:latin typeface="+mn-lt"/>
+                  <a:ea typeface="+mn-ea"/>
+                  <a:cs typeface="+mn-cs"/>
+                </a:defRPr>
+              </a:pPr>
+              <a:endParaRPr lang="en-US"/>
+            </a:p>
+          </c:txPr>
+        </c:title>
+        <c:numFmt formatCode="General" sourceLinked="1"/>
+        <c:majorTickMark val="none"/>
+        <c:minorTickMark val="none"/>
+        <c:tickLblPos val="nextTo"/>
+        <c:spPr>
+          <a:noFill/>
+          <a:ln>
+            <a:noFill/>
+          </a:ln>
+          <a:effectLst/>
+        </c:spPr>
+        <c:txPr>
+          <a:bodyPr rot="-60000000" spcFirstLastPara="1" vertOverflow="ellipsis" vert="horz" wrap="square" anchor="ctr" anchorCtr="1"/>
+          <a:lstStyle/>
+          <a:p>
+            <a:pPr>
+              <a:defRPr sz="900" b="0" i="0" u="none" strike="noStrike" kern="1200" baseline="0">
+                <a:solidFill>
+                  <a:schemeClr val="tx1">
+                    <a:lumMod val="65000"/>
+                    <a:lumOff val="35000"/>
+                  </a:schemeClr>
+                </a:solidFill>
+                <a:latin typeface="+mn-lt"/>
+                <a:ea typeface="+mn-ea"/>
+                <a:cs typeface="+mn-cs"/>
+              </a:defRPr>
+            </a:pPr>
+            <a:endParaRPr lang="en-US"/>
+          </a:p>
+        </c:txPr>
+        <c:crossAx val="397713664"/>
+        <c:crosses val="autoZero"/>
+        <c:crossBetween val="between"/>
+      </c:valAx>
+      <c:spPr>
+        <a:noFill/>
+        <a:ln>
+          <a:noFill/>
+        </a:ln>
+        <a:effectLst/>
+      </c:spPr>
+    </c:plotArea>
+    <c:legend>
+      <c:legendPos val="r"/>
+      <c:overlay val="0"/>
+      <c:spPr>
+        <a:noFill/>
+        <a:ln>
+          <a:noFill/>
+        </a:ln>
+        <a:effectLst/>
+      </c:spPr>
+      <c:txPr>
+        <a:bodyPr rot="0" spcFirstLastPara="1" vertOverflow="ellipsis" vert="horz" wrap="square" anchor="ctr" anchorCtr="1"/>
+        <a:lstStyle/>
+        <a:p>
+          <a:pPr>
+            <a:defRPr sz="900" b="0" i="0" u="none" strike="noStrike" kern="1200" baseline="0">
+              <a:solidFill>
+                <a:schemeClr val="tx1">
+                  <a:lumMod val="65000"/>
+                  <a:lumOff val="35000"/>
+                </a:schemeClr>
+              </a:solidFill>
+              <a:latin typeface="+mn-lt"/>
+              <a:ea typeface="+mn-ea"/>
+              <a:cs typeface="+mn-cs"/>
+            </a:defRPr>
+          </a:pPr>
+          <a:endParaRPr lang="en-US"/>
+        </a:p>
+      </c:txPr>
+    </c:legend>
+    <c:plotVisOnly val="1"/>
+    <c:dispBlanksAs val="gap"/>
+    <c:extLst>
+      <c:ext xmlns:c16r3="http://schemas.microsoft.com/office/drawing/2017/03/chart" uri="{56B9EC1D-385E-4148-901F-78D8002777C0}">
+        <c16r3:dataDisplayOptions16>
+          <c16r3:dispNaAsBlank val="1"/>
+        </c16r3:dataDisplayOptions16>
+      </c:ext>
+    </c:extLst>
+    <c:showDLblsOverMax val="0"/>
+  </c:chart>
+  <c:spPr>
+    <a:noFill/>
+    <a:ln>
+      <a:noFill/>
+    </a:ln>
+    <a:effectLst/>
+  </c:spPr>
+  <c:txPr>
+    <a:bodyPr/>
+    <a:lstStyle/>
+    <a:p>
+      <a:pPr>
+        <a:defRPr/>
+      </a:pPr>
+      <a:endParaRPr lang="en-US"/>
+    </a:p>
+  </c:txPr>
+  <c:externalData r:id="rId3">
+    <c:autoUpdate val="0"/>
+  </c:externalData>
+</c:chartSpace>
+</file>
+
+<file path=ppt/charts/colors1.xml><?xml version="1.0" encoding="utf-8"?>
+<cs:colorStyle xmlns:cs="http://schemas.microsoft.com/office/drawing/2012/chartStyle" xmlns:a="http://schemas.openxmlformats.org/drawingml/2006/main" meth="cycle" id="10">
+  <a:schemeClr val="accent1"/>
+  <a:schemeClr val="accent2"/>
+  <a:schemeClr val="accent3"/>
+  <a:schemeClr val="accent4"/>
+  <a:schemeClr val="accent5"/>
+  <a:schemeClr val="accent6"/>
+  <cs:variation/>
+  <cs:variation>
+    <a:lumMod val="60000"/>
+  </cs:variation>
+  <cs:variation>
+    <a:lumMod val="80000"/>
+    <a:lumOff val="20000"/>
+  </cs:variation>
+  <cs:variation>
+    <a:lumMod val="80000"/>
+  </cs:variation>
+  <cs:variation>
+    <a:lumMod val="60000"/>
+    <a:lumOff val="40000"/>
+  </cs:variation>
+  <cs:variation>
+    <a:lumMod val="50000"/>
+  </cs:variation>
+  <cs:variation>
+    <a:lumMod val="70000"/>
+    <a:lumOff val="30000"/>
+  </cs:variation>
+  <cs:variation>
+    <a:lumMod val="70000"/>
+  </cs:variation>
+  <cs:variation>
+    <a:lumMod val="50000"/>
+    <a:lumOff val="50000"/>
+  </cs:variation>
+</cs:colorStyle>
+</file>
+
+<file path=ppt/charts/colors2.xml><?xml version="1.0" encoding="utf-8"?>
+<cs:colorStyle xmlns:cs="http://schemas.microsoft.com/office/drawing/2012/chartStyle" xmlns:a="http://schemas.openxmlformats.org/drawingml/2006/main" meth="cycle" id="10">
+  <a:schemeClr val="accent1"/>
+  <a:schemeClr val="accent2"/>
+  <a:schemeClr val="accent3"/>
+  <a:schemeClr val="accent4"/>
+  <a:schemeClr val="accent5"/>
+  <a:schemeClr val="accent6"/>
+  <cs:variation/>
+  <cs:variation>
+    <a:lumMod val="60000"/>
+  </cs:variation>
+  <cs:variation>
+    <a:lumMod val="80000"/>
+    <a:lumOff val="20000"/>
+  </cs:variation>
+  <cs:variation>
+    <a:lumMod val="80000"/>
+  </cs:variation>
+  <cs:variation>
+    <a:lumMod val="60000"/>
+    <a:lumOff val="40000"/>
+  </cs:variation>
+  <cs:variation>
+    <a:lumMod val="50000"/>
+  </cs:variation>
+  <cs:variation>
+    <a:lumMod val="70000"/>
+    <a:lumOff val="30000"/>
+  </cs:variation>
+  <cs:variation>
+    <a:lumMod val="70000"/>
+  </cs:variation>
+  <cs:variation>
+    <a:lumMod val="50000"/>
+    <a:lumOff val="50000"/>
+  </cs:variation>
+</cs:colorStyle>
+</file>
+
+<file path=ppt/charts/colors3.xml><?xml version="1.0" encoding="utf-8"?>
+<cs:colorStyle xmlns:cs="http://schemas.microsoft.com/office/drawing/2012/chartStyle" xmlns:a="http://schemas.openxmlformats.org/drawingml/2006/main" meth="cycle" id="10">
+  <a:schemeClr val="accent1"/>
+  <a:schemeClr val="accent2"/>
+  <a:schemeClr val="accent3"/>
+  <a:schemeClr val="accent4"/>
+  <a:schemeClr val="accent5"/>
+  <a:schemeClr val="accent6"/>
+  <cs:variation/>
+  <cs:variation>
+    <a:lumMod val="60000"/>
+  </cs:variation>
+  <cs:variation>
+    <a:lumMod val="80000"/>
+    <a:lumOff val="20000"/>
+  </cs:variation>
+  <cs:variation>
+    <a:lumMod val="80000"/>
+  </cs:variation>
+  <cs:variation>
+    <a:lumMod val="60000"/>
+    <a:lumOff val="40000"/>
+  </cs:variation>
+  <cs:variation>
+    <a:lumMod val="50000"/>
+  </cs:variation>
+  <cs:variation>
+    <a:lumMod val="70000"/>
+    <a:lumOff val="30000"/>
+  </cs:variation>
+  <cs:variation>
+    <a:lumMod val="70000"/>
+  </cs:variation>
+  <cs:variation>
+    <a:lumMod val="50000"/>
+    <a:lumOff val="50000"/>
+  </cs:variation>
+</cs:colorStyle>
+</file>
+
+<file path=ppt/charts/colors4.xml><?xml version="1.0" encoding="utf-8"?>
+<cs:colorStyle xmlns:cs="http://schemas.microsoft.com/office/drawing/2012/chartStyle" xmlns:a="http://schemas.openxmlformats.org/drawingml/2006/main" meth="cycle" id="10">
+  <a:schemeClr val="accent1"/>
+  <a:schemeClr val="accent2"/>
+  <a:schemeClr val="accent3"/>
+  <a:schemeClr val="accent4"/>
+  <a:schemeClr val="accent5"/>
+  <a:schemeClr val="accent6"/>
+  <cs:variation/>
+  <cs:variation>
+    <a:lumMod val="60000"/>
+  </cs:variation>
+  <cs:variation>
+    <a:lumMod val="80000"/>
+    <a:lumOff val="20000"/>
+  </cs:variation>
+  <cs:variation>
+    <a:lumMod val="80000"/>
+  </cs:variation>
+  <cs:variation>
+    <a:lumMod val="60000"/>
+    <a:lumOff val="40000"/>
+  </cs:variation>
+  <cs:variation>
+    <a:lumMod val="50000"/>
+  </cs:variation>
+  <cs:variation>
+    <a:lumMod val="70000"/>
+    <a:lumOff val="30000"/>
+  </cs:variation>
+  <cs:variation>
+    <a:lumMod val="70000"/>
+  </cs:variation>
+  <cs:variation>
+    <a:lumMod val="50000"/>
+    <a:lumOff val="50000"/>
+  </cs:variation>
+</cs:colorStyle>
+</file>
+
+<file path=ppt/charts/style1.xml><?xml version="1.0" encoding="utf-8"?>
+<cs:chartStyle xmlns:cs="http://schemas.microsoft.com/office/drawing/2012/chartStyle" xmlns:a="http://schemas.openxmlformats.org/drawingml/2006/main" id="227">
+  <cs:axisTitle>
+    <cs:lnRef idx="0"/>
+    <cs:fillRef idx="0"/>
+    <cs:effectRef idx="0"/>
+    <cs:fontRef idx="minor">
+      <a:schemeClr val="tx1">
+        <a:lumMod val="65000"/>
+        <a:lumOff val="35000"/>
+      </a:schemeClr>
+    </cs:fontRef>
+    <cs:defRPr sz="1000" kern="1200"/>
+  </cs:axisTitle>
+  <cs:categoryAxis>
+    <cs:lnRef idx="0"/>
+    <cs:fillRef idx="0"/>
+    <cs:effectRef idx="0"/>
+    <cs:fontRef idx="minor">
+      <a:schemeClr val="tx1">
+        <a:lumMod val="65000"/>
+        <a:lumOff val="35000"/>
+      </a:schemeClr>
+    </cs:fontRef>
+    <cs:spPr>
+      <a:ln w="9525" cap="flat" cmpd="sng" algn="ctr">
+        <a:solidFill>
+          <a:schemeClr val="tx1">
+            <a:lumMod val="15000"/>
+            <a:lumOff val="85000"/>
+          </a:schemeClr>
+        </a:solidFill>
+        <a:round/>
+      </a:ln>
+    </cs:spPr>
+    <cs:defRPr sz="900" kern="1200"/>
+  </cs:categoryAxis>
+  <cs:chartArea mods="allowNoFillOverride allowNoLineOverride">
+    <cs:lnRef idx="0"/>
+    <cs:fillRef idx="0"/>
+    <cs:effectRef idx="0"/>
+    <cs:fontRef idx="minor">
+      <a:schemeClr val="tx1"/>
+    </cs:fontRef>
+    <cs:spPr>
+      <a:solidFill>
+        <a:schemeClr val="bg1"/>
+      </a:solidFill>
+      <a:ln w="9525" cap="flat" cmpd="sng" algn="ctr">
+        <a:solidFill>
+          <a:schemeClr val="tx1">
+            <a:lumMod val="15000"/>
+            <a:lumOff val="85000"/>
+          </a:schemeClr>
+        </a:solidFill>
+        <a:round/>
+      </a:ln>
+    </cs:spPr>
+    <cs:defRPr sz="1000" kern="1200"/>
+  </cs:chartArea>
+  <cs:dataLabel>
+    <cs:lnRef idx="0"/>
+    <cs:fillRef idx="0"/>
+    <cs:effectRef idx="0"/>
+    <cs:fontRef idx="minor">
+      <a:schemeClr val="tx1">
+        <a:lumMod val="75000"/>
+        <a:lumOff val="25000"/>
+      </a:schemeClr>
+    </cs:fontRef>
+    <cs:defRPr sz="900" kern="1200"/>
+  </cs:dataLabel>
+  <cs:dataLabelCallout>
+    <cs:lnRef idx="0"/>
+    <cs:fillRef idx="0"/>
+    <cs:effectRef idx="0"/>
+    <cs:fontRef idx="minor">
+      <a:schemeClr val="dk1">
+        <a:lumMod val="65000"/>
+        <a:lumOff val="35000"/>
+      </a:schemeClr>
+    </cs:fontRef>
+    <cs:spPr>
+      <a:solidFill>
+        <a:schemeClr val="lt1"/>
+      </a:solidFill>
+      <a:ln>
+        <a:solidFill>
+          <a:schemeClr val="dk1">
+            <a:lumMod val="25000"/>
+            <a:lumOff val="75000"/>
+          </a:schemeClr>
+        </a:solidFill>
+      </a:ln>
+    </cs:spPr>
+    <cs:defRPr sz="900" kern="1200"/>
+    <cs:bodyPr rot="0" spcFirstLastPara="1" vertOverflow="clip" horzOverflow="clip" vert="horz" wrap="square" lIns="36576" tIns="18288" rIns="36576" bIns="18288" anchor="ctr" anchorCtr="1">
+      <a:spAutoFit/>
+    </cs:bodyPr>
+  </cs:dataLabelCallout>
+  <cs:dataPoint>
+    <cs:lnRef idx="0"/>
+    <cs:fillRef idx="1">
+      <cs:styleClr val="auto"/>
+    </cs:fillRef>
+    <cs:effectRef idx="0"/>
+    <cs:fontRef idx="minor">
+      <a:schemeClr val="tx1"/>
+    </cs:fontRef>
+    <cs:spPr>
+      <a:solidFill>
+        <a:schemeClr val="phClr"/>
+      </a:solidFill>
+    </cs:spPr>
+  </cs:dataPoint>
+  <cs:dataPoint3D>
+    <cs:lnRef idx="0"/>
+    <cs:fillRef idx="1">
+      <cs:styleClr val="auto"/>
+    </cs:fillRef>
+    <cs:effectRef idx="0"/>
+    <cs:fontRef idx="minor">
+      <a:schemeClr val="tx1"/>
+    </cs:fontRef>
+    <cs:spPr>
+      <a:solidFill>
+        <a:schemeClr val="phClr"/>
+      </a:solidFill>
+    </cs:spPr>
+  </cs:dataPoint3D>
+  <cs:dataPointLine>
+    <cs:lnRef idx="0">
+      <cs:styleClr val="auto"/>
+    </cs:lnRef>
+    <cs:fillRef idx="1"/>
+    <cs:effectRef idx="0"/>
+    <cs:fontRef idx="minor">
+      <a:schemeClr val="tx1"/>
+    </cs:fontRef>
+    <cs:spPr>
+      <a:ln w="28575" cap="rnd">
+        <a:solidFill>
+          <a:schemeClr val="phClr"/>
+        </a:solidFill>
+        <a:round/>
+      </a:ln>
+    </cs:spPr>
+  </cs:dataPointLine>
+  <cs:dataPointMarker>
+    <cs:lnRef idx="0">
+      <cs:styleClr val="auto"/>
+    </cs:lnRef>
+    <cs:fillRef idx="1">
+      <cs:styleClr val="auto"/>
+    </cs:fillRef>
+    <cs:effectRef idx="0"/>
+    <cs:fontRef idx="minor">
+      <a:schemeClr val="tx1"/>
+    </cs:fontRef>
+    <cs:spPr>
+      <a:solidFill>
+        <a:schemeClr val="phClr"/>
+      </a:solidFill>
+      <a:ln w="9525">
+        <a:solidFill>
+          <a:schemeClr val="phClr"/>
+        </a:solidFill>
+      </a:ln>
+    </cs:spPr>
+  </cs:dataPointMarker>
+  <cs:dataPointMarkerLayout symbol="circle" size="5"/>
+  <cs:dataPointWireframe>
+    <cs:lnRef idx="0">
+      <cs:styleClr val="auto"/>
+    </cs:lnRef>
+    <cs:fillRef idx="1"/>
+    <cs:effectRef idx="0"/>
+    <cs:fontRef idx="minor">
+      <a:schemeClr val="tx1"/>
+    </cs:fontRef>
+    <cs:spPr>
+      <a:ln w="9525" cap="rnd">
+        <a:solidFill>
+          <a:schemeClr val="phClr"/>
+        </a:solidFill>
+        <a:round/>
+      </a:ln>
+    </cs:spPr>
+  </cs:dataPointWireframe>
+  <cs:dataTable>
+    <cs:lnRef idx="0"/>
+    <cs:fillRef idx="0"/>
+    <cs:effectRef idx="0"/>
+    <cs:fontRef idx="minor">
+      <a:schemeClr val="tx1">
+        <a:lumMod val="65000"/>
+        <a:lumOff val="35000"/>
+      </a:schemeClr>
+    </cs:fontRef>
+    <cs:spPr>
+      <a:noFill/>
+      <a:ln w="9525" cap="flat" cmpd="sng" algn="ctr">
+        <a:solidFill>
+          <a:schemeClr val="tx1">
+            <a:lumMod val="15000"/>
+            <a:lumOff val="85000"/>
+          </a:schemeClr>
+        </a:solidFill>
+        <a:round/>
+      </a:ln>
+    </cs:spPr>
+    <cs:defRPr sz="900" kern="1200"/>
+  </cs:dataTable>
+  <cs:downBar>
+    <cs:lnRef idx="0"/>
+    <cs:fillRef idx="0"/>
+    <cs:effectRef idx="0"/>
+    <cs:fontRef idx="minor">
+      <a:schemeClr val="dk1"/>
+    </cs:fontRef>
+    <cs:spPr>
+      <a:solidFill>
+        <a:schemeClr val="dk1">
+          <a:lumMod val="65000"/>
+          <a:lumOff val="35000"/>
+        </a:schemeClr>
+      </a:solidFill>
+      <a:ln w="9525">
+        <a:solidFill>
+          <a:schemeClr val="tx1">
+            <a:lumMod val="65000"/>
+            <a:lumOff val="35000"/>
+          </a:schemeClr>
+        </a:solidFill>
+      </a:ln>
+    </cs:spPr>
+  </cs:downBar>
+  <cs:dropLine>
+    <cs:lnRef idx="0"/>
+    <cs:fillRef idx="0"/>
+    <cs:effectRef idx="0"/>
+    <cs:fontRef idx="minor">
+      <a:schemeClr val="tx1"/>
+    </cs:fontRef>
+    <cs:spPr>
+      <a:ln w="9525" cap="flat" cmpd="sng" algn="ctr">
+        <a:solidFill>
+          <a:schemeClr val="tx1">
+            <a:lumMod val="35000"/>
+            <a:lumOff val="65000"/>
+          </a:schemeClr>
+        </a:solidFill>
+        <a:round/>
+      </a:ln>
+    </cs:spPr>
+  </cs:dropLine>
+  <cs:errorBar>
+    <cs:lnRef idx="0"/>
+    <cs:fillRef idx="0"/>
+    <cs:effectRef idx="0"/>
+    <cs:fontRef idx="minor">
+      <a:schemeClr val="tx1"/>
+    </cs:fontRef>
+    <cs:spPr>
+      <a:ln w="9525" cap="flat" cmpd="sng" algn="ctr">
+        <a:solidFill>
+          <a:schemeClr val="tx1">
+            <a:lumMod val="65000"/>
+            <a:lumOff val="35000"/>
+          </a:schemeClr>
+        </a:solidFill>
+        <a:round/>
+      </a:ln>
+    </cs:spPr>
+  </cs:errorBar>
+  <cs:floor>
+    <cs:lnRef idx="0"/>
+    <cs:fillRef idx="0"/>
+    <cs:effectRef idx="0"/>
+    <cs:fontRef idx="minor">
+      <a:schemeClr val="tx1"/>
+    </cs:fontRef>
+    <cs:spPr>
+      <a:noFill/>
+      <a:ln>
+        <a:noFill/>
+      </a:ln>
+    </cs:spPr>
+  </cs:floor>
+  <cs:gridlineMajor>
+    <cs:lnRef idx="0"/>
+    <cs:fillRef idx="0"/>
+    <cs:effectRef idx="0"/>
+    <cs:fontRef idx="minor">
+      <a:schemeClr val="tx1"/>
+    </cs:fontRef>
+    <cs:spPr>
+      <a:ln w="9525" cap="flat" cmpd="sng" algn="ctr">
+        <a:solidFill>
+          <a:schemeClr val="tx1">
+            <a:lumMod val="15000"/>
+            <a:lumOff val="85000"/>
+          </a:schemeClr>
+        </a:solidFill>
+        <a:round/>
+      </a:ln>
+    </cs:spPr>
+  </cs:gridlineMajor>
+  <cs:gridlineMinor>
+    <cs:lnRef idx="0"/>
+    <cs:fillRef idx="0"/>
+    <cs:effectRef idx="0"/>
+    <cs:fontRef idx="minor">
+      <a:schemeClr val="tx1"/>
+    </cs:fontRef>
+    <cs:spPr>
+      <a:ln w="9525" cap="flat" cmpd="sng" algn="ctr">
+        <a:solidFill>
+          <a:schemeClr val="tx1">
+            <a:lumMod val="5000"/>
+            <a:lumOff val="95000"/>
+          </a:schemeClr>
+        </a:solidFill>
+        <a:round/>
+      </a:ln>
+    </cs:spPr>
+  </cs:gridlineMinor>
+  <cs:hiLoLine>
+    <cs:lnRef idx="0"/>
+    <cs:fillRef idx="0"/>
+    <cs:effectRef idx="0"/>
+    <cs:fontRef idx="minor">
+      <a:schemeClr val="tx1"/>
+    </cs:fontRef>
+    <cs:spPr>
+      <a:ln w="9525" cap="flat" cmpd="sng" algn="ctr">
+        <a:solidFill>
+          <a:schemeClr val="tx1">
+            <a:lumMod val="75000"/>
+            <a:lumOff val="25000"/>
+          </a:schemeClr>
+        </a:solidFill>
+        <a:round/>
+      </a:ln>
+    </cs:spPr>
+  </cs:hiLoLine>
+  <cs:leaderLine>
+    <cs:lnRef idx="0"/>
+    <cs:fillRef idx="0"/>
+    <cs:effectRef idx="0"/>
+    <cs:fontRef idx="minor">
+      <a:schemeClr val="tx1"/>
+    </cs:fontRef>
+    <cs:spPr>
+      <a:ln w="9525" cap="flat" cmpd="sng" algn="ctr">
+        <a:solidFill>
+          <a:schemeClr val="tx1">
+            <a:lumMod val="35000"/>
+            <a:lumOff val="65000"/>
+          </a:schemeClr>
+        </a:solidFill>
+        <a:round/>
+      </a:ln>
+    </cs:spPr>
+  </cs:leaderLine>
+  <cs:legend>
+    <cs:lnRef idx="0"/>
+    <cs:fillRef idx="0"/>
+    <cs:effectRef idx="0"/>
+    <cs:fontRef idx="minor">
+      <a:schemeClr val="tx1">
+        <a:lumMod val="65000"/>
+        <a:lumOff val="35000"/>
+      </a:schemeClr>
+    </cs:fontRef>
+    <cs:defRPr sz="900" kern="1200"/>
+  </cs:legend>
+  <cs:plotArea mods="allowNoFillOverride allowNoLineOverride">
+    <cs:lnRef idx="0"/>
+    <cs:fillRef idx="0"/>
+    <cs:effectRef idx="0"/>
+    <cs:fontRef idx="minor">
+      <a:schemeClr val="tx1"/>
+    </cs:fontRef>
+  </cs:plotArea>
+  <cs:plotArea3D mods="allowNoFillOverride allowNoLineOverride">
+    <cs:lnRef idx="0"/>
+    <cs:fillRef idx="0"/>
+    <cs:effectRef idx="0"/>
+    <cs:fontRef idx="minor">
+      <a:schemeClr val="tx1"/>
+    </cs:fontRef>
+  </cs:plotArea3D>
+  <cs:seriesAxis>
+    <cs:lnRef idx="0"/>
+    <cs:fillRef idx="0"/>
+    <cs:effectRef idx="0"/>
+    <cs:fontRef idx="minor">
+      <a:schemeClr val="tx1">
+        <a:lumMod val="65000"/>
+        <a:lumOff val="35000"/>
+      </a:schemeClr>
+    </cs:fontRef>
+    <cs:defRPr sz="900" kern="1200"/>
+  </cs:seriesAxis>
+  <cs:seriesLine>
+    <cs:lnRef idx="0"/>
+    <cs:fillRef idx="0"/>
+    <cs:effectRef idx="0"/>
+    <cs:fontRef idx="minor">
+      <a:schemeClr val="tx1"/>
+    </cs:fontRef>
+    <cs:spPr>
+      <a:ln w="9525" cap="flat" cmpd="sng" algn="ctr">
+        <a:solidFill>
+          <a:schemeClr val="tx1">
+            <a:lumMod val="35000"/>
+            <a:lumOff val="65000"/>
+          </a:schemeClr>
+        </a:solidFill>
+        <a:round/>
+      </a:ln>
+    </cs:spPr>
+  </cs:seriesLine>
+  <cs:title>
+    <cs:lnRef idx="0"/>
+    <cs:fillRef idx="0"/>
+    <cs:effectRef idx="0"/>
+    <cs:fontRef idx="minor">
+      <a:schemeClr val="tx1">
+        <a:lumMod val="65000"/>
+        <a:lumOff val="35000"/>
+      </a:schemeClr>
+    </cs:fontRef>
+    <cs:defRPr sz="1400" b="0" kern="1200" spc="0" baseline="0"/>
+  </cs:title>
+  <cs:trendline>
+    <cs:lnRef idx="0">
+      <cs:styleClr val="auto"/>
+    </cs:lnRef>
+    <cs:fillRef idx="0"/>
+    <cs:effectRef idx="0"/>
+    <cs:fontRef idx="minor">
+      <a:schemeClr val="tx1"/>
+    </cs:fontRef>
+    <cs:spPr>
+      <a:ln w="19050" cap="rnd">
+        <a:solidFill>
+          <a:schemeClr val="phClr"/>
+        </a:solidFill>
+        <a:prstDash val="sysDot"/>
+      </a:ln>
+    </cs:spPr>
+  </cs:trendline>
+  <cs:trendlineLabel>
+    <cs:lnRef idx="0"/>
+    <cs:fillRef idx="0"/>
+    <cs:effectRef idx="0"/>
+    <cs:fontRef idx="minor">
+      <a:schemeClr val="tx1">
+        <a:lumMod val="65000"/>
+        <a:lumOff val="35000"/>
+      </a:schemeClr>
+    </cs:fontRef>
+    <cs:defRPr sz="900" kern="1200"/>
+  </cs:trendlineLabel>
+  <cs:upBar>
+    <cs:lnRef idx="0"/>
+    <cs:fillRef idx="0"/>
+    <cs:effectRef idx="0"/>
+    <cs:fontRef idx="minor">
+      <a:schemeClr val="dk1"/>
+    </cs:fontRef>
+    <cs:spPr>
+      <a:solidFill>
+        <a:schemeClr val="lt1"/>
+      </a:solidFill>
+      <a:ln w="9525">
+        <a:solidFill>
+          <a:schemeClr val="tx1">
+            <a:lumMod val="15000"/>
+            <a:lumOff val="85000"/>
+          </a:schemeClr>
+        </a:solidFill>
+      </a:ln>
+    </cs:spPr>
+  </cs:upBar>
+  <cs:valueAxis>
+    <cs:lnRef idx="0"/>
+    <cs:fillRef idx="0"/>
+    <cs:effectRef idx="0"/>
+    <cs:fontRef idx="minor">
+      <a:schemeClr val="tx1">
+        <a:lumMod val="65000"/>
+        <a:lumOff val="35000"/>
+      </a:schemeClr>
+    </cs:fontRef>
+    <cs:defRPr sz="900" kern="1200"/>
+  </cs:valueAxis>
+  <cs:wall>
+    <cs:lnRef idx="0"/>
+    <cs:fillRef idx="0"/>
+    <cs:effectRef idx="0"/>
+    <cs:fontRef idx="minor">
+      <a:schemeClr val="tx1"/>
+    </cs:fontRef>
+    <cs:spPr>
+      <a:noFill/>
+      <a:ln>
+        <a:noFill/>
+      </a:ln>
+    </cs:spPr>
+  </cs:wall>
+</cs:chartStyle>
+</file>
+
+<file path=ppt/charts/style2.xml><?xml version="1.0" encoding="utf-8"?>
+<cs:chartStyle xmlns:cs="http://schemas.microsoft.com/office/drawing/2012/chartStyle" xmlns:a="http://schemas.openxmlformats.org/drawingml/2006/main" id="227">
+  <cs:axisTitle>
+    <cs:lnRef idx="0"/>
+    <cs:fillRef idx="0"/>
+    <cs:effectRef idx="0"/>
+    <cs:fontRef idx="minor">
+      <a:schemeClr val="tx1">
+        <a:lumMod val="65000"/>
+        <a:lumOff val="35000"/>
+      </a:schemeClr>
+    </cs:fontRef>
+    <cs:defRPr sz="1000" kern="1200"/>
+  </cs:axisTitle>
+  <cs:categoryAxis>
+    <cs:lnRef idx="0"/>
+    <cs:fillRef idx="0"/>
+    <cs:effectRef idx="0"/>
+    <cs:fontRef idx="minor">
+      <a:schemeClr val="tx1">
+        <a:lumMod val="65000"/>
+        <a:lumOff val="35000"/>
+      </a:schemeClr>
+    </cs:fontRef>
+    <cs:spPr>
+      <a:ln w="9525" cap="flat" cmpd="sng" algn="ctr">
+        <a:solidFill>
+          <a:schemeClr val="tx1">
+            <a:lumMod val="15000"/>
+            <a:lumOff val="85000"/>
+          </a:schemeClr>
+        </a:solidFill>
+        <a:round/>
+      </a:ln>
+    </cs:spPr>
+    <cs:defRPr sz="900" kern="1200"/>
+  </cs:categoryAxis>
+  <cs:chartArea mods="allowNoFillOverride allowNoLineOverride">
+    <cs:lnRef idx="0"/>
+    <cs:fillRef idx="0"/>
+    <cs:effectRef idx="0"/>
+    <cs:fontRef idx="minor">
+      <a:schemeClr val="tx1"/>
+    </cs:fontRef>
+    <cs:spPr>
+      <a:solidFill>
+        <a:schemeClr val="bg1"/>
+      </a:solidFill>
+      <a:ln w="9525" cap="flat" cmpd="sng" algn="ctr">
+        <a:solidFill>
+          <a:schemeClr val="tx1">
+            <a:lumMod val="15000"/>
+            <a:lumOff val="85000"/>
+          </a:schemeClr>
+        </a:solidFill>
+        <a:round/>
+      </a:ln>
+    </cs:spPr>
+    <cs:defRPr sz="1000" kern="1200"/>
+  </cs:chartArea>
+  <cs:dataLabel>
+    <cs:lnRef idx="0"/>
+    <cs:fillRef idx="0"/>
+    <cs:effectRef idx="0"/>
+    <cs:fontRef idx="minor">
+      <a:schemeClr val="tx1">
+        <a:lumMod val="75000"/>
+        <a:lumOff val="25000"/>
+      </a:schemeClr>
+    </cs:fontRef>
+    <cs:defRPr sz="900" kern="1200"/>
+  </cs:dataLabel>
+  <cs:dataLabelCallout>
+    <cs:lnRef idx="0"/>
+    <cs:fillRef idx="0"/>
+    <cs:effectRef idx="0"/>
+    <cs:fontRef idx="minor">
+      <a:schemeClr val="dk1">
+        <a:lumMod val="65000"/>
+        <a:lumOff val="35000"/>
+      </a:schemeClr>
+    </cs:fontRef>
+    <cs:spPr>
+      <a:solidFill>
+        <a:schemeClr val="lt1"/>
+      </a:solidFill>
+      <a:ln>
+        <a:solidFill>
+          <a:schemeClr val="dk1">
+            <a:lumMod val="25000"/>
+            <a:lumOff val="75000"/>
+          </a:schemeClr>
+        </a:solidFill>
+      </a:ln>
+    </cs:spPr>
+    <cs:defRPr sz="900" kern="1200"/>
+    <cs:bodyPr rot="0" spcFirstLastPara="1" vertOverflow="clip" horzOverflow="clip" vert="horz" wrap="square" lIns="36576" tIns="18288" rIns="36576" bIns="18288" anchor="ctr" anchorCtr="1">
+      <a:spAutoFit/>
+    </cs:bodyPr>
+  </cs:dataLabelCallout>
+  <cs:dataPoint>
+    <cs:lnRef idx="0"/>
+    <cs:fillRef idx="1">
+      <cs:styleClr val="auto"/>
+    </cs:fillRef>
+    <cs:effectRef idx="0"/>
+    <cs:fontRef idx="minor">
+      <a:schemeClr val="tx1"/>
+    </cs:fontRef>
+    <cs:spPr>
+      <a:solidFill>
+        <a:schemeClr val="phClr"/>
+      </a:solidFill>
+    </cs:spPr>
+  </cs:dataPoint>
+  <cs:dataPoint3D>
+    <cs:lnRef idx="0"/>
+    <cs:fillRef idx="1">
+      <cs:styleClr val="auto"/>
+    </cs:fillRef>
+    <cs:effectRef idx="0"/>
+    <cs:fontRef idx="minor">
+      <a:schemeClr val="tx1"/>
+    </cs:fontRef>
+    <cs:spPr>
+      <a:solidFill>
+        <a:schemeClr val="phClr"/>
+      </a:solidFill>
+    </cs:spPr>
+  </cs:dataPoint3D>
+  <cs:dataPointLine>
+    <cs:lnRef idx="0">
+      <cs:styleClr val="auto"/>
+    </cs:lnRef>
+    <cs:fillRef idx="1"/>
+    <cs:effectRef idx="0"/>
+    <cs:fontRef idx="minor">
+      <a:schemeClr val="tx1"/>
+    </cs:fontRef>
+    <cs:spPr>
+      <a:ln w="28575" cap="rnd">
+        <a:solidFill>
+          <a:schemeClr val="phClr"/>
+        </a:solidFill>
+        <a:round/>
+      </a:ln>
+    </cs:spPr>
+  </cs:dataPointLine>
+  <cs:dataPointMarker>
+    <cs:lnRef idx="0">
+      <cs:styleClr val="auto"/>
+    </cs:lnRef>
+    <cs:fillRef idx="1">
+      <cs:styleClr val="auto"/>
+    </cs:fillRef>
+    <cs:effectRef idx="0"/>
+    <cs:fontRef idx="minor">
+      <a:schemeClr val="tx1"/>
+    </cs:fontRef>
+    <cs:spPr>
+      <a:solidFill>
+        <a:schemeClr val="phClr"/>
+      </a:solidFill>
+      <a:ln w="9525">
+        <a:solidFill>
+          <a:schemeClr val="phClr"/>
+        </a:solidFill>
+      </a:ln>
+    </cs:spPr>
+  </cs:dataPointMarker>
+  <cs:dataPointMarkerLayout symbol="circle" size="5"/>
+  <cs:dataPointWireframe>
+    <cs:lnRef idx="0">
+      <cs:styleClr val="auto"/>
+    </cs:lnRef>
+    <cs:fillRef idx="1"/>
+    <cs:effectRef idx="0"/>
+    <cs:fontRef idx="minor">
+      <a:schemeClr val="tx1"/>
+    </cs:fontRef>
+    <cs:spPr>
+      <a:ln w="9525" cap="rnd">
+        <a:solidFill>
+          <a:schemeClr val="phClr"/>
+        </a:solidFill>
+        <a:round/>
+      </a:ln>
+    </cs:spPr>
+  </cs:dataPointWireframe>
+  <cs:dataTable>
+    <cs:lnRef idx="0"/>
+    <cs:fillRef idx="0"/>
+    <cs:effectRef idx="0"/>
+    <cs:fontRef idx="minor">
+      <a:schemeClr val="tx1">
+        <a:lumMod val="65000"/>
+        <a:lumOff val="35000"/>
+      </a:schemeClr>
+    </cs:fontRef>
+    <cs:spPr>
+      <a:noFill/>
+      <a:ln w="9525" cap="flat" cmpd="sng" algn="ctr">
+        <a:solidFill>
+          <a:schemeClr val="tx1">
+            <a:lumMod val="15000"/>
+            <a:lumOff val="85000"/>
+          </a:schemeClr>
+        </a:solidFill>
+        <a:round/>
+      </a:ln>
+    </cs:spPr>
+    <cs:defRPr sz="900" kern="1200"/>
+  </cs:dataTable>
+  <cs:downBar>
+    <cs:lnRef idx="0"/>
+    <cs:fillRef idx="0"/>
+    <cs:effectRef idx="0"/>
+    <cs:fontRef idx="minor">
+      <a:schemeClr val="dk1"/>
+    </cs:fontRef>
+    <cs:spPr>
+      <a:solidFill>
+        <a:schemeClr val="dk1">
+          <a:lumMod val="65000"/>
+          <a:lumOff val="35000"/>
+        </a:schemeClr>
+      </a:solidFill>
+      <a:ln w="9525">
+        <a:solidFill>
+          <a:schemeClr val="tx1">
+            <a:lumMod val="65000"/>
+            <a:lumOff val="35000"/>
+          </a:schemeClr>
+        </a:solidFill>
+      </a:ln>
+    </cs:spPr>
+  </cs:downBar>
+  <cs:dropLine>
+    <cs:lnRef idx="0"/>
+    <cs:fillRef idx="0"/>
+    <cs:effectRef idx="0"/>
+    <cs:fontRef idx="minor">
+      <a:schemeClr val="tx1"/>
+    </cs:fontRef>
+    <cs:spPr>
+      <a:ln w="9525" cap="flat" cmpd="sng" algn="ctr">
+        <a:solidFill>
+          <a:schemeClr val="tx1">
+            <a:lumMod val="35000"/>
+            <a:lumOff val="65000"/>
+          </a:schemeClr>
+        </a:solidFill>
+        <a:round/>
+      </a:ln>
+    </cs:spPr>
+  </cs:dropLine>
+  <cs:errorBar>
+    <cs:lnRef idx="0"/>
+    <cs:fillRef idx="0"/>
+    <cs:effectRef idx="0"/>
+    <cs:fontRef idx="minor">
+      <a:schemeClr val="tx1"/>
+    </cs:fontRef>
+    <cs:spPr>
+      <a:ln w="9525" cap="flat" cmpd="sng" algn="ctr">
+        <a:solidFill>
+          <a:schemeClr val="tx1">
+            <a:lumMod val="65000"/>
+            <a:lumOff val="35000"/>
+          </a:schemeClr>
+        </a:solidFill>
+        <a:round/>
+      </a:ln>
+    </cs:spPr>
+  </cs:errorBar>
+  <cs:floor>
+    <cs:lnRef idx="0"/>
+    <cs:fillRef idx="0"/>
+    <cs:effectRef idx="0"/>
+    <cs:fontRef idx="minor">
+      <a:schemeClr val="tx1"/>
+    </cs:fontRef>
+    <cs:spPr>
+      <a:noFill/>
+      <a:ln>
+        <a:noFill/>
+      </a:ln>
+    </cs:spPr>
+  </cs:floor>
+  <cs:gridlineMajor>
+    <cs:lnRef idx="0"/>
+    <cs:fillRef idx="0"/>
+    <cs:effectRef idx="0"/>
+    <cs:fontRef idx="minor">
+      <a:schemeClr val="tx1"/>
+    </cs:fontRef>
+    <cs:spPr>
+      <a:ln w="9525" cap="flat" cmpd="sng" algn="ctr">
+        <a:solidFill>
+          <a:schemeClr val="tx1">
+            <a:lumMod val="15000"/>
+            <a:lumOff val="85000"/>
+          </a:schemeClr>
+        </a:solidFill>
+        <a:round/>
+      </a:ln>
+    </cs:spPr>
+  </cs:gridlineMajor>
+  <cs:gridlineMinor>
+    <cs:lnRef idx="0"/>
+    <cs:fillRef idx="0"/>
+    <cs:effectRef idx="0"/>
+    <cs:fontRef idx="minor">
+      <a:schemeClr val="tx1"/>
+    </cs:fontRef>
+    <cs:spPr>
+      <a:ln w="9525" cap="flat" cmpd="sng" algn="ctr">
+        <a:solidFill>
+          <a:schemeClr val="tx1">
+            <a:lumMod val="5000"/>
+            <a:lumOff val="95000"/>
+          </a:schemeClr>
+        </a:solidFill>
+        <a:round/>
+      </a:ln>
+    </cs:spPr>
+  </cs:gridlineMinor>
+  <cs:hiLoLine>
+    <cs:lnRef idx="0"/>
+    <cs:fillRef idx="0"/>
+    <cs:effectRef idx="0"/>
+    <cs:fontRef idx="minor">
+      <a:schemeClr val="tx1"/>
+    </cs:fontRef>
+    <cs:spPr>
+      <a:ln w="9525" cap="flat" cmpd="sng" algn="ctr">
+        <a:solidFill>
+          <a:schemeClr val="tx1">
+            <a:lumMod val="75000"/>
+            <a:lumOff val="25000"/>
+          </a:schemeClr>
+        </a:solidFill>
+        <a:round/>
+      </a:ln>
+    </cs:spPr>
+  </cs:hiLoLine>
+  <cs:leaderLine>
+    <cs:lnRef idx="0"/>
+    <cs:fillRef idx="0"/>
+    <cs:effectRef idx="0"/>
+    <cs:fontRef idx="minor">
+      <a:schemeClr val="tx1"/>
+    </cs:fontRef>
+    <cs:spPr>
+      <a:ln w="9525" cap="flat" cmpd="sng" algn="ctr">
+        <a:solidFill>
+          <a:schemeClr val="tx1">
+            <a:lumMod val="35000"/>
+            <a:lumOff val="65000"/>
+          </a:schemeClr>
+        </a:solidFill>
+        <a:round/>
+      </a:ln>
+    </cs:spPr>
+  </cs:leaderLine>
+  <cs:legend>
+    <cs:lnRef idx="0"/>
+    <cs:fillRef idx="0"/>
+    <cs:effectRef idx="0"/>
+    <cs:fontRef idx="minor">
+      <a:schemeClr val="tx1">
+        <a:lumMod val="65000"/>
+        <a:lumOff val="35000"/>
+      </a:schemeClr>
+    </cs:fontRef>
+    <cs:defRPr sz="900" kern="1200"/>
+  </cs:legend>
+  <cs:plotArea mods="allowNoFillOverride allowNoLineOverride">
+    <cs:lnRef idx="0"/>
+    <cs:fillRef idx="0"/>
+    <cs:effectRef idx="0"/>
+    <cs:fontRef idx="minor">
+      <a:schemeClr val="tx1"/>
+    </cs:fontRef>
+  </cs:plotArea>
+  <cs:plotArea3D mods="allowNoFillOverride allowNoLineOverride">
+    <cs:lnRef idx="0"/>
+    <cs:fillRef idx="0"/>
+    <cs:effectRef idx="0"/>
+    <cs:fontRef idx="minor">
+      <a:schemeClr val="tx1"/>
+    </cs:fontRef>
+  </cs:plotArea3D>
+  <cs:seriesAxis>
+    <cs:lnRef idx="0"/>
+    <cs:fillRef idx="0"/>
+    <cs:effectRef idx="0"/>
+    <cs:fontRef idx="minor">
+      <a:schemeClr val="tx1">
+        <a:lumMod val="65000"/>
+        <a:lumOff val="35000"/>
+      </a:schemeClr>
+    </cs:fontRef>
+    <cs:defRPr sz="900" kern="1200"/>
+  </cs:seriesAxis>
+  <cs:seriesLine>
+    <cs:lnRef idx="0"/>
+    <cs:fillRef idx="0"/>
+    <cs:effectRef idx="0"/>
+    <cs:fontRef idx="minor">
+      <a:schemeClr val="tx1"/>
+    </cs:fontRef>
+    <cs:spPr>
+      <a:ln w="9525" cap="flat" cmpd="sng" algn="ctr">
+        <a:solidFill>
+          <a:schemeClr val="tx1">
+            <a:lumMod val="35000"/>
+            <a:lumOff val="65000"/>
+          </a:schemeClr>
+        </a:solidFill>
+        <a:round/>
+      </a:ln>
+    </cs:spPr>
+  </cs:seriesLine>
+  <cs:title>
+    <cs:lnRef idx="0"/>
+    <cs:fillRef idx="0"/>
+    <cs:effectRef idx="0"/>
+    <cs:fontRef idx="minor">
+      <a:schemeClr val="tx1">
+        <a:lumMod val="65000"/>
+        <a:lumOff val="35000"/>
+      </a:schemeClr>
+    </cs:fontRef>
+    <cs:defRPr sz="1400" b="0" kern="1200" spc="0" baseline="0"/>
+  </cs:title>
+  <cs:trendline>
+    <cs:lnRef idx="0">
+      <cs:styleClr val="auto"/>
+    </cs:lnRef>
+    <cs:fillRef idx="0"/>
+    <cs:effectRef idx="0"/>
+    <cs:fontRef idx="minor">
+      <a:schemeClr val="tx1"/>
+    </cs:fontRef>
+    <cs:spPr>
+      <a:ln w="19050" cap="rnd">
+        <a:solidFill>
+          <a:schemeClr val="phClr"/>
+        </a:solidFill>
+        <a:prstDash val="sysDot"/>
+      </a:ln>
+    </cs:spPr>
+  </cs:trendline>
+  <cs:trendlineLabel>
+    <cs:lnRef idx="0"/>
+    <cs:fillRef idx="0"/>
+    <cs:effectRef idx="0"/>
+    <cs:fontRef idx="minor">
+      <a:schemeClr val="tx1">
+        <a:lumMod val="65000"/>
+        <a:lumOff val="35000"/>
+      </a:schemeClr>
+    </cs:fontRef>
+    <cs:defRPr sz="900" kern="1200"/>
+  </cs:trendlineLabel>
+  <cs:upBar>
+    <cs:lnRef idx="0"/>
+    <cs:fillRef idx="0"/>
+    <cs:effectRef idx="0"/>
+    <cs:fontRef idx="minor">
+      <a:schemeClr val="dk1"/>
+    </cs:fontRef>
+    <cs:spPr>
+      <a:solidFill>
+        <a:schemeClr val="lt1"/>
+      </a:solidFill>
+      <a:ln w="9525">
+        <a:solidFill>
+          <a:schemeClr val="tx1">
+            <a:lumMod val="15000"/>
+            <a:lumOff val="85000"/>
+          </a:schemeClr>
+        </a:solidFill>
+      </a:ln>
+    </cs:spPr>
+  </cs:upBar>
+  <cs:valueAxis>
+    <cs:lnRef idx="0"/>
+    <cs:fillRef idx="0"/>
+    <cs:effectRef idx="0"/>
+    <cs:fontRef idx="minor">
+      <a:schemeClr val="tx1">
+        <a:lumMod val="65000"/>
+        <a:lumOff val="35000"/>
+      </a:schemeClr>
+    </cs:fontRef>
+    <cs:defRPr sz="900" kern="1200"/>
+  </cs:valueAxis>
+  <cs:wall>
+    <cs:lnRef idx="0"/>
+    <cs:fillRef idx="0"/>
+    <cs:effectRef idx="0"/>
+    <cs:fontRef idx="minor">
+      <a:schemeClr val="tx1"/>
+    </cs:fontRef>
+    <cs:spPr>
+      <a:noFill/>
+      <a:ln>
+        <a:noFill/>
+      </a:ln>
+    </cs:spPr>
+  </cs:wall>
+</cs:chartStyle>
+</file>
+
+<file path=ppt/charts/style3.xml><?xml version="1.0" encoding="utf-8"?>
+<cs:chartStyle xmlns:cs="http://schemas.microsoft.com/office/drawing/2012/chartStyle" xmlns:a="http://schemas.openxmlformats.org/drawingml/2006/main" id="227">
+  <cs:axisTitle>
+    <cs:lnRef idx="0"/>
+    <cs:fillRef idx="0"/>
+    <cs:effectRef idx="0"/>
+    <cs:fontRef idx="minor">
+      <a:schemeClr val="tx1">
+        <a:lumMod val="65000"/>
+        <a:lumOff val="35000"/>
+      </a:schemeClr>
+    </cs:fontRef>
+    <cs:defRPr sz="1000" kern="1200"/>
+  </cs:axisTitle>
+  <cs:categoryAxis>
+    <cs:lnRef idx="0"/>
+    <cs:fillRef idx="0"/>
+    <cs:effectRef idx="0"/>
+    <cs:fontRef idx="minor">
+      <a:schemeClr val="tx1">
+        <a:lumMod val="65000"/>
+        <a:lumOff val="35000"/>
+      </a:schemeClr>
+    </cs:fontRef>
+    <cs:spPr>
+      <a:ln w="9525" cap="flat" cmpd="sng" algn="ctr">
+        <a:solidFill>
+          <a:schemeClr val="tx1">
+            <a:lumMod val="15000"/>
+            <a:lumOff val="85000"/>
+          </a:schemeClr>
+        </a:solidFill>
+        <a:round/>
+      </a:ln>
+    </cs:spPr>
+    <cs:defRPr sz="900" kern="1200"/>
+  </cs:categoryAxis>
+  <cs:chartArea mods="allowNoFillOverride allowNoLineOverride">
+    <cs:lnRef idx="0"/>
+    <cs:fillRef idx="0"/>
+    <cs:effectRef idx="0"/>
+    <cs:fontRef idx="minor">
+      <a:schemeClr val="tx1"/>
+    </cs:fontRef>
+    <cs:spPr>
+      <a:solidFill>
+        <a:schemeClr val="bg1"/>
+      </a:solidFill>
+      <a:ln w="9525" cap="flat" cmpd="sng" algn="ctr">
+        <a:solidFill>
+          <a:schemeClr val="tx1">
+            <a:lumMod val="15000"/>
+            <a:lumOff val="85000"/>
+          </a:schemeClr>
+        </a:solidFill>
+        <a:round/>
+      </a:ln>
+    </cs:spPr>
+    <cs:defRPr sz="1000" kern="1200"/>
+  </cs:chartArea>
+  <cs:dataLabel>
+    <cs:lnRef idx="0"/>
+    <cs:fillRef idx="0"/>
+    <cs:effectRef idx="0"/>
+    <cs:fontRef idx="minor">
+      <a:schemeClr val="tx1">
+        <a:lumMod val="75000"/>
+        <a:lumOff val="25000"/>
+      </a:schemeClr>
+    </cs:fontRef>
+    <cs:defRPr sz="900" kern="1200"/>
+  </cs:dataLabel>
+  <cs:dataLabelCallout>
+    <cs:lnRef idx="0"/>
+    <cs:fillRef idx="0"/>
+    <cs:effectRef idx="0"/>
+    <cs:fontRef idx="minor">
+      <a:schemeClr val="dk1">
+        <a:lumMod val="65000"/>
+        <a:lumOff val="35000"/>
+      </a:schemeClr>
+    </cs:fontRef>
+    <cs:spPr>
+      <a:solidFill>
+        <a:schemeClr val="lt1"/>
+      </a:solidFill>
+      <a:ln>
+        <a:solidFill>
+          <a:schemeClr val="dk1">
+            <a:lumMod val="25000"/>
+            <a:lumOff val="75000"/>
+          </a:schemeClr>
+        </a:solidFill>
+      </a:ln>
+    </cs:spPr>
+    <cs:defRPr sz="900" kern="1200"/>
+    <cs:bodyPr rot="0" spcFirstLastPara="1" vertOverflow="clip" horzOverflow="clip" vert="horz" wrap="square" lIns="36576" tIns="18288" rIns="36576" bIns="18288" anchor="ctr" anchorCtr="1">
+      <a:spAutoFit/>
+    </cs:bodyPr>
+  </cs:dataLabelCallout>
+  <cs:dataPoint>
+    <cs:lnRef idx="0"/>
+    <cs:fillRef idx="1">
+      <cs:styleClr val="auto"/>
+    </cs:fillRef>
+    <cs:effectRef idx="0"/>
+    <cs:fontRef idx="minor">
+      <a:schemeClr val="tx1"/>
+    </cs:fontRef>
+    <cs:spPr>
+      <a:solidFill>
+        <a:schemeClr val="phClr"/>
+      </a:solidFill>
+    </cs:spPr>
+  </cs:dataPoint>
+  <cs:dataPoint3D>
+    <cs:lnRef idx="0"/>
+    <cs:fillRef idx="1">
+      <cs:styleClr val="auto"/>
+    </cs:fillRef>
+    <cs:effectRef idx="0"/>
+    <cs:fontRef idx="minor">
+      <a:schemeClr val="tx1"/>
+    </cs:fontRef>
+    <cs:spPr>
+      <a:solidFill>
+        <a:schemeClr val="phClr"/>
+      </a:solidFill>
+    </cs:spPr>
+  </cs:dataPoint3D>
+  <cs:dataPointLine>
+    <cs:lnRef idx="0">
+      <cs:styleClr val="auto"/>
+    </cs:lnRef>
+    <cs:fillRef idx="1"/>
+    <cs:effectRef idx="0"/>
+    <cs:fontRef idx="minor">
+      <a:schemeClr val="tx1"/>
+    </cs:fontRef>
+    <cs:spPr>
+      <a:ln w="28575" cap="rnd">
+        <a:solidFill>
+          <a:schemeClr val="phClr"/>
+        </a:solidFill>
+        <a:round/>
+      </a:ln>
+    </cs:spPr>
+  </cs:dataPointLine>
+  <cs:dataPointMarker>
+    <cs:lnRef idx="0">
+      <cs:styleClr val="auto"/>
+    </cs:lnRef>
+    <cs:fillRef idx="1">
+      <cs:styleClr val="auto"/>
+    </cs:fillRef>
+    <cs:effectRef idx="0"/>
+    <cs:fontRef idx="minor">
+      <a:schemeClr val="tx1"/>
+    </cs:fontRef>
+    <cs:spPr>
+      <a:solidFill>
+        <a:schemeClr val="phClr"/>
+      </a:solidFill>
+      <a:ln w="9525">
+        <a:solidFill>
+          <a:schemeClr val="phClr"/>
+        </a:solidFill>
+      </a:ln>
+    </cs:spPr>
+  </cs:dataPointMarker>
+  <cs:dataPointMarkerLayout symbol="circle" size="5"/>
+  <cs:dataPointWireframe>
+    <cs:lnRef idx="0">
+      <cs:styleClr val="auto"/>
+    </cs:lnRef>
+    <cs:fillRef idx="1"/>
+    <cs:effectRef idx="0"/>
+    <cs:fontRef idx="minor">
+      <a:schemeClr val="tx1"/>
+    </cs:fontRef>
+    <cs:spPr>
+      <a:ln w="9525" cap="rnd">
+        <a:solidFill>
+          <a:schemeClr val="phClr"/>
+        </a:solidFill>
+        <a:round/>
+      </a:ln>
+    </cs:spPr>
+  </cs:dataPointWireframe>
+  <cs:dataTable>
+    <cs:lnRef idx="0"/>
+    <cs:fillRef idx="0"/>
+    <cs:effectRef idx="0"/>
+    <cs:fontRef idx="minor">
+      <a:schemeClr val="tx1">
+        <a:lumMod val="65000"/>
+        <a:lumOff val="35000"/>
+      </a:schemeClr>
+    </cs:fontRef>
+    <cs:spPr>
+      <a:noFill/>
+      <a:ln w="9525" cap="flat" cmpd="sng" algn="ctr">
+        <a:solidFill>
+          <a:schemeClr val="tx1">
+            <a:lumMod val="15000"/>
+            <a:lumOff val="85000"/>
+          </a:schemeClr>
+        </a:solidFill>
+        <a:round/>
+      </a:ln>
+    </cs:spPr>
+    <cs:defRPr sz="900" kern="1200"/>
+  </cs:dataTable>
+  <cs:downBar>
+    <cs:lnRef idx="0"/>
+    <cs:fillRef idx="0"/>
+    <cs:effectRef idx="0"/>
+    <cs:fontRef idx="minor">
+      <a:schemeClr val="dk1"/>
+    </cs:fontRef>
+    <cs:spPr>
+      <a:solidFill>
+        <a:schemeClr val="dk1">
+          <a:lumMod val="65000"/>
+          <a:lumOff val="35000"/>
+        </a:schemeClr>
+      </a:solidFill>
+      <a:ln w="9525">
+        <a:solidFill>
+          <a:schemeClr val="tx1">
+            <a:lumMod val="65000"/>
+            <a:lumOff val="35000"/>
+          </a:schemeClr>
+        </a:solidFill>
+      </a:ln>
+    </cs:spPr>
+  </cs:downBar>
+  <cs:dropLine>
+    <cs:lnRef idx="0"/>
+    <cs:fillRef idx="0"/>
+    <cs:effectRef idx="0"/>
+    <cs:fontRef idx="minor">
+      <a:schemeClr val="tx1"/>
+    </cs:fontRef>
+    <cs:spPr>
+      <a:ln w="9525" cap="flat" cmpd="sng" algn="ctr">
+        <a:solidFill>
+          <a:schemeClr val="tx1">
+            <a:lumMod val="35000"/>
+            <a:lumOff val="65000"/>
+          </a:schemeClr>
+        </a:solidFill>
+        <a:round/>
+      </a:ln>
+    </cs:spPr>
+  </cs:dropLine>
+  <cs:errorBar>
+    <cs:lnRef idx="0"/>
+    <cs:fillRef idx="0"/>
+    <cs:effectRef idx="0"/>
+    <cs:fontRef idx="minor">
+      <a:schemeClr val="tx1"/>
+    </cs:fontRef>
+    <cs:spPr>
+      <a:ln w="9525" cap="flat" cmpd="sng" algn="ctr">
+        <a:solidFill>
+          <a:schemeClr val="tx1">
+            <a:lumMod val="65000"/>
+            <a:lumOff val="35000"/>
+          </a:schemeClr>
+        </a:solidFill>
+        <a:round/>
+      </a:ln>
+    </cs:spPr>
+  </cs:errorBar>
+  <cs:floor>
+    <cs:lnRef idx="0"/>
+    <cs:fillRef idx="0"/>
+    <cs:effectRef idx="0"/>
+    <cs:fontRef idx="minor">
+      <a:schemeClr val="tx1"/>
+    </cs:fontRef>
+    <cs:spPr>
+      <a:noFill/>
+      <a:ln>
+        <a:noFill/>
+      </a:ln>
+    </cs:spPr>
+  </cs:floor>
+  <cs:gridlineMajor>
+    <cs:lnRef idx="0"/>
+    <cs:fillRef idx="0"/>
+    <cs:effectRef idx="0"/>
+    <cs:fontRef idx="minor">
+      <a:schemeClr val="tx1"/>
+    </cs:fontRef>
+    <cs:spPr>
+      <a:ln w="9525" cap="flat" cmpd="sng" algn="ctr">
+        <a:solidFill>
+          <a:schemeClr val="tx1">
+            <a:lumMod val="15000"/>
+            <a:lumOff val="85000"/>
+          </a:schemeClr>
+        </a:solidFill>
+        <a:round/>
+      </a:ln>
+    </cs:spPr>
+  </cs:gridlineMajor>
+  <cs:gridlineMinor>
+    <cs:lnRef idx="0"/>
+    <cs:fillRef idx="0"/>
+    <cs:effectRef idx="0"/>
+    <cs:fontRef idx="minor">
+      <a:schemeClr val="tx1"/>
+    </cs:fontRef>
+    <cs:spPr>
+      <a:ln w="9525" cap="flat" cmpd="sng" algn="ctr">
+        <a:solidFill>
+          <a:schemeClr val="tx1">
+            <a:lumMod val="5000"/>
+            <a:lumOff val="95000"/>
+          </a:schemeClr>
+        </a:solidFill>
+        <a:round/>
+      </a:ln>
+    </cs:spPr>
+  </cs:gridlineMinor>
+  <cs:hiLoLine>
+    <cs:lnRef idx="0"/>
+    <cs:fillRef idx="0"/>
+    <cs:effectRef idx="0"/>
+    <cs:fontRef idx="minor">
+      <a:schemeClr val="tx1"/>
+    </cs:fontRef>
+    <cs:spPr>
+      <a:ln w="9525" cap="flat" cmpd="sng" algn="ctr">
+        <a:solidFill>
+          <a:schemeClr val="tx1">
+            <a:lumMod val="75000"/>
+            <a:lumOff val="25000"/>
+          </a:schemeClr>
+        </a:solidFill>
+        <a:round/>
+      </a:ln>
+    </cs:spPr>
+  </cs:hiLoLine>
+  <cs:leaderLine>
+    <cs:lnRef idx="0"/>
+    <cs:fillRef idx="0"/>
+    <cs:effectRef idx="0"/>
+    <cs:fontRef idx="minor">
+      <a:schemeClr val="tx1"/>
+    </cs:fontRef>
+    <cs:spPr>
+      <a:ln w="9525" cap="flat" cmpd="sng" algn="ctr">
+        <a:solidFill>
+          <a:schemeClr val="tx1">
+            <a:lumMod val="35000"/>
+            <a:lumOff val="65000"/>
+          </a:schemeClr>
+        </a:solidFill>
+        <a:round/>
+      </a:ln>
+    </cs:spPr>
+  </cs:leaderLine>
+  <cs:legend>
+    <cs:lnRef idx="0"/>
+    <cs:fillRef idx="0"/>
+    <cs:effectRef idx="0"/>
+    <cs:fontRef idx="minor">
+      <a:schemeClr val="tx1">
+        <a:lumMod val="65000"/>
+        <a:lumOff val="35000"/>
+      </a:schemeClr>
+    </cs:fontRef>
+    <cs:defRPr sz="900" kern="1200"/>
+  </cs:legend>
+  <cs:plotArea mods="allowNoFillOverride allowNoLineOverride">
+    <cs:lnRef idx="0"/>
+    <cs:fillRef idx="0"/>
+    <cs:effectRef idx="0"/>
+    <cs:fontRef idx="minor">
+      <a:schemeClr val="tx1"/>
+    </cs:fontRef>
+  </cs:plotArea>
+  <cs:plotArea3D mods="allowNoFillOverride allowNoLineOverride">
+    <cs:lnRef idx="0"/>
+    <cs:fillRef idx="0"/>
+    <cs:effectRef idx="0"/>
+    <cs:fontRef idx="minor">
+      <a:schemeClr val="tx1"/>
+    </cs:fontRef>
+  </cs:plotArea3D>
+  <cs:seriesAxis>
+    <cs:lnRef idx="0"/>
+    <cs:fillRef idx="0"/>
+    <cs:effectRef idx="0"/>
+    <cs:fontRef idx="minor">
+      <a:schemeClr val="tx1">
+        <a:lumMod val="65000"/>
+        <a:lumOff val="35000"/>
+      </a:schemeClr>
+    </cs:fontRef>
+    <cs:defRPr sz="900" kern="1200"/>
+  </cs:seriesAxis>
+  <cs:seriesLine>
+    <cs:lnRef idx="0"/>
+    <cs:fillRef idx="0"/>
+    <cs:effectRef idx="0"/>
+    <cs:fontRef idx="minor">
+      <a:schemeClr val="tx1"/>
+    </cs:fontRef>
+    <cs:spPr>
+      <a:ln w="9525" cap="flat" cmpd="sng" algn="ctr">
+        <a:solidFill>
+          <a:schemeClr val="tx1">
+            <a:lumMod val="35000"/>
+            <a:lumOff val="65000"/>
+          </a:schemeClr>
+        </a:solidFill>
+        <a:round/>
+      </a:ln>
+    </cs:spPr>
+  </cs:seriesLine>
+  <cs:title>
+    <cs:lnRef idx="0"/>
+    <cs:fillRef idx="0"/>
+    <cs:effectRef idx="0"/>
+    <cs:fontRef idx="minor">
+      <a:schemeClr val="tx1">
+        <a:lumMod val="65000"/>
+        <a:lumOff val="35000"/>
+      </a:schemeClr>
+    </cs:fontRef>
+    <cs:defRPr sz="1400" b="0" kern="1200" spc="0" baseline="0"/>
+  </cs:title>
+  <cs:trendline>
+    <cs:lnRef idx="0">
+      <cs:styleClr val="auto"/>
+    </cs:lnRef>
+    <cs:fillRef idx="0"/>
+    <cs:effectRef idx="0"/>
+    <cs:fontRef idx="minor">
+      <a:schemeClr val="tx1"/>
+    </cs:fontRef>
+    <cs:spPr>
+      <a:ln w="19050" cap="rnd">
+        <a:solidFill>
+          <a:schemeClr val="phClr"/>
+        </a:solidFill>
+        <a:prstDash val="sysDot"/>
+      </a:ln>
+    </cs:spPr>
+  </cs:trendline>
+  <cs:trendlineLabel>
+    <cs:lnRef idx="0"/>
+    <cs:fillRef idx="0"/>
+    <cs:effectRef idx="0"/>
+    <cs:fontRef idx="minor">
+      <a:schemeClr val="tx1">
+        <a:lumMod val="65000"/>
+        <a:lumOff val="35000"/>
+      </a:schemeClr>
+    </cs:fontRef>
+    <cs:defRPr sz="900" kern="1200"/>
+  </cs:trendlineLabel>
+  <cs:upBar>
+    <cs:lnRef idx="0"/>
+    <cs:fillRef idx="0"/>
+    <cs:effectRef idx="0"/>
+    <cs:fontRef idx="minor">
+      <a:schemeClr val="dk1"/>
+    </cs:fontRef>
+    <cs:spPr>
+      <a:solidFill>
+        <a:schemeClr val="lt1"/>
+      </a:solidFill>
+      <a:ln w="9525">
+        <a:solidFill>
+          <a:schemeClr val="tx1">
+            <a:lumMod val="15000"/>
+            <a:lumOff val="85000"/>
+          </a:schemeClr>
+        </a:solidFill>
+      </a:ln>
+    </cs:spPr>
+  </cs:upBar>
+  <cs:valueAxis>
+    <cs:lnRef idx="0"/>
+    <cs:fillRef idx="0"/>
+    <cs:effectRef idx="0"/>
+    <cs:fontRef idx="minor">
+      <a:schemeClr val="tx1">
+        <a:lumMod val="65000"/>
+        <a:lumOff val="35000"/>
+      </a:schemeClr>
+    </cs:fontRef>
+    <cs:defRPr sz="900" kern="1200"/>
+  </cs:valueAxis>
+  <cs:wall>
+    <cs:lnRef idx="0"/>
+    <cs:fillRef idx="0"/>
+    <cs:effectRef idx="0"/>
+    <cs:fontRef idx="minor">
+      <a:schemeClr val="tx1"/>
+    </cs:fontRef>
+    <cs:spPr>
+      <a:noFill/>
+      <a:ln>
+        <a:noFill/>
+      </a:ln>
+    </cs:spPr>
+  </cs:wall>
+</cs:chartStyle>
+</file>
+
+<file path=ppt/charts/style4.xml><?xml version="1.0" encoding="utf-8"?>
+<cs:chartStyle xmlns:cs="http://schemas.microsoft.com/office/drawing/2012/chartStyle" xmlns:a="http://schemas.openxmlformats.org/drawingml/2006/main" id="227">
+  <cs:axisTitle>
+    <cs:lnRef idx="0"/>
+    <cs:fillRef idx="0"/>
+    <cs:effectRef idx="0"/>
+    <cs:fontRef idx="minor">
+      <a:schemeClr val="tx1">
+        <a:lumMod val="65000"/>
+        <a:lumOff val="35000"/>
+      </a:schemeClr>
+    </cs:fontRef>
+    <cs:defRPr sz="1000" kern="1200"/>
+  </cs:axisTitle>
+  <cs:categoryAxis>
+    <cs:lnRef idx="0"/>
+    <cs:fillRef idx="0"/>
+    <cs:effectRef idx="0"/>
+    <cs:fontRef idx="minor">
+      <a:schemeClr val="tx1">
+        <a:lumMod val="65000"/>
+        <a:lumOff val="35000"/>
+      </a:schemeClr>
+    </cs:fontRef>
+    <cs:spPr>
+      <a:ln w="9525" cap="flat" cmpd="sng" algn="ctr">
+        <a:solidFill>
+          <a:schemeClr val="tx1">
+            <a:lumMod val="15000"/>
+            <a:lumOff val="85000"/>
+          </a:schemeClr>
+        </a:solidFill>
+        <a:round/>
+      </a:ln>
+    </cs:spPr>
+    <cs:defRPr sz="900" kern="1200"/>
+  </cs:categoryAxis>
+  <cs:chartArea mods="allowNoFillOverride allowNoLineOverride">
+    <cs:lnRef idx="0"/>
+    <cs:fillRef idx="0"/>
+    <cs:effectRef idx="0"/>
+    <cs:fontRef idx="minor">
+      <a:schemeClr val="tx1"/>
+    </cs:fontRef>
+    <cs:spPr>
+      <a:solidFill>
+        <a:schemeClr val="bg1"/>
+      </a:solidFill>
+      <a:ln w="9525" cap="flat" cmpd="sng" algn="ctr">
+        <a:solidFill>
+          <a:schemeClr val="tx1">
+            <a:lumMod val="15000"/>
+            <a:lumOff val="85000"/>
+          </a:schemeClr>
+        </a:solidFill>
+        <a:round/>
+      </a:ln>
+    </cs:spPr>
+    <cs:defRPr sz="1000" kern="1200"/>
+  </cs:chartArea>
+  <cs:dataLabel>
+    <cs:lnRef idx="0"/>
+    <cs:fillRef idx="0"/>
+    <cs:effectRef idx="0"/>
+    <cs:fontRef idx="minor">
+      <a:schemeClr val="tx1">
+        <a:lumMod val="75000"/>
+        <a:lumOff val="25000"/>
+      </a:schemeClr>
+    </cs:fontRef>
+    <cs:defRPr sz="900" kern="1200"/>
+  </cs:dataLabel>
+  <cs:dataLabelCallout>
+    <cs:lnRef idx="0"/>
+    <cs:fillRef idx="0"/>
+    <cs:effectRef idx="0"/>
+    <cs:fontRef idx="minor">
+      <a:schemeClr val="dk1">
+        <a:lumMod val="65000"/>
+        <a:lumOff val="35000"/>
+      </a:schemeClr>
+    </cs:fontRef>
+    <cs:spPr>
+      <a:solidFill>
+        <a:schemeClr val="lt1"/>
+      </a:solidFill>
+      <a:ln>
+        <a:solidFill>
+          <a:schemeClr val="dk1">
+            <a:lumMod val="25000"/>
+            <a:lumOff val="75000"/>
+          </a:schemeClr>
+        </a:solidFill>
+      </a:ln>
+    </cs:spPr>
+    <cs:defRPr sz="900" kern="1200"/>
+    <cs:bodyPr rot="0" spcFirstLastPara="1" vertOverflow="clip" horzOverflow="clip" vert="horz" wrap="square" lIns="36576" tIns="18288" rIns="36576" bIns="18288" anchor="ctr" anchorCtr="1">
+      <a:spAutoFit/>
+    </cs:bodyPr>
+  </cs:dataLabelCallout>
+  <cs:dataPoint>
+    <cs:lnRef idx="0"/>
+    <cs:fillRef idx="1">
+      <cs:styleClr val="auto"/>
+    </cs:fillRef>
+    <cs:effectRef idx="0"/>
+    <cs:fontRef idx="minor">
+      <a:schemeClr val="tx1"/>
+    </cs:fontRef>
+    <cs:spPr>
+      <a:solidFill>
+        <a:schemeClr val="phClr"/>
+      </a:solidFill>
+    </cs:spPr>
+  </cs:dataPoint>
+  <cs:dataPoint3D>
+    <cs:lnRef idx="0"/>
+    <cs:fillRef idx="1">
+      <cs:styleClr val="auto"/>
+    </cs:fillRef>
+    <cs:effectRef idx="0"/>
+    <cs:fontRef idx="minor">
+      <a:schemeClr val="tx1"/>
+    </cs:fontRef>
+    <cs:spPr>
+      <a:solidFill>
+        <a:schemeClr val="phClr"/>
+      </a:solidFill>
+    </cs:spPr>
+  </cs:dataPoint3D>
+  <cs:dataPointLine>
+    <cs:lnRef idx="0">
+      <cs:styleClr val="auto"/>
+    </cs:lnRef>
+    <cs:fillRef idx="1"/>
+    <cs:effectRef idx="0"/>
+    <cs:fontRef idx="minor">
+      <a:schemeClr val="tx1"/>
+    </cs:fontRef>
+    <cs:spPr>
+      <a:ln w="28575" cap="rnd">
+        <a:solidFill>
+          <a:schemeClr val="phClr"/>
+        </a:solidFill>
+        <a:round/>
+      </a:ln>
+    </cs:spPr>
+  </cs:dataPointLine>
+  <cs:dataPointMarker>
+    <cs:lnRef idx="0">
+      <cs:styleClr val="auto"/>
+    </cs:lnRef>
+    <cs:fillRef idx="1">
+      <cs:styleClr val="auto"/>
+    </cs:fillRef>
+    <cs:effectRef idx="0"/>
+    <cs:fontRef idx="minor">
+      <a:schemeClr val="tx1"/>
+    </cs:fontRef>
+    <cs:spPr>
+      <a:solidFill>
+        <a:schemeClr val="phClr"/>
+      </a:solidFill>
+      <a:ln w="9525">
+        <a:solidFill>
+          <a:schemeClr val="phClr"/>
+        </a:solidFill>
+      </a:ln>
+    </cs:spPr>
+  </cs:dataPointMarker>
+  <cs:dataPointMarkerLayout symbol="circle" size="5"/>
+  <cs:dataPointWireframe>
+    <cs:lnRef idx="0">
+      <cs:styleClr val="auto"/>
+    </cs:lnRef>
+    <cs:fillRef idx="1"/>
+    <cs:effectRef idx="0"/>
+    <cs:fontRef idx="minor">
+      <a:schemeClr val="tx1"/>
+    </cs:fontRef>
+    <cs:spPr>
+      <a:ln w="9525" cap="rnd">
+        <a:solidFill>
+          <a:schemeClr val="phClr"/>
+        </a:solidFill>
+        <a:round/>
+      </a:ln>
+    </cs:spPr>
+  </cs:dataPointWireframe>
+  <cs:dataTable>
+    <cs:lnRef idx="0"/>
+    <cs:fillRef idx="0"/>
+    <cs:effectRef idx="0"/>
+    <cs:fontRef idx="minor">
+      <a:schemeClr val="tx1">
+        <a:lumMod val="65000"/>
+        <a:lumOff val="35000"/>
+      </a:schemeClr>
+    </cs:fontRef>
+    <cs:spPr>
+      <a:noFill/>
+      <a:ln w="9525" cap="flat" cmpd="sng" algn="ctr">
+        <a:solidFill>
+          <a:schemeClr val="tx1">
+            <a:lumMod val="15000"/>
+            <a:lumOff val="85000"/>
+          </a:schemeClr>
+        </a:solidFill>
+        <a:round/>
+      </a:ln>
+    </cs:spPr>
+    <cs:defRPr sz="900" kern="1200"/>
+  </cs:dataTable>
+  <cs:downBar>
+    <cs:lnRef idx="0"/>
+    <cs:fillRef idx="0"/>
+    <cs:effectRef idx="0"/>
+    <cs:fontRef idx="minor">
+      <a:schemeClr val="dk1"/>
+    </cs:fontRef>
+    <cs:spPr>
+      <a:solidFill>
+        <a:schemeClr val="dk1">
+          <a:lumMod val="65000"/>
+          <a:lumOff val="35000"/>
+        </a:schemeClr>
+      </a:solidFill>
+      <a:ln w="9525">
+        <a:solidFill>
+          <a:schemeClr val="tx1">
+            <a:lumMod val="65000"/>
+            <a:lumOff val="35000"/>
+          </a:schemeClr>
+        </a:solidFill>
+      </a:ln>
+    </cs:spPr>
+  </cs:downBar>
+  <cs:dropLine>
+    <cs:lnRef idx="0"/>
+    <cs:fillRef idx="0"/>
+    <cs:effectRef idx="0"/>
+    <cs:fontRef idx="minor">
+      <a:schemeClr val="tx1"/>
+    </cs:fontRef>
+    <cs:spPr>
+      <a:ln w="9525" cap="flat" cmpd="sng" algn="ctr">
+        <a:solidFill>
+          <a:schemeClr val="tx1">
+            <a:lumMod val="35000"/>
+            <a:lumOff val="65000"/>
+          </a:schemeClr>
+        </a:solidFill>
+        <a:round/>
+      </a:ln>
+    </cs:spPr>
+  </cs:dropLine>
+  <cs:errorBar>
+    <cs:lnRef idx="0"/>
+    <cs:fillRef idx="0"/>
+    <cs:effectRef idx="0"/>
+    <cs:fontRef idx="minor">
+      <a:schemeClr val="tx1"/>
+    </cs:fontRef>
+    <cs:spPr>
+      <a:ln w="9525" cap="flat" cmpd="sng" algn="ctr">
+        <a:solidFill>
+          <a:schemeClr val="tx1">
+            <a:lumMod val="65000"/>
+            <a:lumOff val="35000"/>
+          </a:schemeClr>
+        </a:solidFill>
+        <a:round/>
+      </a:ln>
+    </cs:spPr>
+  </cs:errorBar>
+  <cs:floor>
+    <cs:lnRef idx="0"/>
+    <cs:fillRef idx="0"/>
+    <cs:effectRef idx="0"/>
+    <cs:fontRef idx="minor">
+      <a:schemeClr val="tx1"/>
+    </cs:fontRef>
+    <cs:spPr>
+      <a:noFill/>
+      <a:ln>
+        <a:noFill/>
+      </a:ln>
+    </cs:spPr>
+  </cs:floor>
+  <cs:gridlineMajor>
+    <cs:lnRef idx="0"/>
+    <cs:fillRef idx="0"/>
+    <cs:effectRef idx="0"/>
+    <cs:fontRef idx="minor">
+      <a:schemeClr val="tx1"/>
+    </cs:fontRef>
+    <cs:spPr>
+      <a:ln w="9525" cap="flat" cmpd="sng" algn="ctr">
+        <a:solidFill>
+          <a:schemeClr val="tx1">
+            <a:lumMod val="15000"/>
+            <a:lumOff val="85000"/>
+          </a:schemeClr>
+        </a:solidFill>
+        <a:round/>
+      </a:ln>
+    </cs:spPr>
+  </cs:gridlineMajor>
+  <cs:gridlineMinor>
+    <cs:lnRef idx="0"/>
+    <cs:fillRef idx="0"/>
+    <cs:effectRef idx="0"/>
+    <cs:fontRef idx="minor">
+      <a:schemeClr val="tx1"/>
+    </cs:fontRef>
+    <cs:spPr>
+      <a:ln w="9525" cap="flat" cmpd="sng" algn="ctr">
+        <a:solidFill>
+          <a:schemeClr val="tx1">
+            <a:lumMod val="5000"/>
+            <a:lumOff val="95000"/>
+          </a:schemeClr>
+        </a:solidFill>
+        <a:round/>
+      </a:ln>
+    </cs:spPr>
+  </cs:gridlineMinor>
+  <cs:hiLoLine>
+    <cs:lnRef idx="0"/>
+    <cs:fillRef idx="0"/>
+    <cs:effectRef idx="0"/>
+    <cs:fontRef idx="minor">
+      <a:schemeClr val="tx1"/>
+    </cs:fontRef>
+    <cs:spPr>
+      <a:ln w="9525" cap="flat" cmpd="sng" algn="ctr">
+        <a:solidFill>
+          <a:schemeClr val="tx1">
+            <a:lumMod val="75000"/>
+            <a:lumOff val="25000"/>
+          </a:schemeClr>
+        </a:solidFill>
+        <a:round/>
+      </a:ln>
+    </cs:spPr>
+  </cs:hiLoLine>
+  <cs:leaderLine>
+    <cs:lnRef idx="0"/>
+    <cs:fillRef idx="0"/>
+    <cs:effectRef idx="0"/>
+    <cs:fontRef idx="minor">
+      <a:schemeClr val="tx1"/>
+    </cs:fontRef>
+    <cs:spPr>
+      <a:ln w="9525" cap="flat" cmpd="sng" algn="ctr">
+        <a:solidFill>
+          <a:schemeClr val="tx1">
+            <a:lumMod val="35000"/>
+            <a:lumOff val="65000"/>
+          </a:schemeClr>
+        </a:solidFill>
+        <a:round/>
+      </a:ln>
+    </cs:spPr>
+  </cs:leaderLine>
+  <cs:legend>
+    <cs:lnRef idx="0"/>
+    <cs:fillRef idx="0"/>
+    <cs:effectRef idx="0"/>
+    <cs:fontRef idx="minor">
+      <a:schemeClr val="tx1">
+        <a:lumMod val="65000"/>
+        <a:lumOff val="35000"/>
+      </a:schemeClr>
+    </cs:fontRef>
+    <cs:defRPr sz="900" kern="1200"/>
+  </cs:legend>
+  <cs:plotArea mods="allowNoFillOverride allowNoLineOverride">
+    <cs:lnRef idx="0"/>
+    <cs:fillRef idx="0"/>
+    <cs:effectRef idx="0"/>
+    <cs:fontRef idx="minor">
+      <a:schemeClr val="tx1"/>
+    </cs:fontRef>
+  </cs:plotArea>
+  <cs:plotArea3D mods="allowNoFillOverride allowNoLineOverride">
+    <cs:lnRef idx="0"/>
+    <cs:fillRef idx="0"/>
+    <cs:effectRef idx="0"/>
+    <cs:fontRef idx="minor">
+      <a:schemeClr val="tx1"/>
+    </cs:fontRef>
+  </cs:plotArea3D>
+  <cs:seriesAxis>
+    <cs:lnRef idx="0"/>
+    <cs:fillRef idx="0"/>
+    <cs:effectRef idx="0"/>
+    <cs:fontRef idx="minor">
+      <a:schemeClr val="tx1">
+        <a:lumMod val="65000"/>
+        <a:lumOff val="35000"/>
+      </a:schemeClr>
+    </cs:fontRef>
+    <cs:defRPr sz="900" kern="1200"/>
+  </cs:seriesAxis>
+  <cs:seriesLine>
+    <cs:lnRef idx="0"/>
+    <cs:fillRef idx="0"/>
+    <cs:effectRef idx="0"/>
+    <cs:fontRef idx="minor">
+      <a:schemeClr val="tx1"/>
+    </cs:fontRef>
+    <cs:spPr>
+      <a:ln w="9525" cap="flat" cmpd="sng" algn="ctr">
+        <a:solidFill>
+          <a:schemeClr val="tx1">
+            <a:lumMod val="35000"/>
+            <a:lumOff val="65000"/>
+          </a:schemeClr>
+        </a:solidFill>
+        <a:round/>
+      </a:ln>
+    </cs:spPr>
+  </cs:seriesLine>
+  <cs:title>
+    <cs:lnRef idx="0"/>
+    <cs:fillRef idx="0"/>
+    <cs:effectRef idx="0"/>
+    <cs:fontRef idx="minor">
+      <a:schemeClr val="tx1">
+        <a:lumMod val="65000"/>
+        <a:lumOff val="35000"/>
+      </a:schemeClr>
+    </cs:fontRef>
+    <cs:defRPr sz="1400" b="0" kern="1200" spc="0" baseline="0"/>
+  </cs:title>
+  <cs:trendline>
+    <cs:lnRef idx="0">
+      <cs:styleClr val="auto"/>
+    </cs:lnRef>
+    <cs:fillRef idx="0"/>
+    <cs:effectRef idx="0"/>
+    <cs:fontRef idx="minor">
+      <a:schemeClr val="tx1"/>
+    </cs:fontRef>
+    <cs:spPr>
+      <a:ln w="19050" cap="rnd">
+        <a:solidFill>
+          <a:schemeClr val="phClr"/>
+        </a:solidFill>
+        <a:prstDash val="sysDot"/>
+      </a:ln>
+    </cs:spPr>
+  </cs:trendline>
+  <cs:trendlineLabel>
+    <cs:lnRef idx="0"/>
+    <cs:fillRef idx="0"/>
+    <cs:effectRef idx="0"/>
+    <cs:fontRef idx="minor">
+      <a:schemeClr val="tx1">
+        <a:lumMod val="65000"/>
+        <a:lumOff val="35000"/>
+      </a:schemeClr>
+    </cs:fontRef>
+    <cs:defRPr sz="900" kern="1200"/>
+  </cs:trendlineLabel>
+  <cs:upBar>
+    <cs:lnRef idx="0"/>
+    <cs:fillRef idx="0"/>
+    <cs:effectRef idx="0"/>
+    <cs:fontRef idx="minor">
+      <a:schemeClr val="dk1"/>
+    </cs:fontRef>
+    <cs:spPr>
+      <a:solidFill>
+        <a:schemeClr val="lt1"/>
+      </a:solidFill>
+      <a:ln w="9525">
+        <a:solidFill>
+          <a:schemeClr val="tx1">
+            <a:lumMod val="15000"/>
+            <a:lumOff val="85000"/>
+          </a:schemeClr>
+        </a:solidFill>
+      </a:ln>
+    </cs:spPr>
+  </cs:upBar>
+  <cs:valueAxis>
+    <cs:lnRef idx="0"/>
+    <cs:fillRef idx="0"/>
+    <cs:effectRef idx="0"/>
+    <cs:fontRef idx="minor">
+      <a:schemeClr val="tx1">
+        <a:lumMod val="65000"/>
+        <a:lumOff val="35000"/>
+      </a:schemeClr>
+    </cs:fontRef>
+    <cs:defRPr sz="900" kern="1200"/>
+  </cs:valueAxis>
+  <cs:wall>
+    <cs:lnRef idx="0"/>
+    <cs:fillRef idx="0"/>
+    <cs:effectRef idx="0"/>
+    <cs:fontRef idx="minor">
+      <a:schemeClr val="tx1"/>
+    </cs:fontRef>
+    <cs:spPr>
+      <a:noFill/>
+      <a:ln>
+        <a:noFill/>
+      </a:ln>
+    </cs:spPr>
+  </cs:wall>
+</cs:chartStyle>
+</file>
+
 <file path=ppt/handoutMasters/handoutMaster1.xml><?xml version="1.0" encoding="utf-8"?>
 <p:handoutMaster xmlns:a="http://schemas.openxmlformats.org/drawingml/2006/main" xmlns:r="http://schemas.openxmlformats.org/officeDocument/2006/relationships" xmlns:p="http://schemas.openxmlformats.org/presentationml/2006/main">
   <p:cSld>
@@ -271,7 +4838,7 @@
           <a:p>
             <a:fld id="{13F6AEEE-E778-402E-8B8F-9A98AED26EB8}" type="datetimeFigureOut">
               <a:rPr lang="en-GB" sz="700" smtClean="0"/>
-              <a:t>16/05/2024</a:t>
+              <a:t>18/05/2024</a:t>
             </a:fld>
             <a:endParaRPr lang="en-GB" sz="700"/>
           </a:p>
@@ -447,7 +5014,7 @@
             <a:fld id="{1386E511-D742-4EFE-90B5-C9FC42762E0F}" type="datetimeFigureOut">
               <a:rPr lang="en-GB" smtClean="0"/>
               <a:pPr/>
-              <a:t>16/05/2024</a:t>
+              <a:t>18/05/2024</a:t>
             </a:fld>
             <a:endParaRPr lang="en-GB"/>
           </a:p>
@@ -806,6 +5373,110 @@
 </p:notes>
 </file>
 
+<file path=ppt/notesSlides/notesSlide10.xml><?xml version="1.0" encoding="utf-8"?>
+<p:notes xmlns:a="http://schemas.openxmlformats.org/drawingml/2006/main" xmlns:r="http://schemas.openxmlformats.org/officeDocument/2006/relationships" xmlns:p="http://schemas.openxmlformats.org/presentationml/2006/main">
+  <p:cSld>
+    <p:spTree>
+      <p:nvGrpSpPr>
+        <p:cNvPr id="1" name=""/>
+        <p:cNvGrpSpPr/>
+        <p:nvPr/>
+      </p:nvGrpSpPr>
+      <p:grpSpPr>
+        <a:xfrm>
+          <a:off x="0" y="0"/>
+          <a:ext cx="0" cy="0"/>
+          <a:chOff x="0" y="0"/>
+          <a:chExt cx="0" cy="0"/>
+        </a:xfrm>
+      </p:grpSpPr>
+      <p:sp>
+        <p:nvSpPr>
+          <p:cNvPr id="2" name="Slide Image Placeholder 1"/>
+          <p:cNvSpPr>
+            <a:spLocks noGrp="1" noRot="1" noChangeAspect="1"/>
+          </p:cNvSpPr>
+          <p:nvPr>
+            <p:ph type="sldImg"/>
+          </p:nvPr>
+        </p:nvSpPr>
+        <p:spPr/>
+      </p:sp>
+      <p:sp>
+        <p:nvSpPr>
+          <p:cNvPr id="3" name="Notes Placeholder 2"/>
+          <p:cNvSpPr>
+            <a:spLocks noGrp="1"/>
+          </p:cNvSpPr>
+          <p:nvPr>
+            <p:ph type="body" idx="1"/>
+          </p:nvPr>
+        </p:nvSpPr>
+        <p:spPr/>
+        <p:txBody>
+          <a:bodyPr/>
+          <a:lstStyle/>
+          <a:p>
+            <a:r>
+              <a:rPr lang="en-GB" dirty="0"/>
+              <a:t>The normalisation and standardisation was the most significant portion of the data pre-processing. </a:t>
+            </a:r>
+          </a:p>
+          <a:p>
+            <a:r>
+              <a:rPr lang="en-GB" dirty="0"/>
+              <a:t>A corpus was used to ease working with the text data.</a:t>
+            </a:r>
+            <a:br>
+              <a:rPr lang="en-GB" dirty="0"/>
+            </a:br>
+            <a:br>
+              <a:rPr lang="en-GB" dirty="0"/>
+            </a:br>
+            <a:r>
+              <a:rPr lang="en-GB" dirty="0"/>
+              <a:t>Prior to constructing the corpus, the data was transformed to lowercase, all leading and trailing white spaces removed. An important step in this dataset was to replace any white space between a two word phrase that refers to one skill, with an underscore</a:t>
+            </a:r>
+          </a:p>
+        </p:txBody>
+      </p:sp>
+      <p:sp>
+        <p:nvSpPr>
+          <p:cNvPr id="4" name="Slide Number Placeholder 3"/>
+          <p:cNvSpPr>
+            <a:spLocks noGrp="1"/>
+          </p:cNvSpPr>
+          <p:nvPr>
+            <p:ph type="sldNum" sz="quarter" idx="5"/>
+          </p:nvPr>
+        </p:nvSpPr>
+        <p:spPr/>
+        <p:txBody>
+          <a:bodyPr/>
+          <a:lstStyle/>
+          <a:p>
+            <a:fld id="{A16CFAD1-D197-4A88-B173-A6412E995EE5}" type="slidenum">
+              <a:rPr lang="en-GB" smtClean="0"/>
+              <a:pPr/>
+              <a:t>10</a:t>
+            </a:fld>
+            <a:endParaRPr lang="en-GB"/>
+          </a:p>
+        </p:txBody>
+      </p:sp>
+    </p:spTree>
+    <p:extLst>
+      <p:ext uri="{BB962C8B-B14F-4D97-AF65-F5344CB8AC3E}">
+        <p14:creationId xmlns:p14="http://schemas.microsoft.com/office/powerpoint/2010/main" val="4023916418"/>
+      </p:ext>
+    </p:extLst>
+  </p:cSld>
+  <p:clrMapOvr>
+    <a:masterClrMapping/>
+  </p:clrMapOvr>
+</p:notes>
+</file>
+
 <file path=ppt/notesSlides/notesSlide2.xml><?xml version="1.0" encoding="utf-8"?>
 <p:notes xmlns:a="http://schemas.openxmlformats.org/drawingml/2006/main" xmlns:r="http://schemas.openxmlformats.org/officeDocument/2006/relationships" xmlns:p="http://schemas.openxmlformats.org/presentationml/2006/main">
   <p:cSld>
@@ -1210,25 +5881,62 @@
           <a:lstStyle/>
           <a:p>
             <a:r>
-              <a:rPr lang="en-GB" dirty="0"/>
-              <a:t>The normalisation and standardisation was the most significant portion of the data pre-processing. </a:t>
-            </a:r>
-          </a:p>
-          <a:p>
-            <a:r>
-              <a:rPr lang="en-GB" dirty="0"/>
-              <a:t>A corpus was used to ease working with the text data.</a:t>
-            </a:r>
-            <a:br>
-              <a:rPr lang="en-GB" dirty="0"/>
-            </a:br>
-            <a:br>
-              <a:rPr lang="en-GB" dirty="0"/>
-            </a:br>
-            <a:r>
-              <a:rPr lang="en-GB" dirty="0"/>
-              <a:t>Prior to constructing the corpus, the data was transformed to lowercase, all leading and trailing white spaces removed. An important step in this dataset was to replace any white space between a two word phrase that refers to one skill, with an underscore</a:t>
-            </a:r>
+              <a:rPr lang="en-ZA" b="0" i="0" dirty="0">
+                <a:solidFill>
+                  <a:srgbClr val="0D0D0D"/>
+                </a:solidFill>
+                <a:effectLst/>
+                <a:latin typeface="Söhne"/>
+              </a:rPr>
+              <a:t>Thanks </a:t>
+            </a:r>
+            <a:r>
+              <a:rPr lang="en-ZA" b="0" i="0" dirty="0" err="1">
+                <a:solidFill>
+                  <a:srgbClr val="0D0D0D"/>
+                </a:solidFill>
+                <a:effectLst/>
+                <a:latin typeface="Söhne"/>
+              </a:rPr>
+              <a:t>Difedile</a:t>
+            </a:r>
+            <a:r>
+              <a:rPr lang="en-ZA" b="0" i="0" dirty="0">
+                <a:solidFill>
+                  <a:srgbClr val="0D0D0D"/>
+                </a:solidFill>
+                <a:effectLst/>
+                <a:latin typeface="Söhne"/>
+              </a:rPr>
+              <a:t>, as she just mentioned, we chose two models and used their performance as a metric to determine how effective the imputation was. </a:t>
+            </a:r>
+          </a:p>
+          <a:p>
+            <a:endParaRPr lang="en-ZA" b="0" i="0" dirty="0">
+              <a:solidFill>
+                <a:srgbClr val="0D0D0D"/>
+              </a:solidFill>
+              <a:effectLst/>
+              <a:latin typeface="Söhne"/>
+            </a:endParaRPr>
+          </a:p>
+          <a:p>
+            <a:r>
+              <a:rPr lang="en-ZA" dirty="0"/>
+              <a:t>We chose the same two models as in task A. This enabled us to also compare the imputation of numeric values to that of categorical.</a:t>
+            </a:r>
+          </a:p>
+          <a:p>
+            <a:endParaRPr lang="en-ZA" dirty="0"/>
+          </a:p>
+          <a:p>
+            <a:r>
+              <a:rPr lang="en-ZA" dirty="0"/>
+              <a:t>The choice of the two models were to have one that is robust to missing values ( the classification tree) and one that is sensitive to missing values (the k-NN)</a:t>
+            </a:r>
+          </a:p>
+          <a:p>
+            <a:endParaRPr lang="en-ZA" dirty="0"/>
           </a:p>
         </p:txBody>
       </p:sp>
@@ -1247,19 +5955,78 @@
           <a:bodyPr/>
           <a:lstStyle/>
           <a:p>
+            <a:pPr marL="0" marR="0" lvl="0" indent="0" algn="r" defTabSz="914400" rtl="0" eaLnBrk="1" fontAlgn="auto" latinLnBrk="0" hangingPunct="1">
+              <a:lnSpc>
+                <a:spcPct val="100000"/>
+              </a:lnSpc>
+              <a:spcBef>
+                <a:spcPts val="0"/>
+              </a:spcBef>
+              <a:spcAft>
+                <a:spcPts val="0"/>
+              </a:spcAft>
+              <a:buClrTx/>
+              <a:buSzTx/>
+              <a:buFontTx/>
+              <a:buNone/>
+              <a:tabLst/>
+              <a:defRPr/>
+            </a:pPr>
             <a:fld id="{A16CFAD1-D197-4A88-B173-A6412E995EE5}" type="slidenum">
-              <a:rPr lang="en-GB" smtClean="0"/>
-              <a:pPr/>
+              <a:rPr kumimoji="0" lang="en-GB" sz="700" b="0" i="0" u="none" strike="noStrike" kern="1200" cap="none" spc="0" normalizeH="0" baseline="0" noProof="0" smtClean="0">
+                <a:ln>
+                  <a:noFill/>
+                </a:ln>
+                <a:solidFill>
+                  <a:srgbClr val="000000"/>
+                </a:solidFill>
+                <a:effectLst/>
+                <a:uLnTx/>
+                <a:uFillTx/>
+                <a:latin typeface="Arial"/>
+                <a:ea typeface="+mn-ea"/>
+                <a:cs typeface="+mn-cs"/>
+              </a:rPr>
+              <a:pPr marL="0" marR="0" lvl="0" indent="0" algn="r" defTabSz="914400" rtl="0" eaLnBrk="1" fontAlgn="auto" latinLnBrk="0" hangingPunct="1">
+                <a:lnSpc>
+                  <a:spcPct val="100000"/>
+                </a:lnSpc>
+                <a:spcBef>
+                  <a:spcPts val="0"/>
+                </a:spcBef>
+                <a:spcAft>
+                  <a:spcPts val="0"/>
+                </a:spcAft>
+                <a:buClrTx/>
+                <a:buSzTx/>
+                <a:buFontTx/>
+                <a:buNone/>
+                <a:tabLst/>
+                <a:defRPr/>
+              </a:pPr>
               <a:t>5</a:t>
             </a:fld>
-            <a:endParaRPr lang="en-GB"/>
+            <a:endParaRPr kumimoji="0" lang="en-GB" sz="700" b="0" i="0" u="none" strike="noStrike" kern="1200" cap="none" spc="0" normalizeH="0" baseline="0" noProof="0">
+              <a:ln>
+                <a:noFill/>
+              </a:ln>
+              <a:solidFill>
+                <a:srgbClr val="000000"/>
+              </a:solidFill>
+              <a:effectLst/>
+              <a:uLnTx/>
+              <a:uFillTx/>
+              <a:latin typeface="Arial"/>
+              <a:ea typeface="+mn-ea"/>
+              <a:cs typeface="+mn-cs"/>
+            </a:endParaRPr>
           </a:p>
         </p:txBody>
       </p:sp>
     </p:spTree>
     <p:extLst>
       <p:ext uri="{BB962C8B-B14F-4D97-AF65-F5344CB8AC3E}">
-        <p14:creationId xmlns:p14="http://schemas.microsoft.com/office/powerpoint/2010/main" val="1516609658"/>
+        <p14:creationId xmlns:p14="http://schemas.microsoft.com/office/powerpoint/2010/main" val="826566431"/>
       </p:ext>
     </p:extLst>
   </p:cSld>
@@ -1313,25 +6080,39 @@
           <a:bodyPr/>
           <a:lstStyle/>
           <a:p>
+            <a:endParaRPr lang="en-GB" dirty="0"/>
+          </a:p>
+          <a:p>
+            <a:endParaRPr lang="en-GB" dirty="0"/>
+          </a:p>
+          <a:p>
             <a:r>
               <a:rPr lang="en-GB" dirty="0"/>
-              <a:t>The normalisation and standardisation was the most significant portion of the data pre-processing. </a:t>
-            </a:r>
-          </a:p>
-          <a:p>
+              <a:t>Looking at the performance of the classification tree. When one compares the the performance of the model trained mean imputed (the orange bars) and the </a:t>
+            </a:r>
+            <a:r>
+              <a:rPr lang="en-GB" dirty="0" err="1"/>
+              <a:t>knn</a:t>
+            </a:r>
             <a:r>
               <a:rPr lang="en-GB" dirty="0"/>
-              <a:t>A corpus was used to ease working with the text data.</a:t>
-            </a:r>
-            <a:br>
+              <a:t>-imputed (blue bars) datasets, to that of the control(original dataset, in grey), one can see that at a low proportion of imputed values, both mean imputed and </a:t>
+            </a:r>
+            <a:r>
+              <a:rPr lang="en-GB" dirty="0" err="1"/>
+              <a:t>knn</a:t>
+            </a:r>
+            <a:r>
               <a:rPr lang="en-GB" dirty="0"/>
-            </a:br>
-            <a:br>
+              <a:t> imputed performed quite well. At larger proportions, the performance of the models trained with </a:t>
+            </a:r>
+            <a:r>
+              <a:rPr lang="en-GB" dirty="0" err="1"/>
+              <a:t>knn</a:t>
+            </a:r>
+            <a:r>
               <a:rPr lang="en-GB" dirty="0"/>
-            </a:br>
-            <a:r>
-              <a:rPr lang="en-GB" dirty="0"/>
-              <a:t>Prior to constructing the corpus, the data was transformed to lowercase, all leading and trailing white spaces removed. An important step in this dataset was to replace any white space between a two word phrase that refers to one skill, with an underscore</a:t>
+              <a:t>-imputed values decreased rapidly, where the mean imputation remained surprisingly constant.</a:t>
             </a:r>
           </a:p>
         </p:txBody>
@@ -1363,7 +6144,7 @@
     </p:spTree>
     <p:extLst>
       <p:ext uri="{BB962C8B-B14F-4D97-AF65-F5344CB8AC3E}">
-        <p14:creationId xmlns:p14="http://schemas.microsoft.com/office/powerpoint/2010/main" val="2244746627"/>
+        <p14:creationId xmlns:p14="http://schemas.microsoft.com/office/powerpoint/2010/main" val="1516609658"/>
       </p:ext>
     </p:extLst>
   </p:cSld>
@@ -1419,6 +6200,216 @@
           <a:p>
             <a:r>
               <a:rPr lang="en-GB" dirty="0"/>
+              <a:t>Moving on to the k-Nearest Neighbour model. Here we can observe almost the exact same pattern as in the classification tree. Again both imputation methods performed better at low levels of imputed data, with the mean only slightly decreasing as the imputation proportion increases, with the models’ performance that were trained with the k-</a:t>
+            </a:r>
+            <a:r>
+              <a:rPr lang="en-GB" dirty="0" err="1"/>
+              <a:t>nn</a:t>
+            </a:r>
+            <a:r>
+              <a:rPr lang="en-GB" dirty="0"/>
+              <a:t> imputed datasets decreasing rapidly as the proportion of imputed values increase.</a:t>
+            </a:r>
+          </a:p>
+          <a:p>
+            <a:endParaRPr lang="en-GB" dirty="0"/>
+          </a:p>
+          <a:p>
+            <a:r>
+              <a:rPr lang="en-GB" dirty="0"/>
+              <a:t>Again, it is in contrast to what we found in literature</a:t>
+            </a:r>
+          </a:p>
+          <a:p>
+            <a:endParaRPr lang="en-GB" dirty="0"/>
+          </a:p>
+        </p:txBody>
+      </p:sp>
+      <p:sp>
+        <p:nvSpPr>
+          <p:cNvPr id="4" name="Slide Number Placeholder 3"/>
+          <p:cNvSpPr>
+            <a:spLocks noGrp="1"/>
+          </p:cNvSpPr>
+          <p:nvPr>
+            <p:ph type="sldNum" sz="quarter" idx="5"/>
+          </p:nvPr>
+        </p:nvSpPr>
+        <p:spPr/>
+        <p:txBody>
+          <a:bodyPr/>
+          <a:lstStyle/>
+          <a:p>
+            <a:fld id="{A16CFAD1-D197-4A88-B173-A6412E995EE5}" type="slidenum">
+              <a:rPr lang="en-GB" smtClean="0"/>
+              <a:pPr/>
+              <a:t>7</a:t>
+            </a:fld>
+            <a:endParaRPr lang="en-GB"/>
+          </a:p>
+        </p:txBody>
+      </p:sp>
+    </p:spTree>
+    <p:extLst>
+      <p:ext uri="{BB962C8B-B14F-4D97-AF65-F5344CB8AC3E}">
+        <p14:creationId xmlns:p14="http://schemas.microsoft.com/office/powerpoint/2010/main" val="3010133760"/>
+      </p:ext>
+    </p:extLst>
+  </p:cSld>
+  <p:clrMapOvr>
+    <a:masterClrMapping/>
+  </p:clrMapOvr>
+</p:notes>
+</file>
+
+<file path=ppt/notesSlides/notesSlide8.xml><?xml version="1.0" encoding="utf-8"?>
+<p:notes xmlns:a="http://schemas.openxmlformats.org/drawingml/2006/main" xmlns:r="http://schemas.openxmlformats.org/officeDocument/2006/relationships" xmlns:p="http://schemas.openxmlformats.org/presentationml/2006/main">
+  <p:cSld>
+    <p:spTree>
+      <p:nvGrpSpPr>
+        <p:cNvPr id="1" name=""/>
+        <p:cNvGrpSpPr/>
+        <p:nvPr/>
+      </p:nvGrpSpPr>
+      <p:grpSpPr>
+        <a:xfrm>
+          <a:off x="0" y="0"/>
+          <a:ext cx="0" cy="0"/>
+          <a:chOff x="0" y="0"/>
+          <a:chExt cx="0" cy="0"/>
+        </a:xfrm>
+      </p:grpSpPr>
+      <p:sp>
+        <p:nvSpPr>
+          <p:cNvPr id="2" name="Slide Image Placeholder 1"/>
+          <p:cNvSpPr>
+            <a:spLocks noGrp="1" noRot="1" noChangeAspect="1"/>
+          </p:cNvSpPr>
+          <p:nvPr>
+            <p:ph type="sldImg"/>
+          </p:nvPr>
+        </p:nvSpPr>
+        <p:spPr/>
+      </p:sp>
+      <p:sp>
+        <p:nvSpPr>
+          <p:cNvPr id="3" name="Notes Placeholder 2"/>
+          <p:cNvSpPr>
+            <a:spLocks noGrp="1"/>
+          </p:cNvSpPr>
+          <p:nvPr>
+            <p:ph type="body" idx="1"/>
+          </p:nvPr>
+        </p:nvSpPr>
+        <p:spPr/>
+        <p:txBody>
+          <a:bodyPr/>
+          <a:lstStyle/>
+          <a:p>
+            <a:r>
+              <a:rPr lang="en-GB" dirty="0"/>
+              <a:t>A similar study was done by Suh and Song, also utilising the same dataset. </a:t>
+            </a:r>
+          </a:p>
+          <a:p>
+            <a:endParaRPr lang="en-GB" dirty="0"/>
+          </a:p>
+          <a:p>
+            <a:r>
+              <a:rPr lang="en-GB" dirty="0"/>
+              <a:t>Their study was significantly </a:t>
+            </a:r>
+            <a:r>
+              <a:rPr lang="en-GB"/>
+              <a:t>more complicated</a:t>
+            </a:r>
+            <a:endParaRPr lang="en-GB" dirty="0"/>
+          </a:p>
+        </p:txBody>
+      </p:sp>
+      <p:sp>
+        <p:nvSpPr>
+          <p:cNvPr id="4" name="Slide Number Placeholder 3"/>
+          <p:cNvSpPr>
+            <a:spLocks noGrp="1"/>
+          </p:cNvSpPr>
+          <p:nvPr>
+            <p:ph type="sldNum" sz="quarter" idx="5"/>
+          </p:nvPr>
+        </p:nvSpPr>
+        <p:spPr/>
+        <p:txBody>
+          <a:bodyPr/>
+          <a:lstStyle/>
+          <a:p>
+            <a:fld id="{A16CFAD1-D197-4A88-B173-A6412E995EE5}" type="slidenum">
+              <a:rPr lang="en-GB" smtClean="0"/>
+              <a:pPr/>
+              <a:t>8</a:t>
+            </a:fld>
+            <a:endParaRPr lang="en-GB"/>
+          </a:p>
+        </p:txBody>
+      </p:sp>
+    </p:spTree>
+    <p:extLst>
+      <p:ext uri="{BB962C8B-B14F-4D97-AF65-F5344CB8AC3E}">
+        <p14:creationId xmlns:p14="http://schemas.microsoft.com/office/powerpoint/2010/main" val="2244746627"/>
+      </p:ext>
+    </p:extLst>
+  </p:cSld>
+  <p:clrMapOvr>
+    <a:masterClrMapping/>
+  </p:clrMapOvr>
+</p:notes>
+</file>
+
+<file path=ppt/notesSlides/notesSlide9.xml><?xml version="1.0" encoding="utf-8"?>
+<p:notes xmlns:a="http://schemas.openxmlformats.org/drawingml/2006/main" xmlns:r="http://schemas.openxmlformats.org/officeDocument/2006/relationships" xmlns:p="http://schemas.openxmlformats.org/presentationml/2006/main">
+  <p:cSld>
+    <p:spTree>
+      <p:nvGrpSpPr>
+        <p:cNvPr id="1" name=""/>
+        <p:cNvGrpSpPr/>
+        <p:nvPr/>
+      </p:nvGrpSpPr>
+      <p:grpSpPr>
+        <a:xfrm>
+          <a:off x="0" y="0"/>
+          <a:ext cx="0" cy="0"/>
+          <a:chOff x="0" y="0"/>
+          <a:chExt cx="0" cy="0"/>
+        </a:xfrm>
+      </p:grpSpPr>
+      <p:sp>
+        <p:nvSpPr>
+          <p:cNvPr id="2" name="Slide Image Placeholder 1"/>
+          <p:cNvSpPr>
+            <a:spLocks noGrp="1" noRot="1" noChangeAspect="1"/>
+          </p:cNvSpPr>
+          <p:nvPr>
+            <p:ph type="sldImg"/>
+          </p:nvPr>
+        </p:nvSpPr>
+        <p:spPr/>
+      </p:sp>
+      <p:sp>
+        <p:nvSpPr>
+          <p:cNvPr id="3" name="Notes Placeholder 2"/>
+          <p:cNvSpPr>
+            <a:spLocks noGrp="1"/>
+          </p:cNvSpPr>
+          <p:nvPr>
+            <p:ph type="body" idx="1"/>
+          </p:nvPr>
+        </p:nvSpPr>
+        <p:spPr/>
+        <p:txBody>
+          <a:bodyPr/>
+          <a:lstStyle/>
+          <a:p>
+            <a:r>
+              <a:rPr lang="en-GB" dirty="0"/>
               <a:t>The normalisation and standardisation was the most significant portion of the data pre-processing. </a:t>
             </a:r>
           </a:p>
@@ -1458,7 +6449,7 @@
             <a:fld id="{A16CFAD1-D197-4A88-B173-A6412E995EE5}" type="slidenum">
               <a:rPr lang="en-GB" smtClean="0"/>
               <a:pPr/>
-              <a:t>7</a:t>
+              <a:t>9</a:t>
             </a:fld>
             <a:endParaRPr lang="en-GB"/>
           </a:p>
@@ -1467,7 +6458,7 @@
     </p:spTree>
     <p:extLst>
       <p:ext uri="{BB962C8B-B14F-4D97-AF65-F5344CB8AC3E}">
-        <p14:creationId xmlns:p14="http://schemas.microsoft.com/office/powerpoint/2010/main" val="4023916418"/>
+        <p14:creationId xmlns:p14="http://schemas.microsoft.com/office/powerpoint/2010/main" val="2776083429"/>
       </p:ext>
     </p:extLst>
   </p:cSld>
@@ -1667,7 +6658,7 @@
           <a:p>
             <a:fld id="{FC968453-BAB5-46CE-A4CF-38551120EE52}" type="datetime3">
               <a:rPr lang="en-US" smtClean="0"/>
-              <a:t>16 May 2024</a:t>
+              <a:t>18 May 2024</a:t>
             </a:fld>
             <a:endParaRPr lang="en-US" dirty="0"/>
           </a:p>
@@ -1947,7 +6938,7 @@
           <a:p>
             <a:fld id="{FC968453-BAB5-46CE-A4CF-38551120EE52}" type="datetime3">
               <a:rPr lang="en-US" smtClean="0"/>
-              <a:t>16 May 2024</a:t>
+              <a:t>18 May 2024</a:t>
             </a:fld>
             <a:endParaRPr lang="en-US" dirty="0"/>
           </a:p>
@@ -2227,7 +7218,7 @@
           <a:p>
             <a:fld id="{FC968453-BAB5-46CE-A4CF-38551120EE52}" type="datetime3">
               <a:rPr lang="en-US" smtClean="0"/>
-              <a:t>16 May 2024</a:t>
+              <a:t>18 May 2024</a:t>
             </a:fld>
             <a:endParaRPr lang="en-US" dirty="0"/>
           </a:p>
@@ -2504,7 +7495,7 @@
           <a:p>
             <a:fld id="{FC968453-BAB5-46CE-A4CF-38551120EE52}" type="datetime3">
               <a:rPr lang="en-US" smtClean="0"/>
-              <a:t>16 May 2024</a:t>
+              <a:t>18 May 2024</a:t>
             </a:fld>
             <a:endParaRPr lang="en-US" dirty="0"/>
           </a:p>
@@ -2781,7 +7772,7 @@
           <a:p>
             <a:fld id="{FC968453-BAB5-46CE-A4CF-38551120EE52}" type="datetime3">
               <a:rPr lang="en-US" smtClean="0"/>
-              <a:t>16 May 2024</a:t>
+              <a:t>18 May 2024</a:t>
             </a:fld>
             <a:endParaRPr lang="en-US" dirty="0"/>
           </a:p>
@@ -3280,7 +8271,7 @@
           <a:p>
             <a:fld id="{FC968453-BAB5-46CE-A4CF-38551120EE52}" type="datetime3">
               <a:rPr lang="en-US" smtClean="0"/>
-              <a:t>16 May 2024</a:t>
+              <a:t>18 May 2024</a:t>
             </a:fld>
             <a:endParaRPr lang="en-US" dirty="0"/>
           </a:p>
@@ -3597,7 +8588,7 @@
           <a:p>
             <a:fld id="{FC968453-BAB5-46CE-A4CF-38551120EE52}" type="datetime3">
               <a:rPr lang="en-US" smtClean="0"/>
-              <a:t>16 May 2024</a:t>
+              <a:t>18 May 2024</a:t>
             </a:fld>
             <a:endParaRPr lang="en-US" dirty="0"/>
           </a:p>
@@ -3893,7 +8884,7 @@
           <a:p>
             <a:fld id="{FC968453-BAB5-46CE-A4CF-38551120EE52}" type="datetime3">
               <a:rPr lang="en-US" smtClean="0"/>
-              <a:t>16 May 2024</a:t>
+              <a:t>18 May 2024</a:t>
             </a:fld>
             <a:endParaRPr lang="en-US" dirty="0"/>
           </a:p>
@@ -4201,7 +9192,7 @@
           <a:p>
             <a:fld id="{FC968453-BAB5-46CE-A4CF-38551120EE52}" type="datetime3">
               <a:rPr lang="en-US" smtClean="0"/>
-              <a:t>16 May 2024</a:t>
+              <a:t>18 May 2024</a:t>
             </a:fld>
             <a:endParaRPr lang="en-US" dirty="0"/>
           </a:p>
@@ -4457,7 +9448,7 @@
           <a:p>
             <a:fld id="{FC968453-BAB5-46CE-A4CF-38551120EE52}" type="datetime3">
               <a:rPr lang="en-US" smtClean="0"/>
-              <a:t>16 May 2024</a:t>
+              <a:t>18 May 2024</a:t>
             </a:fld>
             <a:endParaRPr lang="en-US" dirty="0"/>
           </a:p>
@@ -4768,7 +9759,7 @@
           <a:p>
             <a:fld id="{FC968453-BAB5-46CE-A4CF-38551120EE52}" type="datetime3">
               <a:rPr lang="en-US" smtClean="0"/>
-              <a:t>16 May 2024</a:t>
+              <a:t>18 May 2024</a:t>
             </a:fld>
             <a:endParaRPr lang="en-US" dirty="0"/>
           </a:p>
@@ -4972,7 +9963,7 @@
           <a:p>
             <a:fld id="{FC968453-BAB5-46CE-A4CF-38551120EE52}" type="datetime3">
               <a:rPr lang="en-US" smtClean="0"/>
-              <a:t>16 May 2024</a:t>
+              <a:t>18 May 2024</a:t>
             </a:fld>
             <a:endParaRPr lang="en-US" dirty="0"/>
           </a:p>
@@ -5324,7 +10315,7 @@
           <a:p>
             <a:fld id="{FC968453-BAB5-46CE-A4CF-38551120EE52}" type="datetime3">
               <a:rPr lang="en-US" smtClean="0"/>
-              <a:t>16 May 2024</a:t>
+              <a:t>18 May 2024</a:t>
             </a:fld>
             <a:endParaRPr lang="en-US" dirty="0"/>
           </a:p>
@@ -5580,7 +10571,7 @@
           <a:p>
             <a:fld id="{FC968453-BAB5-46CE-A4CF-38551120EE52}" type="datetime3">
               <a:rPr lang="en-US" smtClean="0"/>
-              <a:t>16 May 2024</a:t>
+              <a:t>18 May 2024</a:t>
             </a:fld>
             <a:endParaRPr lang="en-US" dirty="0"/>
           </a:p>
@@ -5912,7 +10903,7 @@
           <a:p>
             <a:fld id="{FC968453-BAB5-46CE-A4CF-38551120EE52}" type="datetime3">
               <a:rPr lang="en-US" smtClean="0"/>
-              <a:t>16 May 2024</a:t>
+              <a:t>18 May 2024</a:t>
             </a:fld>
             <a:endParaRPr lang="en-US" dirty="0"/>
           </a:p>
@@ -6296,7 +11287,7 @@
           <a:p>
             <a:fld id="{FC968453-BAB5-46CE-A4CF-38551120EE52}" type="datetime3">
               <a:rPr lang="en-US" smtClean="0"/>
-              <a:t>16 May 2024</a:t>
+              <a:t>18 May 2024</a:t>
             </a:fld>
             <a:endParaRPr lang="en-US" dirty="0"/>
           </a:p>
@@ -6628,7 +11619,7 @@
           <a:p>
             <a:fld id="{FC968453-BAB5-46CE-A4CF-38551120EE52}" type="datetime3">
               <a:rPr lang="en-US" smtClean="0"/>
-              <a:t>16 May 2024</a:t>
+              <a:t>18 May 2024</a:t>
             </a:fld>
             <a:endParaRPr lang="en-US" dirty="0"/>
           </a:p>
@@ -6953,7 +11944,7 @@
           <a:p>
             <a:fld id="{FC968453-BAB5-46CE-A4CF-38551120EE52}" type="datetime3">
               <a:rPr lang="en-US" smtClean="0"/>
-              <a:t>16 May 2024</a:t>
+              <a:t>18 May 2024</a:t>
             </a:fld>
             <a:endParaRPr lang="en-US" dirty="0"/>
           </a:p>
@@ -7248,7 +12239,7 @@
           <a:p>
             <a:fld id="{FC968453-BAB5-46CE-A4CF-38551120EE52}" type="datetime3">
               <a:rPr lang="en-US" smtClean="0"/>
-              <a:t>16 May 2024</a:t>
+              <a:t>18 May 2024</a:t>
             </a:fld>
             <a:endParaRPr lang="en-US" dirty="0"/>
           </a:p>
@@ -7598,7 +12589,7 @@
           <a:p>
             <a:fld id="{FC968453-BAB5-46CE-A4CF-38551120EE52}" type="datetime3">
               <a:rPr lang="en-US" smtClean="0"/>
-              <a:t>16 May 2024</a:t>
+              <a:t>18 May 2024</a:t>
             </a:fld>
             <a:endParaRPr lang="en-US" dirty="0"/>
           </a:p>
@@ -7948,7 +12939,7 @@
           <a:p>
             <a:fld id="{FC968453-BAB5-46CE-A4CF-38551120EE52}" type="datetime3">
               <a:rPr lang="en-US" smtClean="0"/>
-              <a:t>16 May 2024</a:t>
+              <a:t>18 May 2024</a:t>
             </a:fld>
             <a:endParaRPr lang="en-US" dirty="0"/>
           </a:p>
@@ -8309,7 +13300,7 @@
           <a:p>
             <a:fld id="{FC968453-BAB5-46CE-A4CF-38551120EE52}" type="datetime3">
               <a:rPr lang="en-US" smtClean="0"/>
-              <a:t>16 May 2024</a:t>
+              <a:t>18 May 2024</a:t>
             </a:fld>
             <a:endParaRPr lang="en-US" dirty="0"/>
           </a:p>
@@ -8687,7 +13678,7 @@
           <a:p>
             <a:fld id="{FC968453-BAB5-46CE-A4CF-38551120EE52}" type="datetime3">
               <a:rPr lang="en-US" smtClean="0"/>
-              <a:t>16 May 2024</a:t>
+              <a:t>18 May 2024</a:t>
             </a:fld>
             <a:endParaRPr lang="en-US" dirty="0"/>
           </a:p>
@@ -9056,7 +14047,7 @@
           <a:p>
             <a:fld id="{FC968453-BAB5-46CE-A4CF-38551120EE52}" type="datetime3">
               <a:rPr lang="en-US" smtClean="0"/>
-              <a:t>16 May 2024</a:t>
+              <a:t>18 May 2024</a:t>
             </a:fld>
             <a:endParaRPr lang="en-US" dirty="0"/>
           </a:p>
@@ -9351,7 +14342,7 @@
           <a:p>
             <a:fld id="{FC968453-BAB5-46CE-A4CF-38551120EE52}" type="datetime3">
               <a:rPr lang="en-US" smtClean="0"/>
-              <a:t>16 May 2024</a:t>
+              <a:t>18 May 2024</a:t>
             </a:fld>
             <a:endParaRPr lang="en-US" dirty="0"/>
           </a:p>
@@ -9530,7 +14521,7 @@
           <a:p>
             <a:fld id="{FC968453-BAB5-46CE-A4CF-38551120EE52}" type="datetime3">
               <a:rPr lang="en-US" smtClean="0"/>
-              <a:t>16 May 2024</a:t>
+              <a:t>18 May 2024</a:t>
             </a:fld>
             <a:endParaRPr lang="en-US" dirty="0"/>
           </a:p>
@@ -9709,7 +14700,7 @@
           <a:p>
             <a:fld id="{FC968453-BAB5-46CE-A4CF-38551120EE52}" type="datetime3">
               <a:rPr lang="en-US" smtClean="0"/>
-              <a:t>16 May 2024</a:t>
+              <a:t>18 May 2024</a:t>
             </a:fld>
             <a:endParaRPr lang="en-US" dirty="0"/>
           </a:p>
@@ -9897,7 +14888,7 @@
           <a:p>
             <a:fld id="{FC968453-BAB5-46CE-A4CF-38551120EE52}" type="datetime3">
               <a:rPr lang="en-US" smtClean="0"/>
-              <a:t>16 May 2024</a:t>
+              <a:t>18 May 2024</a:t>
             </a:fld>
             <a:endParaRPr lang="en-US" dirty="0"/>
           </a:p>
@@ -10160,7 +15151,7 @@
           <a:p>
             <a:fld id="{FC968453-BAB5-46CE-A4CF-38551120EE52}" type="datetime3">
               <a:rPr lang="en-US" smtClean="0"/>
-              <a:t>16 May 2024</a:t>
+              <a:t>18 May 2024</a:t>
             </a:fld>
             <a:endParaRPr lang="en-US" dirty="0"/>
           </a:p>
@@ -10461,7 +15452,7 @@
           <a:p>
             <a:fld id="{FC968453-BAB5-46CE-A4CF-38551120EE52}" type="datetime3">
               <a:rPr lang="en-US" smtClean="0"/>
-              <a:t>16 May 2024</a:t>
+              <a:t>18 May 2024</a:t>
             </a:fld>
             <a:endParaRPr lang="en-US" dirty="0"/>
           </a:p>
@@ -10799,7 +15790,7 @@
           <a:p>
             <a:fld id="{FC968453-BAB5-46CE-A4CF-38551120EE52}" type="datetime3">
               <a:rPr lang="en-US" smtClean="0"/>
-              <a:t>16 May 2024</a:t>
+              <a:t>18 May 2024</a:t>
             </a:fld>
             <a:endParaRPr lang="en-US" dirty="0"/>
           </a:p>
@@ -11010,7 +16001,7 @@
           <a:p>
             <a:fld id="{FC968453-BAB5-46CE-A4CF-38551120EE52}" type="datetime3">
               <a:rPr lang="en-US" smtClean="0"/>
-              <a:t>16 May 2024</a:t>
+              <a:t>18 May 2024</a:t>
             </a:fld>
             <a:endParaRPr lang="en-US" dirty="0"/>
           </a:p>
@@ -11155,7 +16146,7 @@
           </a:ln>
           <a:extLst>
             <a:ext uri="{C572A759-6A51-4108-AA02-DFA0A04FC94B}">
-              <ma14:wrappingTextBoxFlag xmlns="" xmlns:m="http://schemas.openxmlformats.org/officeDocument/2006/math" xmlns:a14="http://schemas.microsoft.com/office/drawing/2010/main" xmlns:ma14="http://schemas.microsoft.com/office/mac/drawingml/2011/main" val="1"/>
+              <ma14:wrappingTextBoxFlag xmlns:ma14="http://schemas.microsoft.com/office/mac/drawingml/2011/main" xmlns:a14="http://schemas.microsoft.com/office/drawing/2010/main" xmlns:m="http://schemas.openxmlformats.org/officeDocument/2006/math" xmlns="" val="1"/>
             </a:ext>
           </a:extLst>
         </p:spPr>
@@ -11567,7 +16558,7 @@
           </a:ln>
           <a:extLst>
             <a:ext uri="{C572A759-6A51-4108-AA02-DFA0A04FC94B}">
-              <ma14:wrappingTextBoxFlag xmlns="" xmlns:m="http://schemas.openxmlformats.org/officeDocument/2006/math" xmlns:a14="http://schemas.microsoft.com/office/drawing/2010/main" xmlns:ma14="http://schemas.microsoft.com/office/mac/drawingml/2011/main" val="1"/>
+              <ma14:wrappingTextBoxFlag xmlns:ma14="http://schemas.microsoft.com/office/mac/drawingml/2011/main" xmlns:a14="http://schemas.microsoft.com/office/drawing/2010/main" xmlns:m="http://schemas.openxmlformats.org/officeDocument/2006/math" xmlns="" val="1"/>
             </a:ext>
           </a:extLst>
         </p:spPr>
@@ -12014,7 +17005,7 @@
           </a:ln>
           <a:extLst>
             <a:ext uri="{C572A759-6A51-4108-AA02-DFA0A04FC94B}">
-              <ma14:wrappingTextBoxFlag xmlns="" xmlns:m="http://schemas.openxmlformats.org/officeDocument/2006/math" xmlns:a14="http://schemas.microsoft.com/office/drawing/2010/main" xmlns:ma14="http://schemas.microsoft.com/office/mac/drawingml/2011/main" val="1"/>
+              <ma14:wrappingTextBoxFlag xmlns:ma14="http://schemas.microsoft.com/office/mac/drawingml/2011/main" xmlns:a14="http://schemas.microsoft.com/office/drawing/2010/main" xmlns:m="http://schemas.openxmlformats.org/officeDocument/2006/math" xmlns="" val="1"/>
             </a:ext>
           </a:extLst>
         </p:spPr>
@@ -12224,7 +17215,7 @@
           </a:ln>
           <a:extLst>
             <a:ext uri="{C572A759-6A51-4108-AA02-DFA0A04FC94B}">
-              <ma14:wrappingTextBoxFlag xmlns="" xmlns:m="http://schemas.openxmlformats.org/officeDocument/2006/math" xmlns:a14="http://schemas.microsoft.com/office/drawing/2010/main" xmlns:ma14="http://schemas.microsoft.com/office/mac/drawingml/2011/main" val="1"/>
+              <ma14:wrappingTextBoxFlag xmlns:ma14="http://schemas.microsoft.com/office/mac/drawingml/2011/main" xmlns:a14="http://schemas.microsoft.com/office/drawing/2010/main" xmlns:m="http://schemas.openxmlformats.org/officeDocument/2006/math" xmlns="" val="1"/>
             </a:ext>
           </a:extLst>
         </p:spPr>
@@ -12787,7 +17778,7 @@
           <a:p>
             <a:fld id="{FC968453-BAB5-46CE-A4CF-38551120EE52}" type="datetime3">
               <a:rPr lang="en-US" smtClean="0"/>
-              <a:t>16 May 2024</a:t>
+              <a:t>18 May 2024</a:t>
             </a:fld>
             <a:endParaRPr lang="en-US" dirty="0"/>
           </a:p>
@@ -13519,7 +18510,7 @@
           <a:p>
             <a:fld id="{FC968453-BAB5-46CE-A4CF-38551120EE52}" type="datetime3">
               <a:rPr lang="en-US" smtClean="0"/>
-              <a:t>16 May 2024</a:t>
+              <a:t>18 May 2024</a:t>
             </a:fld>
             <a:endParaRPr lang="en-US" dirty="0"/>
           </a:p>
@@ -13804,7 +18795,7 @@
           <a:p>
             <a:fld id="{FC968453-BAB5-46CE-A4CF-38551120EE52}" type="datetime3">
               <a:rPr lang="en-US" smtClean="0"/>
-              <a:t>16 May 2024</a:t>
+              <a:t>18 May 2024</a:t>
             </a:fld>
             <a:endParaRPr lang="en-US" dirty="0"/>
           </a:p>
@@ -14073,7 +19064,7 @@
           <a:p>
             <a:fld id="{FC968453-BAB5-46CE-A4CF-38551120EE52}" type="datetime3">
               <a:rPr lang="en-US" smtClean="0"/>
-              <a:t>16 May 2024</a:t>
+              <a:t>18 May 2024</a:t>
             </a:fld>
             <a:endParaRPr lang="en-US" dirty="0"/>
           </a:p>
@@ -14340,7 +19331,7 @@
           <a:p>
             <a:fld id="{FC968453-BAB5-46CE-A4CF-38551120EE52}" type="datetime3">
               <a:rPr lang="en-US" smtClean="0"/>
-              <a:t>16 May 2024</a:t>
+              <a:t>18 May 2024</a:t>
             </a:fld>
             <a:endParaRPr lang="en-US" dirty="0"/>
           </a:p>
@@ -14620,7 +19611,7 @@
           <a:p>
             <a:fld id="{FC968453-BAB5-46CE-A4CF-38551120EE52}" type="datetime3">
               <a:rPr lang="en-US" smtClean="0"/>
-              <a:t>16 May 2024</a:t>
+              <a:t>18 May 2024</a:t>
             </a:fld>
             <a:endParaRPr lang="en-US" dirty="0"/>
           </a:p>
@@ -14900,7 +19891,7 @@
           <a:p>
             <a:fld id="{FC968453-BAB5-46CE-A4CF-38551120EE52}" type="datetime3">
               <a:rPr lang="en-US" smtClean="0"/>
-              <a:t>16 May 2024</a:t>
+              <a:t>18 May 2024</a:t>
             </a:fld>
             <a:endParaRPr lang="en-US" dirty="0"/>
           </a:p>
@@ -15851,7 +20842,7 @@
           <a:p>
             <a:fld id="{CBC48EC7-AF6A-48D3-8284-14BACBEBDD84}" type="datetimeFigureOut">
               <a:rPr lang="en-US" dirty="0"/>
-              <a:t>5/16/2024</a:t>
+              <a:t>5/18/24</a:t>
             </a:fld>
             <a:endParaRPr lang="en-US" dirty="0"/>
           </a:p>
@@ -17407,7 +22398,7 @@
                   <a:spcPts val="600"/>
                 </a:spcAft>
               </a:pPr>
-              <a:t>16 May 2024</a:t>
+              <a:t>18 May 2024</a:t>
             </a:fld>
             <a:endParaRPr lang="en-US"/>
           </a:p>
@@ -17561,6 +22552,740 @@
   <p:transition spd="slow" advTm="10614">
     <p:push/>
   </p:transition>
+</p:sld>
+</file>
+
+<file path=ppt/slides/slide10.xml><?xml version="1.0" encoding="utf-8"?>
+<p:sld xmlns:a="http://schemas.openxmlformats.org/drawingml/2006/main" xmlns:r="http://schemas.openxmlformats.org/officeDocument/2006/relationships" xmlns:p="http://schemas.openxmlformats.org/presentationml/2006/main">
+  <p:cSld>
+    <p:spTree>
+      <p:nvGrpSpPr>
+        <p:cNvPr id="1" name=""/>
+        <p:cNvGrpSpPr/>
+        <p:nvPr/>
+      </p:nvGrpSpPr>
+      <p:grpSpPr>
+        <a:xfrm>
+          <a:off x="0" y="0"/>
+          <a:ext cx="0" cy="0"/>
+          <a:chOff x="0" y="0"/>
+          <a:chExt cx="0" cy="0"/>
+        </a:xfrm>
+      </p:grpSpPr>
+      <p:sp>
+        <p:nvSpPr>
+          <p:cNvPr id="13" name="Rectangle 12">
+            <a:extLst>
+              <a:ext uri="{FF2B5EF4-FFF2-40B4-BE49-F238E27FC236}">
+                <a16:creationId xmlns:a16="http://schemas.microsoft.com/office/drawing/2014/main" id="{D9337E7E-3E38-8280-CB59-E6C669CA8AA3}"/>
+              </a:ext>
+            </a:extLst>
+          </p:cNvPr>
+          <p:cNvSpPr/>
+          <p:nvPr/>
+        </p:nvSpPr>
+        <p:spPr>
+          <a:xfrm>
+            <a:off x="1" y="-1"/>
+            <a:ext cx="12191999" cy="1095153"/>
+          </a:xfrm>
+          <a:prstGeom prst="rect">
+            <a:avLst/>
+          </a:prstGeom>
+          <a:solidFill>
+            <a:srgbClr val="002060"/>
+          </a:solidFill>
+          <a:ln>
+            <a:noFill/>
+          </a:ln>
+          <a:scene3d>
+            <a:camera prst="orthographicFront"/>
+            <a:lightRig rig="threePt" dir="t"/>
+          </a:scene3d>
+          <a:sp3d>
+            <a:bevelT w="152400" h="50800" prst="softRound"/>
+          </a:sp3d>
+        </p:spPr>
+        <p:txBody>
+          <a:bodyPr rtlCol="0" anchor="ctr"/>
+          <a:lstStyle/>
+          <a:p>
+            <a:pPr algn="ctr"/>
+            <a:endParaRPr lang="en-ZA" sz="1500" noProof="0" dirty="0" err="1">
+              <a:solidFill>
+                <a:schemeClr val="bg1"/>
+              </a:solidFill>
+            </a:endParaRPr>
+          </a:p>
+        </p:txBody>
+      </p:sp>
+      <p:sp>
+        <p:nvSpPr>
+          <p:cNvPr id="14" name="Title 1">
+            <a:extLst>
+              <a:ext uri="{FF2B5EF4-FFF2-40B4-BE49-F238E27FC236}">
+                <a16:creationId xmlns:a16="http://schemas.microsoft.com/office/drawing/2014/main" id="{39278C50-7E4E-F71D-2F80-75A4E189CA83}"/>
+              </a:ext>
+            </a:extLst>
+          </p:cNvPr>
+          <p:cNvSpPr>
+            <a:spLocks noGrp="1"/>
+          </p:cNvSpPr>
+          <p:nvPr>
+            <p:ph type="title"/>
+          </p:nvPr>
+        </p:nvSpPr>
+        <p:spPr>
+          <a:xfrm>
+            <a:off x="619760" y="235283"/>
+            <a:ext cx="11109324" cy="392400"/>
+          </a:xfrm>
+        </p:spPr>
+        <p:txBody>
+          <a:bodyPr>
+            <a:noAutofit/>
+          </a:bodyPr>
+          <a:lstStyle/>
+          <a:p>
+            <a:r>
+              <a:rPr lang="en-GB" sz="3200" dirty="0">
+                <a:solidFill>
+                  <a:schemeClr val="bg1"/>
+                </a:solidFill>
+                <a:latin typeface="Arial" panose="020B0604020202020204" pitchFamily="34" charset="0"/>
+                <a:cs typeface="Arial" panose="020B0604020202020204" pitchFamily="34" charset="0"/>
+              </a:rPr>
+              <a:t>5.Conclusion   </a:t>
+            </a:r>
+          </a:p>
+        </p:txBody>
+      </p:sp>
+    </p:spTree>
+    <p:extLst>
+      <p:ext uri="{BB962C8B-B14F-4D97-AF65-F5344CB8AC3E}">
+        <p14:creationId xmlns:p14="http://schemas.microsoft.com/office/powerpoint/2010/main" val="370431153"/>
+      </p:ext>
+    </p:extLst>
+  </p:cSld>
+  <p:clrMapOvr>
+    <a:masterClrMapping/>
+  </p:clrMapOvr>
+  <p:transition spd="slow" advTm="47992">
+    <p:push/>
+  </p:transition>
+</p:sld>
+</file>
+
+<file path=ppt/slides/slide11.xml><?xml version="1.0" encoding="utf-8"?>
+<p:sld xmlns:a="http://schemas.openxmlformats.org/drawingml/2006/main" xmlns:r="http://schemas.openxmlformats.org/officeDocument/2006/relationships" xmlns:p="http://schemas.openxmlformats.org/presentationml/2006/main">
+  <p:cSld>
+    <p:bg>
+      <p:bgPr>
+        <a:gradFill rotWithShape="1">
+          <a:gsLst>
+            <a:gs pos="0">
+              <a:schemeClr val="bg2">
+                <a:tint val="90000"/>
+                <a:shade val="92000"/>
+                <a:satMod val="160000"/>
+              </a:schemeClr>
+            </a:gs>
+            <a:gs pos="77000">
+              <a:schemeClr val="bg2">
+                <a:tint val="100000"/>
+                <a:shade val="73000"/>
+                <a:satMod val="155000"/>
+              </a:schemeClr>
+            </a:gs>
+            <a:gs pos="100000">
+              <a:schemeClr val="bg2">
+                <a:tint val="100000"/>
+                <a:shade val="67000"/>
+                <a:satMod val="145000"/>
+              </a:schemeClr>
+            </a:gs>
+          </a:gsLst>
+          <a:lin ang="5400000" scaled="0"/>
+        </a:gradFill>
+        <a:effectLst/>
+      </p:bgPr>
+    </p:bg>
+    <p:spTree>
+      <p:nvGrpSpPr>
+        <p:cNvPr id="1" name=""/>
+        <p:cNvGrpSpPr/>
+        <p:nvPr/>
+      </p:nvGrpSpPr>
+      <p:grpSpPr>
+        <a:xfrm>
+          <a:off x="0" y="0"/>
+          <a:ext cx="0" cy="0"/>
+          <a:chOff x="0" y="0"/>
+          <a:chExt cx="0" cy="0"/>
+        </a:xfrm>
+      </p:grpSpPr>
+      <p:sp>
+        <p:nvSpPr>
+          <p:cNvPr id="25" name="Rectangle 8">
+            <a:extLst>
+              <a:ext uri="{FF2B5EF4-FFF2-40B4-BE49-F238E27FC236}">
+                <a16:creationId xmlns:a16="http://schemas.microsoft.com/office/drawing/2014/main" id="{A0D70C8A-A50E-4B41-86A2-E2F85581247D}"/>
+              </a:ext>
+              <a:ext uri="{C183D7F6-B498-43B3-948B-1728B52AA6E4}">
+                <adec:decorative xmlns:adec="http://schemas.microsoft.com/office/drawing/2017/decorative" val="1"/>
+              </a:ext>
+            </a:extLst>
+          </p:cNvPr>
+          <p:cNvSpPr>
+            <a:spLocks noGrp="1" noRot="1" noChangeAspect="1" noMove="1" noResize="1" noEditPoints="1" noAdjustHandles="1" noChangeArrowheads="1" noChangeShapeType="1" noTextEdit="1"/>
+          </p:cNvSpPr>
+          <p:nvPr>
+            <p:extLst>
+              <p:ext uri="{386F3935-93C4-4BCD-93E2-E3B085C9AB24}">
+                <p16:designElem xmlns:p16="http://schemas.microsoft.com/office/powerpoint/2015/main" val="1"/>
+              </p:ext>
+            </p:extLst>
+          </p:nvPr>
+        </p:nvSpPr>
+        <p:spPr>
+          <a:xfrm>
+            <a:off x="234696" y="237744"/>
+            <a:ext cx="11722608" cy="6382512"/>
+          </a:xfrm>
+          <a:prstGeom prst="rect">
+            <a:avLst/>
+          </a:prstGeom>
+          <a:solidFill>
+            <a:schemeClr val="bg2"/>
+          </a:solidFill>
+          <a:ln w="6350" cap="flat" cmpd="sng" algn="ctr">
+            <a:noFill/>
+            <a:prstDash val="solid"/>
+          </a:ln>
+          <a:effectLst>
+            <a:softEdge rad="0"/>
+          </a:effectLst>
+        </p:spPr>
+        <p:txBody>
+          <a:bodyPr/>
+          <a:lstStyle/>
+          <a:p>
+            <a:endParaRPr lang="en-GB"/>
+          </a:p>
+        </p:txBody>
+      </p:sp>
+      <p:sp>
+        <p:nvSpPr>
+          <p:cNvPr id="26" name="Rectangle 10">
+            <a:extLst>
+              <a:ext uri="{FF2B5EF4-FFF2-40B4-BE49-F238E27FC236}">
+                <a16:creationId xmlns:a16="http://schemas.microsoft.com/office/drawing/2014/main" id="{3E25BDA2-3F4D-4B38-90E7-989465ECDDCF}"/>
+              </a:ext>
+              <a:ext uri="{C183D7F6-B498-43B3-948B-1728B52AA6E4}">
+                <adec:decorative xmlns:adec="http://schemas.microsoft.com/office/drawing/2017/decorative" val="1"/>
+              </a:ext>
+            </a:extLst>
+          </p:cNvPr>
+          <p:cNvSpPr>
+            <a:spLocks noGrp="1" noRot="1" noChangeAspect="1" noMove="1" noResize="1" noEditPoints="1" noAdjustHandles="1" noChangeArrowheads="1" noChangeShapeType="1" noTextEdit="1"/>
+          </p:cNvSpPr>
+          <p:nvPr>
+            <p:extLst>
+              <p:ext uri="{386F3935-93C4-4BCD-93E2-E3B085C9AB24}">
+                <p16:designElem xmlns:p16="http://schemas.microsoft.com/office/powerpoint/2015/main" val="1"/>
+              </p:ext>
+            </p:extLst>
+          </p:nvPr>
+        </p:nvSpPr>
+        <p:spPr>
+          <a:xfrm>
+            <a:off x="0" y="0"/>
+            <a:ext cx="12192001" cy="6858000"/>
+          </a:xfrm>
+          <a:prstGeom prst="rect">
+            <a:avLst/>
+          </a:prstGeom>
+          <a:gradFill>
+            <a:gsLst>
+              <a:gs pos="0">
+                <a:schemeClr val="bg2">
+                  <a:tint val="90000"/>
+                  <a:shade val="92000"/>
+                  <a:satMod val="160000"/>
+                </a:schemeClr>
+              </a:gs>
+              <a:gs pos="77000">
+                <a:schemeClr val="bg2">
+                  <a:tint val="100000"/>
+                  <a:shade val="73000"/>
+                  <a:satMod val="155000"/>
+                </a:schemeClr>
+              </a:gs>
+              <a:gs pos="100000">
+                <a:schemeClr val="bg2">
+                  <a:tint val="100000"/>
+                  <a:shade val="67000"/>
+                  <a:satMod val="145000"/>
+                </a:schemeClr>
+              </a:gs>
+            </a:gsLst>
+            <a:lin ang="5400000" scaled="0"/>
+          </a:gradFill>
+          <a:ln>
+            <a:noFill/>
+          </a:ln>
+        </p:spPr>
+        <p:style>
+          <a:lnRef idx="2">
+            <a:schemeClr val="accent1">
+              <a:shade val="50000"/>
+            </a:schemeClr>
+          </a:lnRef>
+          <a:fillRef idx="1">
+            <a:schemeClr val="accent1"/>
+          </a:fillRef>
+          <a:effectRef idx="0">
+            <a:schemeClr val="accent1"/>
+          </a:effectRef>
+          <a:fontRef idx="minor">
+            <a:schemeClr val="lt1"/>
+          </a:fontRef>
+        </p:style>
+        <p:txBody>
+          <a:bodyPr rot="0" spcFirstLastPara="0" vert="horz" wrap="square" lIns="91440" tIns="45720" rIns="91440" bIns="45720" numCol="1" spcCol="0" rtlCol="0" fromWordArt="0" anchor="ctr" anchorCtr="0" forceAA="0" compatLnSpc="1">
+            <a:prstTxWarp prst="textNoShape">
+              <a:avLst/>
+            </a:prstTxWarp>
+            <a:noAutofit/>
+          </a:bodyPr>
+          <a:lstStyle>
+            <a:defPPr>
+              <a:defRPr lang="en-US"/>
+            </a:defPPr>
+            <a:lvl1pPr marL="0" algn="l" defTabSz="914400" rtl="0" eaLnBrk="1" latinLnBrk="0" hangingPunct="1">
+              <a:defRPr sz="1800" kern="1200">
+                <a:solidFill>
+                  <a:schemeClr val="lt1"/>
+                </a:solidFill>
+                <a:latin typeface="+mn-lt"/>
+                <a:ea typeface="+mn-ea"/>
+                <a:cs typeface="+mn-cs"/>
+              </a:defRPr>
+            </a:lvl1pPr>
+            <a:lvl2pPr marL="457200" algn="l" defTabSz="914400" rtl="0" eaLnBrk="1" latinLnBrk="0" hangingPunct="1">
+              <a:defRPr sz="1800" kern="1200">
+                <a:solidFill>
+                  <a:schemeClr val="lt1"/>
+                </a:solidFill>
+                <a:latin typeface="+mn-lt"/>
+                <a:ea typeface="+mn-ea"/>
+                <a:cs typeface="+mn-cs"/>
+              </a:defRPr>
+            </a:lvl2pPr>
+            <a:lvl3pPr marL="914400" algn="l" defTabSz="914400" rtl="0" eaLnBrk="1" latinLnBrk="0" hangingPunct="1">
+              <a:defRPr sz="1800" kern="1200">
+                <a:solidFill>
+                  <a:schemeClr val="lt1"/>
+                </a:solidFill>
+                <a:latin typeface="+mn-lt"/>
+                <a:ea typeface="+mn-ea"/>
+                <a:cs typeface="+mn-cs"/>
+              </a:defRPr>
+            </a:lvl3pPr>
+            <a:lvl4pPr marL="1371600" algn="l" defTabSz="914400" rtl="0" eaLnBrk="1" latinLnBrk="0" hangingPunct="1">
+              <a:defRPr sz="1800" kern="1200">
+                <a:solidFill>
+                  <a:schemeClr val="lt1"/>
+                </a:solidFill>
+                <a:latin typeface="+mn-lt"/>
+                <a:ea typeface="+mn-ea"/>
+                <a:cs typeface="+mn-cs"/>
+              </a:defRPr>
+            </a:lvl4pPr>
+            <a:lvl5pPr marL="1828800" algn="l" defTabSz="914400" rtl="0" eaLnBrk="1" latinLnBrk="0" hangingPunct="1">
+              <a:defRPr sz="1800" kern="1200">
+                <a:solidFill>
+                  <a:schemeClr val="lt1"/>
+                </a:solidFill>
+                <a:latin typeface="+mn-lt"/>
+                <a:ea typeface="+mn-ea"/>
+                <a:cs typeface="+mn-cs"/>
+              </a:defRPr>
+            </a:lvl5pPr>
+            <a:lvl6pPr marL="2286000" algn="l" defTabSz="914400" rtl="0" eaLnBrk="1" latinLnBrk="0" hangingPunct="1">
+              <a:defRPr sz="1800" kern="1200">
+                <a:solidFill>
+                  <a:schemeClr val="lt1"/>
+                </a:solidFill>
+                <a:latin typeface="+mn-lt"/>
+                <a:ea typeface="+mn-ea"/>
+                <a:cs typeface="+mn-cs"/>
+              </a:defRPr>
+            </a:lvl6pPr>
+            <a:lvl7pPr marL="2743200" algn="l" defTabSz="914400" rtl="0" eaLnBrk="1" latinLnBrk="0" hangingPunct="1">
+              <a:defRPr sz="1800" kern="1200">
+                <a:solidFill>
+                  <a:schemeClr val="lt1"/>
+                </a:solidFill>
+                <a:latin typeface="+mn-lt"/>
+                <a:ea typeface="+mn-ea"/>
+                <a:cs typeface="+mn-cs"/>
+              </a:defRPr>
+            </a:lvl7pPr>
+            <a:lvl8pPr marL="3200400" algn="l" defTabSz="914400" rtl="0" eaLnBrk="1" latinLnBrk="0" hangingPunct="1">
+              <a:defRPr sz="1800" kern="1200">
+                <a:solidFill>
+                  <a:schemeClr val="lt1"/>
+                </a:solidFill>
+                <a:latin typeface="+mn-lt"/>
+                <a:ea typeface="+mn-ea"/>
+                <a:cs typeface="+mn-cs"/>
+              </a:defRPr>
+            </a:lvl8pPr>
+            <a:lvl9pPr marL="3657600" algn="l" defTabSz="914400" rtl="0" eaLnBrk="1" latinLnBrk="0" hangingPunct="1">
+              <a:defRPr sz="1800" kern="1200">
+                <a:solidFill>
+                  <a:schemeClr val="lt1"/>
+                </a:solidFill>
+                <a:latin typeface="+mn-lt"/>
+                <a:ea typeface="+mn-ea"/>
+                <a:cs typeface="+mn-cs"/>
+              </a:defRPr>
+            </a:lvl9pPr>
+          </a:lstStyle>
+          <a:p>
+            <a:pPr algn="ctr"/>
+            <a:endParaRPr lang="en-US"/>
+          </a:p>
+        </p:txBody>
+      </p:sp>
+      <p:sp>
+        <p:nvSpPr>
+          <p:cNvPr id="27" name="Rectangle 12">
+            <a:extLst>
+              <a:ext uri="{FF2B5EF4-FFF2-40B4-BE49-F238E27FC236}">
+                <a16:creationId xmlns:a16="http://schemas.microsoft.com/office/drawing/2014/main" id="{F65EEA05-AD42-442F-B6C6-CB9FC289426E}"/>
+              </a:ext>
+              <a:ext uri="{C183D7F6-B498-43B3-948B-1728B52AA6E4}">
+                <adec:decorative xmlns:adec="http://schemas.microsoft.com/office/drawing/2017/decorative" val="1"/>
+              </a:ext>
+            </a:extLst>
+          </p:cNvPr>
+          <p:cNvSpPr>
+            <a:spLocks noGrp="1" noRot="1" noChangeAspect="1" noMove="1" noResize="1" noEditPoints="1" noAdjustHandles="1" noChangeArrowheads="1" noChangeShapeType="1" noTextEdit="1"/>
+          </p:cNvSpPr>
+          <p:nvPr>
+            <p:extLst>
+              <p:ext uri="{386F3935-93C4-4BCD-93E2-E3B085C9AB24}">
+                <p16:designElem xmlns:p16="http://schemas.microsoft.com/office/powerpoint/2015/main" val="1"/>
+              </p:ext>
+            </p:extLst>
+          </p:nvPr>
+        </p:nvSpPr>
+        <p:spPr>
+          <a:xfrm>
+            <a:off x="0" y="0"/>
+            <a:ext cx="12192000" cy="6858000"/>
+          </a:xfrm>
+          <a:prstGeom prst="rect">
+            <a:avLst/>
+          </a:prstGeom>
+          <a:blipFill dpi="0" rotWithShape="1">
+            <a:blip r:embed="rId2">
+              <a:alphaModFix amt="45000"/>
+              <a:duotone>
+                <a:schemeClr val="accent1">
+                  <a:shade val="45000"/>
+                  <a:satMod val="135000"/>
+                </a:schemeClr>
+                <a:prstClr val="white"/>
+              </a:duotone>
+            </a:blip>
+            <a:srcRect/>
+            <a:tile tx="-44450" ty="38100" sx="85000" sy="85000" flip="none" algn="tl"/>
+          </a:blipFill>
+          <a:ln>
+            <a:noFill/>
+          </a:ln>
+        </p:spPr>
+        <p:style>
+          <a:lnRef idx="2">
+            <a:schemeClr val="accent1">
+              <a:shade val="50000"/>
+            </a:schemeClr>
+          </a:lnRef>
+          <a:fillRef idx="1">
+            <a:schemeClr val="accent1"/>
+          </a:fillRef>
+          <a:effectRef idx="0">
+            <a:schemeClr val="accent1"/>
+          </a:effectRef>
+          <a:fontRef idx="minor">
+            <a:schemeClr val="lt1"/>
+          </a:fontRef>
+        </p:style>
+        <p:txBody>
+          <a:bodyPr/>
+          <a:lstStyle/>
+          <a:p>
+            <a:endParaRPr lang="en-GB"/>
+          </a:p>
+        </p:txBody>
+      </p:sp>
+      <p:sp>
+        <p:nvSpPr>
+          <p:cNvPr id="28" name="Rectangle 14">
+            <a:extLst>
+              <a:ext uri="{FF2B5EF4-FFF2-40B4-BE49-F238E27FC236}">
+                <a16:creationId xmlns:a16="http://schemas.microsoft.com/office/drawing/2014/main" id="{BC96869A-A70D-42F7-876F-605CB1718F20}"/>
+              </a:ext>
+              <a:ext uri="{C183D7F6-B498-43B3-948B-1728B52AA6E4}">
+                <adec:decorative xmlns:adec="http://schemas.microsoft.com/office/drawing/2017/decorative" val="1"/>
+              </a:ext>
+            </a:extLst>
+          </p:cNvPr>
+          <p:cNvSpPr>
+            <a:spLocks noGrp="1" noRot="1" noChangeAspect="1" noMove="1" noResize="1" noEditPoints="1" noAdjustHandles="1" noChangeArrowheads="1" noChangeShapeType="1" noTextEdit="1"/>
+          </p:cNvSpPr>
+          <p:nvPr>
+            <p:extLst>
+              <p:ext uri="{386F3935-93C4-4BCD-93E2-E3B085C9AB24}">
+                <p16:designElem xmlns:p16="http://schemas.microsoft.com/office/powerpoint/2015/main" val="1"/>
+              </p:ext>
+            </p:extLst>
+          </p:nvPr>
+        </p:nvSpPr>
+        <p:spPr>
+          <a:xfrm>
+            <a:off x="632108" y="610955"/>
+            <a:ext cx="10927784" cy="5636090"/>
+          </a:xfrm>
+          <a:prstGeom prst="rect">
+            <a:avLst/>
+          </a:prstGeom>
+          <a:solidFill>
+            <a:schemeClr val="bg1"/>
+          </a:solidFill>
+          <a:ln w="6350" cap="flat" cmpd="sng" algn="ctr">
+            <a:noFill/>
+            <a:prstDash val="solid"/>
+          </a:ln>
+          <a:effectLst>
+            <a:outerShdw blurRad="50800" algn="ctr" rotWithShape="0">
+              <a:prstClr val="black">
+                <a:alpha val="66000"/>
+              </a:prstClr>
+            </a:outerShdw>
+            <a:softEdge rad="0"/>
+          </a:effectLst>
+        </p:spPr>
+        <p:txBody>
+          <a:bodyPr/>
+          <a:lstStyle/>
+          <a:p>
+            <a:endParaRPr lang="en-GB"/>
+          </a:p>
+        </p:txBody>
+      </p:sp>
+      <p:sp>
+        <p:nvSpPr>
+          <p:cNvPr id="29" name="Rectangle 16">
+            <a:extLst>
+              <a:ext uri="{FF2B5EF4-FFF2-40B4-BE49-F238E27FC236}">
+                <a16:creationId xmlns:a16="http://schemas.microsoft.com/office/drawing/2014/main" id="{6CD407CC-EF5C-486F-9A14-7F681F986D17}"/>
+              </a:ext>
+              <a:ext uri="{C183D7F6-B498-43B3-948B-1728B52AA6E4}">
+                <adec:decorative xmlns:adec="http://schemas.microsoft.com/office/drawing/2017/decorative" val="1"/>
+              </a:ext>
+            </a:extLst>
+          </p:cNvPr>
+          <p:cNvSpPr>
+            <a:spLocks noGrp="1" noRot="1" noChangeAspect="1" noMove="1" noResize="1" noEditPoints="1" noAdjustHandles="1" noChangeArrowheads="1" noChangeShapeType="1" noTextEdit="1"/>
+          </p:cNvSpPr>
+          <p:nvPr>
+            <p:extLst>
+              <p:ext uri="{386F3935-93C4-4BCD-93E2-E3B085C9AB24}">
+                <p16:designElem xmlns:p16="http://schemas.microsoft.com/office/powerpoint/2015/main" val="1"/>
+              </p:ext>
+            </p:extLst>
+          </p:nvPr>
+        </p:nvSpPr>
+        <p:spPr>
+          <a:xfrm>
+            <a:off x="797052" y="777240"/>
+            <a:ext cx="10597896" cy="5303520"/>
+          </a:xfrm>
+          <a:prstGeom prst="rect">
+            <a:avLst/>
+          </a:prstGeom>
+          <a:solidFill>
+            <a:schemeClr val="bg1"/>
+          </a:solidFill>
+          <a:ln w="6350" cap="sq" cmpd="sng" algn="ctr">
+            <a:solidFill>
+              <a:schemeClr val="tx1">
+                <a:lumMod val="75000"/>
+                <a:lumOff val="25000"/>
+              </a:schemeClr>
+            </a:solidFill>
+            <a:prstDash val="solid"/>
+            <a:miter lim="800000"/>
+          </a:ln>
+          <a:effectLst/>
+        </p:spPr>
+        <p:txBody>
+          <a:bodyPr/>
+          <a:lstStyle/>
+          <a:p>
+            <a:endParaRPr lang="en-GB"/>
+          </a:p>
+        </p:txBody>
+      </p:sp>
+      <p:sp>
+        <p:nvSpPr>
+          <p:cNvPr id="2" name="Title 1">
+            <a:extLst>
+              <a:ext uri="{FF2B5EF4-FFF2-40B4-BE49-F238E27FC236}">
+                <a16:creationId xmlns:a16="http://schemas.microsoft.com/office/drawing/2014/main" id="{E6FAA6CC-156F-1D3A-43E5-EF73888D4E79}"/>
+              </a:ext>
+            </a:extLst>
+          </p:cNvPr>
+          <p:cNvSpPr>
+            <a:spLocks noGrp="1"/>
+          </p:cNvSpPr>
+          <p:nvPr>
+            <p:ph type="title"/>
+          </p:nvPr>
+        </p:nvSpPr>
+        <p:spPr>
+          <a:xfrm>
+            <a:off x="7532835" y="1420706"/>
+            <a:ext cx="3466540" cy="4016587"/>
+          </a:xfrm>
+        </p:spPr>
+        <p:txBody>
+          <a:bodyPr vert="horz" lIns="91440" tIns="45720" rIns="91440" bIns="45720" rtlCol="0" anchor="ctr">
+            <a:normAutofit/>
+          </a:bodyPr>
+          <a:lstStyle/>
+          <a:p>
+            <a:r>
+              <a:rPr lang="en-US" sz="3600" dirty="0">
+                <a:solidFill>
+                  <a:srgbClr val="002060"/>
+                </a:solidFill>
+              </a:rPr>
+              <a:t>Thank You </a:t>
+            </a:r>
+          </a:p>
+        </p:txBody>
+      </p:sp>
+      <p:cxnSp>
+        <p:nvCxnSpPr>
+          <p:cNvPr id="30" name="Straight Connector 18">
+            <a:extLst>
+              <a:ext uri="{FF2B5EF4-FFF2-40B4-BE49-F238E27FC236}">
+                <a16:creationId xmlns:a16="http://schemas.microsoft.com/office/drawing/2014/main" id="{0DD76B5F-5BAA-48C6-9065-9AEF15D30B4E}"/>
+              </a:ext>
+              <a:ext uri="{C183D7F6-B498-43B3-948B-1728B52AA6E4}">
+                <adec:decorative xmlns:adec="http://schemas.microsoft.com/office/drawing/2017/decorative" val="1"/>
+              </a:ext>
+            </a:extLst>
+          </p:cNvPr>
+          <p:cNvCxnSpPr>
+            <a:cxnSpLocks noGrp="1" noRot="1" noChangeAspect="1" noMove="1" noResize="1" noEditPoints="1" noAdjustHandles="1" noChangeArrowheads="1" noChangeShapeType="1"/>
+          </p:cNvCxnSpPr>
+          <p:nvPr>
+            <p:extLst>
+              <p:ext uri="{386F3935-93C4-4BCD-93E2-E3B085C9AB24}">
+                <p16:designElem xmlns:p16="http://schemas.microsoft.com/office/powerpoint/2015/main" val="1"/>
+              </p:ext>
+            </p:extLst>
+          </p:nvPr>
+        </p:nvCxnSpPr>
+        <p:spPr>
+          <a:xfrm>
+            <a:off x="7205731" y="2057401"/>
+            <a:ext cx="0" cy="2743200"/>
+          </a:xfrm>
+          <a:prstGeom prst="line">
+            <a:avLst/>
+          </a:prstGeom>
+          <a:ln w="15875">
+            <a:solidFill>
+              <a:schemeClr val="tx1">
+                <a:lumMod val="75000"/>
+                <a:lumOff val="25000"/>
+              </a:schemeClr>
+            </a:solidFill>
+          </a:ln>
+        </p:spPr>
+        <p:style>
+          <a:lnRef idx="1">
+            <a:schemeClr val="accent1"/>
+          </a:lnRef>
+          <a:fillRef idx="0">
+            <a:schemeClr val="accent1"/>
+          </a:fillRef>
+          <a:effectRef idx="0">
+            <a:schemeClr val="accent1"/>
+          </a:effectRef>
+          <a:fontRef idx="minor">
+            <a:schemeClr val="tx1"/>
+          </a:fontRef>
+        </p:style>
+      </p:cxnSp>
+      <p:pic>
+        <p:nvPicPr>
+          <p:cNvPr id="12" name="Content Placeholder 11" descr="Smiling Face with No Fill">
+            <a:extLst>
+              <a:ext uri="{FF2B5EF4-FFF2-40B4-BE49-F238E27FC236}">
+                <a16:creationId xmlns:a16="http://schemas.microsoft.com/office/drawing/2014/main" id="{8EDA7579-7AAB-BD74-F253-98D971125DD2}"/>
+              </a:ext>
+            </a:extLst>
+          </p:cNvPr>
+          <p:cNvPicPr>
+            <a:picLocks noGrp="1" noChangeAspect="1"/>
+          </p:cNvPicPr>
+          <p:nvPr>
+            <p:ph idx="1"/>
+          </p:nvPr>
+        </p:nvPicPr>
+        <p:blipFill>
+          <a:blip r:embed="rId3">
+            <a:extLst>
+              <a:ext uri="{28A0092B-C50C-407E-A947-70E740481C1C}">
+                <a14:useLocalDpi xmlns:a14="http://schemas.microsoft.com/office/drawing/2010/main" val="0"/>
+              </a:ext>
+              <a:ext uri="{96DAC541-7B7A-43D3-8B79-37D633B846F1}">
+                <asvg:svgBlip xmlns:asvg="http://schemas.microsoft.com/office/drawing/2016/SVG/main" r:embed="rId4"/>
+              </a:ext>
+            </a:extLst>
+          </a:blip>
+          <a:stretch>
+            <a:fillRect/>
+          </a:stretch>
+        </p:blipFill>
+        <p:spPr>
+          <a:xfrm>
+            <a:off x="1913212" y="1307805"/>
+            <a:ext cx="4285566" cy="4129488"/>
+          </a:xfrm>
+          <a:prstGeom prst="rect">
+            <a:avLst/>
+          </a:prstGeom>
+        </p:spPr>
+      </p:pic>
+    </p:spTree>
+    <p:extLst>
+      <p:ext uri="{BB962C8B-B14F-4D97-AF65-F5344CB8AC3E}">
+        <p14:creationId xmlns:p14="http://schemas.microsoft.com/office/powerpoint/2010/main" val="614511124"/>
+      </p:ext>
+    </p:extLst>
+  </p:cSld>
+  <p:clrMapOvr>
+    <a:masterClrMapping/>
+  </p:clrMapOvr>
 </p:sld>
 </file>
 
@@ -20014,10 +25739,10 @@
       </p:grpSpPr>
       <p:sp>
         <p:nvSpPr>
-          <p:cNvPr id="13" name="Rectangle 12">
+          <p:cNvPr id="6" name="Rectangle 5">
             <a:extLst>
               <a:ext uri="{FF2B5EF4-FFF2-40B4-BE49-F238E27FC236}">
-                <a16:creationId xmlns:a16="http://schemas.microsoft.com/office/drawing/2014/main" id="{D9337E7E-3E38-8280-CB59-E6C669CA8AA3}"/>
+                <a16:creationId xmlns:a16="http://schemas.microsoft.com/office/drawing/2014/main" id="{5807FC0B-AA05-F5A0-4F61-9891A79140F3}"/>
               </a:ext>
             </a:extLst>
           </p:cNvPr>
@@ -20026,8 +25751,8 @@
         </p:nvSpPr>
         <p:spPr>
           <a:xfrm>
-            <a:off x="1" y="-1"/>
-            <a:ext cx="12191999" cy="1095153"/>
+            <a:off x="0" y="-244550"/>
+            <a:ext cx="12191999" cy="1307493"/>
           </a:xfrm>
           <a:prstGeom prst="rect">
             <a:avLst/>
@@ -20050,21 +25775,46 @@
           <a:bodyPr rtlCol="0" anchor="ctr"/>
           <a:lstStyle/>
           <a:p>
-            <a:pPr algn="ctr"/>
-            <a:endParaRPr lang="en-ZA" sz="1500" noProof="0" dirty="0" err="1">
+            <a:pPr marL="0" marR="0" lvl="0" indent="0" algn="ctr" defTabSz="914400" rtl="0" eaLnBrk="1" fontAlgn="auto" latinLnBrk="0" hangingPunct="1">
+              <a:lnSpc>
+                <a:spcPct val="100000"/>
+              </a:lnSpc>
+              <a:spcBef>
+                <a:spcPts val="0"/>
+              </a:spcBef>
+              <a:spcAft>
+                <a:spcPts val="0"/>
+              </a:spcAft>
+              <a:buClrTx/>
+              <a:buSzTx/>
+              <a:buFontTx/>
+              <a:buNone/>
+              <a:tabLst/>
+              <a:defRPr/>
+            </a:pPr>
+            <a:endParaRPr kumimoji="0" lang="en-ZA" sz="1500" b="0" i="0" u="none" strike="noStrike" kern="1200" cap="none" spc="0" normalizeH="0" baseline="0" noProof="0" dirty="0" err="1">
+              <a:ln>
+                <a:noFill/>
+              </a:ln>
               <a:solidFill>
-                <a:schemeClr val="bg1"/>
+                <a:prstClr val="white"/>
               </a:solidFill>
+              <a:effectLst/>
+              <a:uLnTx/>
+              <a:uFillTx/>
+              <a:latin typeface="Century Gothic" panose="020B0502020202020204"/>
+              <a:ea typeface="+mn-ea"/>
+              <a:cs typeface="+mn-cs"/>
             </a:endParaRPr>
           </a:p>
         </p:txBody>
       </p:sp>
       <p:sp>
         <p:nvSpPr>
-          <p:cNvPr id="14" name="Title 1">
+          <p:cNvPr id="7" name="Title 1">
             <a:extLst>
               <a:ext uri="{FF2B5EF4-FFF2-40B4-BE49-F238E27FC236}">
-                <a16:creationId xmlns:a16="http://schemas.microsoft.com/office/drawing/2014/main" id="{39278C50-7E4E-F71D-2F80-75A4E189CA83}"/>
+                <a16:creationId xmlns:a16="http://schemas.microsoft.com/office/drawing/2014/main" id="{3AFB0CFF-E201-FB57-3041-7A73F5B6EF0C}"/>
               </a:ext>
             </a:extLst>
           </p:cNvPr>
@@ -20077,40 +25827,88 @@
         </p:nvSpPr>
         <p:spPr>
           <a:xfrm>
-            <a:off x="619760" y="235283"/>
-            <a:ext cx="11109324" cy="392400"/>
+            <a:off x="387126" y="155417"/>
+            <a:ext cx="11109324" cy="507557"/>
           </a:xfrm>
         </p:spPr>
         <p:txBody>
           <a:bodyPr>
-            <a:noAutofit/>
+            <a:normAutofit fontScale="90000"/>
           </a:bodyPr>
           <a:lstStyle/>
           <a:p>
             <a:r>
-              <a:rPr lang="en-GB" sz="3200" dirty="0">
+              <a:rPr lang="en-GB" sz="3600" dirty="0">
                 <a:solidFill>
                   <a:schemeClr val="bg1"/>
                 </a:solidFill>
                 <a:latin typeface="Arial" panose="020B0604020202020204" pitchFamily="34" charset="0"/>
                 <a:cs typeface="Arial" panose="020B0604020202020204" pitchFamily="34" charset="0"/>
               </a:rPr>
-              <a:t>3.Results &amp; Discussion </a:t>
-            </a:r>
-          </a:p>
-        </p:txBody>
-      </p:sp>
+              <a:t>3.Modelling </a:t>
+            </a:r>
+            <a:endParaRPr lang="en-GB" dirty="0">
+              <a:solidFill>
+                <a:schemeClr val="bg1"/>
+              </a:solidFill>
+              <a:latin typeface="Arial" panose="020B0604020202020204" pitchFamily="34" charset="0"/>
+              <a:cs typeface="Arial" panose="020B0604020202020204" pitchFamily="34" charset="0"/>
+            </a:endParaRPr>
+          </a:p>
+        </p:txBody>
+      </p:sp>
+      <p:cxnSp>
+        <p:nvCxnSpPr>
+          <p:cNvPr id="4" name="Straight Connector 3">
+            <a:extLst>
+              <a:ext uri="{FF2B5EF4-FFF2-40B4-BE49-F238E27FC236}">
+                <a16:creationId xmlns:a16="http://schemas.microsoft.com/office/drawing/2014/main" id="{5D73F8EF-A916-AAFA-2305-25E327FF2484}"/>
+              </a:ext>
+            </a:extLst>
+          </p:cNvPr>
+          <p:cNvCxnSpPr/>
+          <p:nvPr/>
+        </p:nvCxnSpPr>
+        <p:spPr>
+          <a:xfrm>
+            <a:off x="6096000" y="1379349"/>
+            <a:ext cx="0" cy="4835471"/>
+          </a:xfrm>
+          <a:prstGeom prst="line">
+            <a:avLst/>
+          </a:prstGeom>
+        </p:spPr>
+        <p:style>
+          <a:lnRef idx="1">
+            <a:schemeClr val="accent1"/>
+          </a:lnRef>
+          <a:fillRef idx="0">
+            <a:schemeClr val="accent1"/>
+          </a:fillRef>
+          <a:effectRef idx="0">
+            <a:schemeClr val="accent1"/>
+          </a:effectRef>
+          <a:fontRef idx="minor">
+            <a:schemeClr val="tx1"/>
+          </a:fontRef>
+        </p:style>
+      </p:cxnSp>
     </p:spTree>
+    <p:custDataLst>
+      <p:custData r:id="rId1"/>
+      <p:custData r:id="rId2"/>
+      <p:tags r:id="rId3"/>
+    </p:custDataLst>
     <p:extLst>
       <p:ext uri="{BB962C8B-B14F-4D97-AF65-F5344CB8AC3E}">
-        <p14:creationId xmlns:p14="http://schemas.microsoft.com/office/powerpoint/2010/main" val="2046043455"/>
+        <p14:creationId xmlns:p14="http://schemas.microsoft.com/office/powerpoint/2010/main" val="1515815023"/>
       </p:ext>
     </p:extLst>
   </p:cSld>
   <p:clrMapOvr>
     <a:masterClrMapping/>
   </p:clrMapOvr>
-  <p:transition spd="slow" advTm="47992">
+  <p:transition spd="slow" advTm="15009">
     <p:push/>
   </p:transition>
 </p:sld>
@@ -20216,15 +26014,75 @@
                 <a:latin typeface="Arial" panose="020B0604020202020204" pitchFamily="34" charset="0"/>
                 <a:cs typeface="Arial" panose="020B0604020202020204" pitchFamily="34" charset="0"/>
               </a:rPr>
-              <a:t>4. Decision Tree  </a:t>
-            </a:r>
-          </a:p>
-        </p:txBody>
-      </p:sp>
+              <a:t>3.Results: Classification tree</a:t>
+            </a:r>
+          </a:p>
+        </p:txBody>
+      </p:sp>
+      <p:graphicFrame>
+        <p:nvGraphicFramePr>
+          <p:cNvPr id="2" name="Chart 1">
+            <a:extLst>
+              <a:ext uri="{FF2B5EF4-FFF2-40B4-BE49-F238E27FC236}">
+                <a16:creationId xmlns:a16="http://schemas.microsoft.com/office/drawing/2014/main" id="{E81883F6-B3EB-2845-A236-78342BABAB3E}"/>
+              </a:ext>
+            </a:extLst>
+          </p:cNvPr>
+          <p:cNvGraphicFramePr>
+            <a:graphicFrameLocks/>
+          </p:cNvGraphicFramePr>
+          <p:nvPr>
+            <p:extLst>
+              <p:ext uri="{D42A27DB-BD31-4B8C-83A1-F6EECF244321}">
+                <p14:modId xmlns:p14="http://schemas.microsoft.com/office/powerpoint/2010/main" val="3374831031"/>
+              </p:ext>
+            </p:extLst>
+          </p:nvPr>
+        </p:nvGraphicFramePr>
+        <p:xfrm>
+          <a:off x="201084" y="2486449"/>
+          <a:ext cx="5803561" cy="3278920"/>
+        </p:xfrm>
+        <a:graphic>
+          <a:graphicData uri="http://schemas.openxmlformats.org/drawingml/2006/chart">
+            <c:chart xmlns:c="http://schemas.openxmlformats.org/drawingml/2006/chart" xmlns:r="http://schemas.openxmlformats.org/officeDocument/2006/relationships" r:id="rId3"/>
+          </a:graphicData>
+        </a:graphic>
+      </p:graphicFrame>
+      <p:graphicFrame>
+        <p:nvGraphicFramePr>
+          <p:cNvPr id="3" name="Chart 2">
+            <a:extLst>
+              <a:ext uri="{FF2B5EF4-FFF2-40B4-BE49-F238E27FC236}">
+                <a16:creationId xmlns:a16="http://schemas.microsoft.com/office/drawing/2014/main" id="{2432217C-BBC5-494C-A302-4462FB032F16}"/>
+              </a:ext>
+            </a:extLst>
+          </p:cNvPr>
+          <p:cNvGraphicFramePr>
+            <a:graphicFrameLocks/>
+          </p:cNvGraphicFramePr>
+          <p:nvPr>
+            <p:extLst>
+              <p:ext uri="{D42A27DB-BD31-4B8C-83A1-F6EECF244321}">
+                <p14:modId xmlns:p14="http://schemas.microsoft.com/office/powerpoint/2010/main" val="690344701"/>
+              </p:ext>
+            </p:extLst>
+          </p:nvPr>
+        </p:nvGraphicFramePr>
+        <p:xfrm>
+          <a:off x="6096001" y="2486449"/>
+          <a:ext cx="5803562" cy="3278920"/>
+        </p:xfrm>
+        <a:graphic>
+          <a:graphicData uri="http://schemas.openxmlformats.org/drawingml/2006/chart">
+            <c:chart xmlns:c="http://schemas.openxmlformats.org/drawingml/2006/chart" xmlns:r="http://schemas.openxmlformats.org/officeDocument/2006/relationships" r:id="rId4"/>
+          </a:graphicData>
+        </a:graphic>
+      </p:graphicFrame>
     </p:spTree>
     <p:extLst>
       <p:ext uri="{BB962C8B-B14F-4D97-AF65-F5344CB8AC3E}">
-        <p14:creationId xmlns:p14="http://schemas.microsoft.com/office/powerpoint/2010/main" val="3491402825"/>
+        <p14:creationId xmlns:p14="http://schemas.microsoft.com/office/powerpoint/2010/main" val="2046043455"/>
       </p:ext>
     </p:extLst>
   </p:cSld>
@@ -20337,15 +26195,75 @@
                 <a:latin typeface="Arial" panose="020B0604020202020204" pitchFamily="34" charset="0"/>
                 <a:cs typeface="Arial" panose="020B0604020202020204" pitchFamily="34" charset="0"/>
               </a:rPr>
-              <a:t>5.Conclusion   </a:t>
-            </a:r>
-          </a:p>
-        </p:txBody>
-      </p:sp>
+              <a:t>3.Results: k-Nearest Neighbours</a:t>
+            </a:r>
+          </a:p>
+        </p:txBody>
+      </p:sp>
+      <p:graphicFrame>
+        <p:nvGraphicFramePr>
+          <p:cNvPr id="4" name="Chart 3">
+            <a:extLst>
+              <a:ext uri="{FF2B5EF4-FFF2-40B4-BE49-F238E27FC236}">
+                <a16:creationId xmlns:a16="http://schemas.microsoft.com/office/drawing/2014/main" id="{44B21085-D9AB-944D-8F3B-444797770AAE}"/>
+              </a:ext>
+            </a:extLst>
+          </p:cNvPr>
+          <p:cNvGraphicFramePr>
+            <a:graphicFrameLocks/>
+          </p:cNvGraphicFramePr>
+          <p:nvPr>
+            <p:extLst>
+              <p:ext uri="{D42A27DB-BD31-4B8C-83A1-F6EECF244321}">
+                <p14:modId xmlns:p14="http://schemas.microsoft.com/office/powerpoint/2010/main" val="4200240808"/>
+              </p:ext>
+            </p:extLst>
+          </p:nvPr>
+        </p:nvGraphicFramePr>
+        <p:xfrm>
+          <a:off x="228601" y="2346367"/>
+          <a:ext cx="5717468" cy="3010041"/>
+        </p:xfrm>
+        <a:graphic>
+          <a:graphicData uri="http://schemas.openxmlformats.org/drawingml/2006/chart">
+            <c:chart xmlns:c="http://schemas.openxmlformats.org/drawingml/2006/chart" xmlns:r="http://schemas.openxmlformats.org/officeDocument/2006/relationships" r:id="rId3"/>
+          </a:graphicData>
+        </a:graphic>
+      </p:graphicFrame>
+      <p:graphicFrame>
+        <p:nvGraphicFramePr>
+          <p:cNvPr id="5" name="Chart 4">
+            <a:extLst>
+              <a:ext uri="{FF2B5EF4-FFF2-40B4-BE49-F238E27FC236}">
+                <a16:creationId xmlns:a16="http://schemas.microsoft.com/office/drawing/2014/main" id="{9A721C31-4FA1-CB44-AA21-81B2CDDA8B33}"/>
+              </a:ext>
+            </a:extLst>
+          </p:cNvPr>
+          <p:cNvGraphicFramePr>
+            <a:graphicFrameLocks/>
+          </p:cNvGraphicFramePr>
+          <p:nvPr>
+            <p:extLst>
+              <p:ext uri="{D42A27DB-BD31-4B8C-83A1-F6EECF244321}">
+                <p14:modId xmlns:p14="http://schemas.microsoft.com/office/powerpoint/2010/main" val="822214913"/>
+              </p:ext>
+            </p:extLst>
+          </p:nvPr>
+        </p:nvGraphicFramePr>
+        <p:xfrm>
+          <a:off x="6455216" y="2274421"/>
+          <a:ext cx="5444348" cy="3066486"/>
+        </p:xfrm>
+        <a:graphic>
+          <a:graphicData uri="http://schemas.openxmlformats.org/drawingml/2006/chart">
+            <c:chart xmlns:c="http://schemas.openxmlformats.org/drawingml/2006/chart" xmlns:r="http://schemas.openxmlformats.org/officeDocument/2006/relationships" r:id="rId4"/>
+          </a:graphicData>
+        </a:graphic>
+      </p:graphicFrame>
     </p:spTree>
     <p:extLst>
       <p:ext uri="{BB962C8B-B14F-4D97-AF65-F5344CB8AC3E}">
-        <p14:creationId xmlns:p14="http://schemas.microsoft.com/office/powerpoint/2010/main" val="370431153"/>
+        <p14:creationId xmlns:p14="http://schemas.microsoft.com/office/powerpoint/2010/main" val="2941897316"/>
       </p:ext>
     </p:extLst>
   </p:cSld>
@@ -20361,37 +26279,6 @@
 <file path=ppt/slides/slide8.xml><?xml version="1.0" encoding="utf-8"?>
 <p:sld xmlns:a="http://schemas.openxmlformats.org/drawingml/2006/main" xmlns:r="http://schemas.openxmlformats.org/officeDocument/2006/relationships" xmlns:p="http://schemas.openxmlformats.org/presentationml/2006/main">
   <p:cSld>
-    <p:bg>
-      <p:bgPr>
-        <a:gradFill rotWithShape="1">
-          <a:gsLst>
-            <a:gs pos="0">
-              <a:schemeClr val="bg2">
-                <a:tint val="90000"/>
-                <a:shade val="92000"/>
-                <a:satMod val="160000"/>
-              </a:schemeClr>
-            </a:gs>
-            <a:gs pos="77000">
-              <a:schemeClr val="bg2">
-                <a:tint val="100000"/>
-                <a:shade val="73000"/>
-                <a:satMod val="155000"/>
-              </a:schemeClr>
-            </a:gs>
-            <a:gs pos="100000">
-              <a:schemeClr val="bg2">
-                <a:tint val="100000"/>
-                <a:shade val="67000"/>
-                <a:satMod val="145000"/>
-              </a:schemeClr>
-            </a:gs>
-          </a:gsLst>
-          <a:lin ang="5400000" scaled="0"/>
-        </a:gradFill>
-        <a:effectLst/>
-      </p:bgPr>
-    </p:bg>
     <p:spTree>
       <p:nvGrpSpPr>
         <p:cNvPr id="1" name=""/>
@@ -20408,427 +26295,57 @@
       </p:grpSpPr>
       <p:sp>
         <p:nvSpPr>
-          <p:cNvPr id="25" name="Rectangle 8">
+          <p:cNvPr id="13" name="Rectangle 12">
             <a:extLst>
               <a:ext uri="{FF2B5EF4-FFF2-40B4-BE49-F238E27FC236}">
-                <a16:creationId xmlns:a16="http://schemas.microsoft.com/office/drawing/2014/main" id="{A0D70C8A-A50E-4B41-86A2-E2F85581247D}"/>
-              </a:ext>
-              <a:ext uri="{C183D7F6-B498-43B3-948B-1728B52AA6E4}">
-                <adec:decorative xmlns:adec="http://schemas.microsoft.com/office/drawing/2017/decorative" val="1"/>
+                <a16:creationId xmlns:a16="http://schemas.microsoft.com/office/drawing/2014/main" id="{D9337E7E-3E38-8280-CB59-E6C669CA8AA3}"/>
               </a:ext>
             </a:extLst>
           </p:cNvPr>
-          <p:cNvSpPr>
-            <a:spLocks noGrp="1" noRot="1" noChangeAspect="1" noMove="1" noResize="1" noEditPoints="1" noAdjustHandles="1" noChangeArrowheads="1" noChangeShapeType="1" noTextEdit="1"/>
-          </p:cNvSpPr>
-          <p:nvPr>
-            <p:extLst>
-              <p:ext uri="{386F3935-93C4-4BCD-93E2-E3B085C9AB24}">
-                <p16:designElem xmlns:p16="http://schemas.microsoft.com/office/powerpoint/2015/main" val="1"/>
-              </p:ext>
-            </p:extLst>
-          </p:nvPr>
-        </p:nvSpPr>
-        <p:spPr>
-          <a:xfrm>
-            <a:off x="234696" y="237744"/>
-            <a:ext cx="11722608" cy="6382512"/>
+          <p:cNvSpPr/>
+          <p:nvPr/>
+        </p:nvSpPr>
+        <p:spPr>
+          <a:xfrm>
+            <a:off x="1" y="-1"/>
+            <a:ext cx="12191999" cy="1095153"/>
           </a:xfrm>
           <a:prstGeom prst="rect">
             <a:avLst/>
           </a:prstGeom>
           <a:solidFill>
-            <a:schemeClr val="bg2"/>
+            <a:srgbClr val="002060"/>
           </a:solidFill>
-          <a:ln w="6350" cap="flat" cmpd="sng" algn="ctr">
-            <a:noFill/>
-            <a:prstDash val="solid"/>
-          </a:ln>
-          <a:effectLst>
-            <a:softEdge rad="0"/>
-          </a:effectLst>
-        </p:spPr>
-        <p:txBody>
-          <a:bodyPr/>
-          <a:lstStyle/>
-          <a:p>
-            <a:endParaRPr lang="en-GB"/>
-          </a:p>
-        </p:txBody>
-      </p:sp>
-      <p:sp>
-        <p:nvSpPr>
-          <p:cNvPr id="26" name="Rectangle 10">
-            <a:extLst>
-              <a:ext uri="{FF2B5EF4-FFF2-40B4-BE49-F238E27FC236}">
-                <a16:creationId xmlns:a16="http://schemas.microsoft.com/office/drawing/2014/main" id="{3E25BDA2-3F4D-4B38-90E7-989465ECDDCF}"/>
-              </a:ext>
-              <a:ext uri="{C183D7F6-B498-43B3-948B-1728B52AA6E4}">
-                <adec:decorative xmlns:adec="http://schemas.microsoft.com/office/drawing/2017/decorative" val="1"/>
-              </a:ext>
-            </a:extLst>
-          </p:cNvPr>
-          <p:cNvSpPr>
-            <a:spLocks noGrp="1" noRot="1" noChangeAspect="1" noMove="1" noResize="1" noEditPoints="1" noAdjustHandles="1" noChangeArrowheads="1" noChangeShapeType="1" noTextEdit="1"/>
-          </p:cNvSpPr>
-          <p:nvPr>
-            <p:extLst>
-              <p:ext uri="{386F3935-93C4-4BCD-93E2-E3B085C9AB24}">
-                <p16:designElem xmlns:p16="http://schemas.microsoft.com/office/powerpoint/2015/main" val="1"/>
-              </p:ext>
-            </p:extLst>
-          </p:nvPr>
-        </p:nvSpPr>
-        <p:spPr>
-          <a:xfrm>
-            <a:off x="0" y="0"/>
-            <a:ext cx="12192001" cy="6858000"/>
-          </a:xfrm>
-          <a:prstGeom prst="rect">
-            <a:avLst/>
-          </a:prstGeom>
-          <a:gradFill>
-            <a:gsLst>
-              <a:gs pos="0">
-                <a:schemeClr val="bg2">
-                  <a:tint val="90000"/>
-                  <a:shade val="92000"/>
-                  <a:satMod val="160000"/>
-                </a:schemeClr>
-              </a:gs>
-              <a:gs pos="77000">
-                <a:schemeClr val="bg2">
-                  <a:tint val="100000"/>
-                  <a:shade val="73000"/>
-                  <a:satMod val="155000"/>
-                </a:schemeClr>
-              </a:gs>
-              <a:gs pos="100000">
-                <a:schemeClr val="bg2">
-                  <a:tint val="100000"/>
-                  <a:shade val="67000"/>
-                  <a:satMod val="145000"/>
-                </a:schemeClr>
-              </a:gs>
-            </a:gsLst>
-            <a:lin ang="5400000" scaled="0"/>
-          </a:gradFill>
           <a:ln>
             <a:noFill/>
           </a:ln>
-        </p:spPr>
-        <p:style>
-          <a:lnRef idx="2">
-            <a:schemeClr val="accent1">
-              <a:shade val="50000"/>
-            </a:schemeClr>
-          </a:lnRef>
-          <a:fillRef idx="1">
-            <a:schemeClr val="accent1"/>
-          </a:fillRef>
-          <a:effectRef idx="0">
-            <a:schemeClr val="accent1"/>
-          </a:effectRef>
-          <a:fontRef idx="minor">
-            <a:schemeClr val="lt1"/>
-          </a:fontRef>
-        </p:style>
-        <p:txBody>
-          <a:bodyPr rot="0" spcFirstLastPara="0" vert="horz" wrap="square" lIns="91440" tIns="45720" rIns="91440" bIns="45720" numCol="1" spcCol="0" rtlCol="0" fromWordArt="0" anchor="ctr" anchorCtr="0" forceAA="0" compatLnSpc="1">
-            <a:prstTxWarp prst="textNoShape">
-              <a:avLst/>
-            </a:prstTxWarp>
-            <a:noAutofit/>
-          </a:bodyPr>
-          <a:lstStyle>
-            <a:defPPr>
-              <a:defRPr lang="en-US"/>
-            </a:defPPr>
-            <a:lvl1pPr marL="0" algn="l" defTabSz="914400" rtl="0" eaLnBrk="1" latinLnBrk="0" hangingPunct="1">
-              <a:defRPr sz="1800" kern="1200">
-                <a:solidFill>
-                  <a:schemeClr val="lt1"/>
-                </a:solidFill>
-                <a:latin typeface="+mn-lt"/>
-                <a:ea typeface="+mn-ea"/>
-                <a:cs typeface="+mn-cs"/>
-              </a:defRPr>
-            </a:lvl1pPr>
-            <a:lvl2pPr marL="457200" algn="l" defTabSz="914400" rtl="0" eaLnBrk="1" latinLnBrk="0" hangingPunct="1">
-              <a:defRPr sz="1800" kern="1200">
-                <a:solidFill>
-                  <a:schemeClr val="lt1"/>
-                </a:solidFill>
-                <a:latin typeface="+mn-lt"/>
-                <a:ea typeface="+mn-ea"/>
-                <a:cs typeface="+mn-cs"/>
-              </a:defRPr>
-            </a:lvl2pPr>
-            <a:lvl3pPr marL="914400" algn="l" defTabSz="914400" rtl="0" eaLnBrk="1" latinLnBrk="0" hangingPunct="1">
-              <a:defRPr sz="1800" kern="1200">
-                <a:solidFill>
-                  <a:schemeClr val="lt1"/>
-                </a:solidFill>
-                <a:latin typeface="+mn-lt"/>
-                <a:ea typeface="+mn-ea"/>
-                <a:cs typeface="+mn-cs"/>
-              </a:defRPr>
-            </a:lvl3pPr>
-            <a:lvl4pPr marL="1371600" algn="l" defTabSz="914400" rtl="0" eaLnBrk="1" latinLnBrk="0" hangingPunct="1">
-              <a:defRPr sz="1800" kern="1200">
-                <a:solidFill>
-                  <a:schemeClr val="lt1"/>
-                </a:solidFill>
-                <a:latin typeface="+mn-lt"/>
-                <a:ea typeface="+mn-ea"/>
-                <a:cs typeface="+mn-cs"/>
-              </a:defRPr>
-            </a:lvl4pPr>
-            <a:lvl5pPr marL="1828800" algn="l" defTabSz="914400" rtl="0" eaLnBrk="1" latinLnBrk="0" hangingPunct="1">
-              <a:defRPr sz="1800" kern="1200">
-                <a:solidFill>
-                  <a:schemeClr val="lt1"/>
-                </a:solidFill>
-                <a:latin typeface="+mn-lt"/>
-                <a:ea typeface="+mn-ea"/>
-                <a:cs typeface="+mn-cs"/>
-              </a:defRPr>
-            </a:lvl5pPr>
-            <a:lvl6pPr marL="2286000" algn="l" defTabSz="914400" rtl="0" eaLnBrk="1" latinLnBrk="0" hangingPunct="1">
-              <a:defRPr sz="1800" kern="1200">
-                <a:solidFill>
-                  <a:schemeClr val="lt1"/>
-                </a:solidFill>
-                <a:latin typeface="+mn-lt"/>
-                <a:ea typeface="+mn-ea"/>
-                <a:cs typeface="+mn-cs"/>
-              </a:defRPr>
-            </a:lvl6pPr>
-            <a:lvl7pPr marL="2743200" algn="l" defTabSz="914400" rtl="0" eaLnBrk="1" latinLnBrk="0" hangingPunct="1">
-              <a:defRPr sz="1800" kern="1200">
-                <a:solidFill>
-                  <a:schemeClr val="lt1"/>
-                </a:solidFill>
-                <a:latin typeface="+mn-lt"/>
-                <a:ea typeface="+mn-ea"/>
-                <a:cs typeface="+mn-cs"/>
-              </a:defRPr>
-            </a:lvl7pPr>
-            <a:lvl8pPr marL="3200400" algn="l" defTabSz="914400" rtl="0" eaLnBrk="1" latinLnBrk="0" hangingPunct="1">
-              <a:defRPr sz="1800" kern="1200">
-                <a:solidFill>
-                  <a:schemeClr val="lt1"/>
-                </a:solidFill>
-                <a:latin typeface="+mn-lt"/>
-                <a:ea typeface="+mn-ea"/>
-                <a:cs typeface="+mn-cs"/>
-              </a:defRPr>
-            </a:lvl8pPr>
-            <a:lvl9pPr marL="3657600" algn="l" defTabSz="914400" rtl="0" eaLnBrk="1" latinLnBrk="0" hangingPunct="1">
-              <a:defRPr sz="1800" kern="1200">
-                <a:solidFill>
-                  <a:schemeClr val="lt1"/>
-                </a:solidFill>
-                <a:latin typeface="+mn-lt"/>
-                <a:ea typeface="+mn-ea"/>
-                <a:cs typeface="+mn-cs"/>
-              </a:defRPr>
-            </a:lvl9pPr>
-          </a:lstStyle>
+          <a:scene3d>
+            <a:camera prst="orthographicFront"/>
+            <a:lightRig rig="threePt" dir="t"/>
+          </a:scene3d>
+          <a:sp3d>
+            <a:bevelT w="152400" h="50800" prst="softRound"/>
+          </a:sp3d>
+        </p:spPr>
+        <p:txBody>
+          <a:bodyPr rtlCol="0" anchor="ctr"/>
+          <a:lstStyle/>
           <a:p>
             <a:pPr algn="ctr"/>
-            <a:endParaRPr lang="en-US"/>
-          </a:p>
-        </p:txBody>
-      </p:sp>
-      <p:sp>
-        <p:nvSpPr>
-          <p:cNvPr id="27" name="Rectangle 12">
+            <a:endParaRPr lang="en-ZA" sz="1500" noProof="0" dirty="0" err="1">
+              <a:solidFill>
+                <a:schemeClr val="bg1"/>
+              </a:solidFill>
+            </a:endParaRPr>
+          </a:p>
+        </p:txBody>
+      </p:sp>
+      <p:sp>
+        <p:nvSpPr>
+          <p:cNvPr id="14" name="Title 1">
             <a:extLst>
               <a:ext uri="{FF2B5EF4-FFF2-40B4-BE49-F238E27FC236}">
-                <a16:creationId xmlns:a16="http://schemas.microsoft.com/office/drawing/2014/main" id="{F65EEA05-AD42-442F-B6C6-CB9FC289426E}"/>
-              </a:ext>
-              <a:ext uri="{C183D7F6-B498-43B3-948B-1728B52AA6E4}">
-                <adec:decorative xmlns:adec="http://schemas.microsoft.com/office/drawing/2017/decorative" val="1"/>
-              </a:ext>
-            </a:extLst>
-          </p:cNvPr>
-          <p:cNvSpPr>
-            <a:spLocks noGrp="1" noRot="1" noChangeAspect="1" noMove="1" noResize="1" noEditPoints="1" noAdjustHandles="1" noChangeArrowheads="1" noChangeShapeType="1" noTextEdit="1"/>
-          </p:cNvSpPr>
-          <p:nvPr>
-            <p:extLst>
-              <p:ext uri="{386F3935-93C4-4BCD-93E2-E3B085C9AB24}">
-                <p16:designElem xmlns:p16="http://schemas.microsoft.com/office/powerpoint/2015/main" val="1"/>
-              </p:ext>
-            </p:extLst>
-          </p:nvPr>
-        </p:nvSpPr>
-        <p:spPr>
-          <a:xfrm>
-            <a:off x="0" y="0"/>
-            <a:ext cx="12192000" cy="6858000"/>
-          </a:xfrm>
-          <a:prstGeom prst="rect">
-            <a:avLst/>
-          </a:prstGeom>
-          <a:blipFill dpi="0" rotWithShape="1">
-            <a:blip r:embed="rId2">
-              <a:alphaModFix amt="45000"/>
-              <a:duotone>
-                <a:schemeClr val="accent1">
-                  <a:shade val="45000"/>
-                  <a:satMod val="135000"/>
-                </a:schemeClr>
-                <a:prstClr val="white"/>
-              </a:duotone>
-            </a:blip>
-            <a:srcRect/>
-            <a:tile tx="-44450" ty="38100" sx="85000" sy="85000" flip="none" algn="tl"/>
-          </a:blipFill>
-          <a:ln>
-            <a:noFill/>
-          </a:ln>
-        </p:spPr>
-        <p:style>
-          <a:lnRef idx="2">
-            <a:schemeClr val="accent1">
-              <a:shade val="50000"/>
-            </a:schemeClr>
-          </a:lnRef>
-          <a:fillRef idx="1">
-            <a:schemeClr val="accent1"/>
-          </a:fillRef>
-          <a:effectRef idx="0">
-            <a:schemeClr val="accent1"/>
-          </a:effectRef>
-          <a:fontRef idx="minor">
-            <a:schemeClr val="lt1"/>
-          </a:fontRef>
-        </p:style>
-        <p:txBody>
-          <a:bodyPr/>
-          <a:lstStyle/>
-          <a:p>
-            <a:endParaRPr lang="en-GB"/>
-          </a:p>
-        </p:txBody>
-      </p:sp>
-      <p:sp>
-        <p:nvSpPr>
-          <p:cNvPr id="28" name="Rectangle 14">
-            <a:extLst>
-              <a:ext uri="{FF2B5EF4-FFF2-40B4-BE49-F238E27FC236}">
-                <a16:creationId xmlns:a16="http://schemas.microsoft.com/office/drawing/2014/main" id="{BC96869A-A70D-42F7-876F-605CB1718F20}"/>
-              </a:ext>
-              <a:ext uri="{C183D7F6-B498-43B3-948B-1728B52AA6E4}">
-                <adec:decorative xmlns:adec="http://schemas.microsoft.com/office/drawing/2017/decorative" val="1"/>
-              </a:ext>
-            </a:extLst>
-          </p:cNvPr>
-          <p:cNvSpPr>
-            <a:spLocks noGrp="1" noRot="1" noChangeAspect="1" noMove="1" noResize="1" noEditPoints="1" noAdjustHandles="1" noChangeArrowheads="1" noChangeShapeType="1" noTextEdit="1"/>
-          </p:cNvSpPr>
-          <p:nvPr>
-            <p:extLst>
-              <p:ext uri="{386F3935-93C4-4BCD-93E2-E3B085C9AB24}">
-                <p16:designElem xmlns:p16="http://schemas.microsoft.com/office/powerpoint/2015/main" val="1"/>
-              </p:ext>
-            </p:extLst>
-          </p:nvPr>
-        </p:nvSpPr>
-        <p:spPr>
-          <a:xfrm>
-            <a:off x="632108" y="610955"/>
-            <a:ext cx="10927784" cy="5636090"/>
-          </a:xfrm>
-          <a:prstGeom prst="rect">
-            <a:avLst/>
-          </a:prstGeom>
-          <a:solidFill>
-            <a:schemeClr val="bg1"/>
-          </a:solidFill>
-          <a:ln w="6350" cap="flat" cmpd="sng" algn="ctr">
-            <a:noFill/>
-            <a:prstDash val="solid"/>
-          </a:ln>
-          <a:effectLst>
-            <a:outerShdw blurRad="50800" algn="ctr" rotWithShape="0">
-              <a:prstClr val="black">
-                <a:alpha val="66000"/>
-              </a:prstClr>
-            </a:outerShdw>
-            <a:softEdge rad="0"/>
-          </a:effectLst>
-        </p:spPr>
-        <p:txBody>
-          <a:bodyPr/>
-          <a:lstStyle/>
-          <a:p>
-            <a:endParaRPr lang="en-GB"/>
-          </a:p>
-        </p:txBody>
-      </p:sp>
-      <p:sp>
-        <p:nvSpPr>
-          <p:cNvPr id="29" name="Rectangle 16">
-            <a:extLst>
-              <a:ext uri="{FF2B5EF4-FFF2-40B4-BE49-F238E27FC236}">
-                <a16:creationId xmlns:a16="http://schemas.microsoft.com/office/drawing/2014/main" id="{6CD407CC-EF5C-486F-9A14-7F681F986D17}"/>
-              </a:ext>
-              <a:ext uri="{C183D7F6-B498-43B3-948B-1728B52AA6E4}">
-                <adec:decorative xmlns:adec="http://schemas.microsoft.com/office/drawing/2017/decorative" val="1"/>
-              </a:ext>
-            </a:extLst>
-          </p:cNvPr>
-          <p:cNvSpPr>
-            <a:spLocks noGrp="1" noRot="1" noChangeAspect="1" noMove="1" noResize="1" noEditPoints="1" noAdjustHandles="1" noChangeArrowheads="1" noChangeShapeType="1" noTextEdit="1"/>
-          </p:cNvSpPr>
-          <p:nvPr>
-            <p:extLst>
-              <p:ext uri="{386F3935-93C4-4BCD-93E2-E3B085C9AB24}">
-                <p16:designElem xmlns:p16="http://schemas.microsoft.com/office/powerpoint/2015/main" val="1"/>
-              </p:ext>
-            </p:extLst>
-          </p:nvPr>
-        </p:nvSpPr>
-        <p:spPr>
-          <a:xfrm>
-            <a:off x="797052" y="777240"/>
-            <a:ext cx="10597896" cy="5303520"/>
-          </a:xfrm>
-          <a:prstGeom prst="rect">
-            <a:avLst/>
-          </a:prstGeom>
-          <a:solidFill>
-            <a:schemeClr val="bg1"/>
-          </a:solidFill>
-          <a:ln w="6350" cap="sq" cmpd="sng" algn="ctr">
-            <a:solidFill>
-              <a:schemeClr val="tx1">
-                <a:lumMod val="75000"/>
-                <a:lumOff val="25000"/>
-              </a:schemeClr>
-            </a:solidFill>
-            <a:prstDash val="solid"/>
-            <a:miter lim="800000"/>
-          </a:ln>
-          <a:effectLst/>
-        </p:spPr>
-        <p:txBody>
-          <a:bodyPr/>
-          <a:lstStyle/>
-          <a:p>
-            <a:endParaRPr lang="en-GB"/>
-          </a:p>
-        </p:txBody>
-      </p:sp>
-      <p:sp>
-        <p:nvSpPr>
-          <p:cNvPr id="2" name="Title 1">
-            <a:extLst>
-              <a:ext uri="{FF2B5EF4-FFF2-40B4-BE49-F238E27FC236}">
-                <a16:creationId xmlns:a16="http://schemas.microsoft.com/office/drawing/2014/main" id="{E6FAA6CC-156F-1D3A-43E5-EF73888D4E79}"/>
+                <a16:creationId xmlns:a16="http://schemas.microsoft.com/office/drawing/2014/main" id="{39278C50-7E4E-F71D-2F80-75A4E189CA83}"/>
               </a:ext>
             </a:extLst>
           </p:cNvPr>
@@ -20841,117 +26358,53 @@
         </p:nvSpPr>
         <p:spPr>
           <a:xfrm>
-            <a:off x="7532835" y="1420706"/>
-            <a:ext cx="3466540" cy="4016587"/>
-          </a:xfrm>
-        </p:spPr>
-        <p:txBody>
-          <a:bodyPr vert="horz" lIns="91440" tIns="45720" rIns="91440" bIns="45720" rtlCol="0" anchor="ctr">
-            <a:normAutofit/>
+            <a:off x="619760" y="235283"/>
+            <a:ext cx="11109324" cy="392400"/>
+          </a:xfrm>
+        </p:spPr>
+        <p:txBody>
+          <a:bodyPr>
+            <a:noAutofit/>
           </a:bodyPr>
           <a:lstStyle/>
           <a:p>
             <a:r>
-              <a:rPr lang="en-US" sz="3600" dirty="0">
+              <a:rPr lang="en-GB" sz="3200" dirty="0">
                 <a:solidFill>
-                  <a:srgbClr val="002060"/>
+                  <a:schemeClr val="bg1"/>
                 </a:solidFill>
+                <a:latin typeface="Arial" panose="020B0604020202020204" pitchFamily="34" charset="0"/>
+                <a:cs typeface="Arial" panose="020B0604020202020204" pitchFamily="34" charset="0"/>
               </a:rPr>
-              <a:t>Thank You </a:t>
-            </a:r>
-          </a:p>
-        </p:txBody>
-      </p:sp>
-      <p:cxnSp>
-        <p:nvCxnSpPr>
-          <p:cNvPr id="30" name="Straight Connector 18">
-            <a:extLst>
-              <a:ext uri="{FF2B5EF4-FFF2-40B4-BE49-F238E27FC236}">
-                <a16:creationId xmlns:a16="http://schemas.microsoft.com/office/drawing/2014/main" id="{0DD76B5F-5BAA-48C6-9065-9AEF15D30B4E}"/>
-              </a:ext>
-              <a:ext uri="{C183D7F6-B498-43B3-948B-1728B52AA6E4}">
-                <adec:decorative xmlns:adec="http://schemas.microsoft.com/office/drawing/2017/decorative" val="1"/>
-              </a:ext>
-            </a:extLst>
-          </p:cNvPr>
-          <p:cNvCxnSpPr>
-            <a:cxnSpLocks noGrp="1" noRot="1" noChangeAspect="1" noMove="1" noResize="1" noEditPoints="1" noAdjustHandles="1" noChangeArrowheads="1" noChangeShapeType="1"/>
-          </p:cNvCxnSpPr>
-          <p:nvPr>
-            <p:extLst>
-              <p:ext uri="{386F3935-93C4-4BCD-93E2-E3B085C9AB24}">
-                <p16:designElem xmlns:p16="http://schemas.microsoft.com/office/powerpoint/2015/main" val="1"/>
-              </p:ext>
-            </p:extLst>
-          </p:nvPr>
-        </p:nvCxnSpPr>
-        <p:spPr>
-          <a:xfrm>
-            <a:off x="7205731" y="2057401"/>
-            <a:ext cx="0" cy="2743200"/>
-          </a:xfrm>
-          <a:prstGeom prst="line">
-            <a:avLst/>
-          </a:prstGeom>
-          <a:ln w="15875">
-            <a:solidFill>
-              <a:schemeClr val="tx1">
-                <a:lumMod val="75000"/>
-                <a:lumOff val="25000"/>
-              </a:schemeClr>
-            </a:solidFill>
-          </a:ln>
-        </p:spPr>
-        <p:style>
-          <a:lnRef idx="1">
-            <a:schemeClr val="accent1"/>
-          </a:lnRef>
-          <a:fillRef idx="0">
-            <a:schemeClr val="accent1"/>
-          </a:fillRef>
-          <a:effectRef idx="0">
-            <a:schemeClr val="accent1"/>
-          </a:effectRef>
-          <a:fontRef idx="minor">
-            <a:schemeClr val="tx1"/>
-          </a:fontRef>
-        </p:style>
-      </p:cxnSp>
+              <a:t>4. Discussion</a:t>
+            </a:r>
+          </a:p>
+        </p:txBody>
+      </p:sp>
       <p:pic>
         <p:nvPicPr>
-          <p:cNvPr id="12" name="Content Placeholder 11" descr="Smiling Face with No Fill">
+          <p:cNvPr id="2" name="Picture 1">
             <a:extLst>
               <a:ext uri="{FF2B5EF4-FFF2-40B4-BE49-F238E27FC236}">
-                <a16:creationId xmlns:a16="http://schemas.microsoft.com/office/drawing/2014/main" id="{8EDA7579-7AAB-BD74-F253-98D971125DD2}"/>
+                <a16:creationId xmlns:a16="http://schemas.microsoft.com/office/drawing/2014/main" id="{B728099A-A304-3C86-A75F-8434E666A0EE}"/>
               </a:ext>
             </a:extLst>
           </p:cNvPr>
           <p:cNvPicPr>
-            <a:picLocks noGrp="1" noChangeAspect="1"/>
+            <a:picLocks noChangeAspect="1"/>
           </p:cNvPicPr>
-          <p:nvPr>
-            <p:ph idx="1"/>
-          </p:nvPr>
+          <p:nvPr/>
         </p:nvPicPr>
         <p:blipFill>
-          <a:blip r:embed="rId3">
-            <a:extLst>
-              <a:ext uri="{28A0092B-C50C-407E-A947-70E740481C1C}">
-                <a14:useLocalDpi xmlns:a14="http://schemas.microsoft.com/office/drawing/2010/main" val="0"/>
-              </a:ext>
-              <a:ext uri="{96DAC541-7B7A-43D3-8B79-37D633B846F1}">
-                <asvg:svgBlip xmlns:asvg="http://schemas.microsoft.com/office/drawing/2016/SVG/main" r:embed="rId4"/>
-              </a:ext>
-            </a:extLst>
-          </a:blip>
+          <a:blip r:embed="rId3"/>
           <a:stretch>
             <a:fillRect/>
           </a:stretch>
         </p:blipFill>
         <p:spPr>
           <a:xfrm>
-            <a:off x="1913212" y="1307805"/>
-            <a:ext cx="4285566" cy="4129488"/>
+            <a:off x="2324213" y="2013027"/>
+            <a:ext cx="7543574" cy="2831945"/>
           </a:xfrm>
           <a:prstGeom prst="rect">
             <a:avLst/>
@@ -20961,13 +26414,137 @@
     </p:spTree>
     <p:extLst>
       <p:ext uri="{BB962C8B-B14F-4D97-AF65-F5344CB8AC3E}">
-        <p14:creationId xmlns:p14="http://schemas.microsoft.com/office/powerpoint/2010/main" val="614511124"/>
+        <p14:creationId xmlns:p14="http://schemas.microsoft.com/office/powerpoint/2010/main" val="3491402825"/>
       </p:ext>
     </p:extLst>
   </p:cSld>
   <p:clrMapOvr>
     <a:masterClrMapping/>
   </p:clrMapOvr>
+  <p:transition spd="slow" advTm="47992">
+    <p:push/>
+  </p:transition>
+</p:sld>
+</file>
+
+<file path=ppt/slides/slide9.xml><?xml version="1.0" encoding="utf-8"?>
+<p:sld xmlns:a="http://schemas.openxmlformats.org/drawingml/2006/main" xmlns:r="http://schemas.openxmlformats.org/officeDocument/2006/relationships" xmlns:p="http://schemas.openxmlformats.org/presentationml/2006/main">
+  <p:cSld>
+    <p:spTree>
+      <p:nvGrpSpPr>
+        <p:cNvPr id="1" name=""/>
+        <p:cNvGrpSpPr/>
+        <p:nvPr/>
+      </p:nvGrpSpPr>
+      <p:grpSpPr>
+        <a:xfrm>
+          <a:off x="0" y="0"/>
+          <a:ext cx="0" cy="0"/>
+          <a:chOff x="0" y="0"/>
+          <a:chExt cx="0" cy="0"/>
+        </a:xfrm>
+      </p:grpSpPr>
+      <p:sp>
+        <p:nvSpPr>
+          <p:cNvPr id="13" name="Rectangle 12">
+            <a:extLst>
+              <a:ext uri="{FF2B5EF4-FFF2-40B4-BE49-F238E27FC236}">
+                <a16:creationId xmlns:a16="http://schemas.microsoft.com/office/drawing/2014/main" id="{D9337E7E-3E38-8280-CB59-E6C669CA8AA3}"/>
+              </a:ext>
+            </a:extLst>
+          </p:cNvPr>
+          <p:cNvSpPr/>
+          <p:nvPr/>
+        </p:nvSpPr>
+        <p:spPr>
+          <a:xfrm>
+            <a:off x="1" y="-1"/>
+            <a:ext cx="12191999" cy="1095153"/>
+          </a:xfrm>
+          <a:prstGeom prst="rect">
+            <a:avLst/>
+          </a:prstGeom>
+          <a:solidFill>
+            <a:srgbClr val="002060"/>
+          </a:solidFill>
+          <a:ln>
+            <a:noFill/>
+          </a:ln>
+          <a:scene3d>
+            <a:camera prst="orthographicFront"/>
+            <a:lightRig rig="threePt" dir="t"/>
+          </a:scene3d>
+          <a:sp3d>
+            <a:bevelT w="152400" h="50800" prst="softRound"/>
+          </a:sp3d>
+        </p:spPr>
+        <p:txBody>
+          <a:bodyPr rtlCol="0" anchor="ctr"/>
+          <a:lstStyle/>
+          <a:p>
+            <a:pPr algn="ctr"/>
+            <a:endParaRPr lang="en-ZA" sz="1500" noProof="0" dirty="0" err="1">
+              <a:solidFill>
+                <a:schemeClr val="bg1"/>
+              </a:solidFill>
+            </a:endParaRPr>
+          </a:p>
+        </p:txBody>
+      </p:sp>
+      <p:sp>
+        <p:nvSpPr>
+          <p:cNvPr id="14" name="Title 1">
+            <a:extLst>
+              <a:ext uri="{FF2B5EF4-FFF2-40B4-BE49-F238E27FC236}">
+                <a16:creationId xmlns:a16="http://schemas.microsoft.com/office/drawing/2014/main" id="{39278C50-7E4E-F71D-2F80-75A4E189CA83}"/>
+              </a:ext>
+            </a:extLst>
+          </p:cNvPr>
+          <p:cNvSpPr>
+            <a:spLocks noGrp="1"/>
+          </p:cNvSpPr>
+          <p:nvPr>
+            <p:ph type="title"/>
+          </p:nvPr>
+        </p:nvSpPr>
+        <p:spPr>
+          <a:xfrm>
+            <a:off x="619760" y="235283"/>
+            <a:ext cx="11109324" cy="392400"/>
+          </a:xfrm>
+        </p:spPr>
+        <p:txBody>
+          <a:bodyPr>
+            <a:noAutofit/>
+          </a:bodyPr>
+          <a:lstStyle/>
+          <a:p>
+            <a:r>
+              <a:rPr lang="en-GB" sz="3200" dirty="0">
+                <a:solidFill>
+                  <a:schemeClr val="bg1"/>
+                </a:solidFill>
+                <a:latin typeface="Arial" panose="020B0604020202020204" pitchFamily="34" charset="0"/>
+                <a:cs typeface="Arial" panose="020B0604020202020204" pitchFamily="34" charset="0"/>
+              </a:rPr>
+              <a:t>4. Decision Tree  </a:t>
+            </a:r>
+          </a:p>
+        </p:txBody>
+      </p:sp>
+    </p:spTree>
+    <p:extLst>
+      <p:ext uri="{BB962C8B-B14F-4D97-AF65-F5344CB8AC3E}">
+        <p14:creationId xmlns:p14="http://schemas.microsoft.com/office/powerpoint/2010/main" val="1286936118"/>
+      </p:ext>
+    </p:extLst>
+  </p:cSld>
+  <p:clrMapOvr>
+    <a:masterClrMapping/>
+  </p:clrMapOvr>
+  <p:transition spd="slow" advTm="47992">
+    <p:push/>
+  </p:transition>
 </p:sld>
 </file>
 
@@ -20978,6 +26555,12 @@
 </file>
 
 <file path=ppt/tags/tag2.xml><?xml version="1.0" encoding="utf-8"?>
+<p:tagLst xmlns:a="http://schemas.openxmlformats.org/drawingml/2006/main" xmlns:r="http://schemas.openxmlformats.org/officeDocument/2006/relationships" xmlns:p="http://schemas.openxmlformats.org/presentationml/2006/main">
+  <p:tag name="TEMPLAFYSLIDEID" val="637647886923330998"/>
+</p:tagLst>
+</file>
+
+<file path=ppt/tags/tag3.xml><?xml version="1.0" encoding="utf-8"?>
 <p:tagLst xmlns:a="http://schemas.openxmlformats.org/drawingml/2006/main" xmlns:r="http://schemas.openxmlformats.org/officeDocument/2006/relationships" xmlns:p="http://schemas.openxmlformats.org/presentationml/2006/main">
   <p:tag name="TEMPLAFYSLIDEID" val="637647886923330998"/>
 </p:tagLst>
@@ -22476,8 +28059,12 @@
 <TemplafySlideFormConfiguration><![CDATA[{"formFields":[],"formDataEntries":[]}]]></TemplafySlideFormConfiguration>
 </file>
 
+<file path=customXml/item10.xml><?xml version="1.0" encoding="utf-8"?>
+<TemplafySlideFormConfiguration><![CDATA[{"formFields":[],"formDataEntries":[]}]]></TemplafySlideFormConfiguration>
+</file>
+
 <file path=customXml/item2.xml><?xml version="1.0" encoding="utf-8"?>
-<TemplafyTemplateConfiguration><![CDATA[{"elementsMetadata":[],"transformationConfigurations":[],"templateName":"Template 2024","templateDescription":"","enableDocumentContentUpdater":false,"version":"2.0"}]]></TemplafyTemplateConfiguration>
+<TemplafySlideFormConfiguration><![CDATA[{"formFields":[],"formDataEntries":[]}]]></TemplafySlideFormConfiguration>
 </file>
 
 <file path=customXml/item3.xml><?xml version="1.0" encoding="utf-8"?>
@@ -22485,11 +28072,11 @@
 </file>
 
 <file path=customXml/item4.xml><?xml version="1.0" encoding="utf-8"?>
-<TemplafySlideTemplateConfiguration><![CDATA[{"slideVersion":1,"isValidatorEnabled":false,"isLocked":false,"elementsMetadata":[],"slideId":"638428994669606512","enableDocumentContentUpdater":false,"version":"2.0"}]]></TemplafySlideTemplateConfiguration>
+<TemplafySlideFormConfiguration><![CDATA[{"formFields":[],"formDataEntries":[]}]]></TemplafySlideFormConfiguration>
 </file>
 
 <file path=customXml/item5.xml><?xml version="1.0" encoding="utf-8"?>
-<TemplafySlideFormConfiguration><![CDATA[{"formFields":[],"formDataEntries":[]}]]></TemplafySlideFormConfiguration>
+<TemplafySlideTemplateConfiguration><![CDATA[{"slideVersion":1,"isValidatorEnabled":false,"isLocked":false,"elementsMetadata":[],"slideId":"638428994669606512","enableDocumentContentUpdater":false,"version":"2.0"}]]></TemplafySlideTemplateConfiguration>
 </file>
 
 <file path=customXml/item6.xml><?xml version="1.0" encoding="utf-8"?>
@@ -22497,21 +28084,31 @@
 </file>
 
 <file path=customXml/item7.xml><?xml version="1.0" encoding="utf-8"?>
-<TemplafySlideFormConfiguration><![CDATA[{"formFields":[],"formDataEntries":[]}]]></TemplafySlideFormConfiguration>
+<TemplafySlideTemplateConfiguration><![CDATA[{"slideVersion":1,"isValidatorEnabled":false,"isLocked":false,"elementsMetadata":[],"slideId":"638048769900279182","enableDocumentContentUpdater":false,"version":"2.0"}]]></TemplafySlideTemplateConfiguration>
 </file>
 
 <file path=customXml/item8.xml><?xml version="1.0" encoding="utf-8"?>
+<TemplafyTemplateConfiguration><![CDATA[{"elementsMetadata":[],"transformationConfigurations":[],"templateName":"Template 2024","templateDescription":"","enableDocumentContentUpdater":false,"version":"2.0"}]]></TemplafyTemplateConfiguration>
+</file>
+
+<file path=customXml/item9.xml><?xml version="1.0" encoding="utf-8"?>
 <TemplafySlideTemplateConfiguration><![CDATA[{"slideVersion":1,"isValidatorEnabled":false,"isLocked":false,"elementsMetadata":[],"slideId":"638048769900279182","enableDocumentContentUpdater":false,"version":"2.0"}]]></TemplafySlideTemplateConfiguration>
 </file>
 
 <file path=customXml/itemProps1.xml><?xml version="1.0" encoding="utf-8"?>
-<ds:datastoreItem xmlns:ds="http://schemas.openxmlformats.org/officeDocument/2006/customXml" ds:itemID="{1D370528-3DED-4573-B24C-82CF1DA0B6B3}">
+<ds:datastoreItem xmlns:ds="http://schemas.openxmlformats.org/officeDocument/2006/customXml" ds:itemID="{B779C644-68B7-4164-9D25-5094A90807DA}">
+  <ds:schemaRefs/>
+</ds:datastoreItem>
+</file>
+
+<file path=customXml/itemProps10.xml><?xml version="1.0" encoding="utf-8"?>
+<ds:datastoreItem xmlns:ds="http://schemas.openxmlformats.org/officeDocument/2006/customXml" ds:itemID="{9EA5E500-22E7-0240-AED0-BA929FFA66E7}">
   <ds:schemaRefs/>
 </ds:datastoreItem>
 </file>
 
 <file path=customXml/itemProps2.xml><?xml version="1.0" encoding="utf-8"?>
-<ds:datastoreItem xmlns:ds="http://schemas.openxmlformats.org/officeDocument/2006/customXml" ds:itemID="{43877E11-121F-45E2-A0FE-16DFA988BBD5}">
+<ds:datastoreItem xmlns:ds="http://schemas.openxmlformats.org/officeDocument/2006/customXml" ds:itemID="{1D370528-3DED-4573-B24C-82CF1DA0B6B3}">
   <ds:schemaRefs/>
 </ds:datastoreItem>
 </file>
@@ -22523,31 +28120,37 @@
 </file>
 
 <file path=customXml/itemProps4.xml><?xml version="1.0" encoding="utf-8"?>
+<ds:datastoreItem xmlns:ds="http://schemas.openxmlformats.org/officeDocument/2006/customXml" ds:itemID="{318FE172-2E4A-41F3-98F3-1CD8CCD9375A}">
+  <ds:schemaRefs/>
+</ds:datastoreItem>
+</file>
+
+<file path=customXml/itemProps5.xml><?xml version="1.0" encoding="utf-8"?>
 <ds:datastoreItem xmlns:ds="http://schemas.openxmlformats.org/officeDocument/2006/customXml" ds:itemID="{6A7796AB-1CB0-45AD-997B-095D659943B5}">
   <ds:schemaRefs/>
 </ds:datastoreItem>
 </file>
 
-<file path=customXml/itemProps5.xml><?xml version="1.0" encoding="utf-8"?>
-<ds:datastoreItem xmlns:ds="http://schemas.openxmlformats.org/officeDocument/2006/customXml" ds:itemID="{318FE172-2E4A-41F3-98F3-1CD8CCD9375A}">
+<file path=customXml/itemProps6.xml><?xml version="1.0" encoding="utf-8"?>
+<ds:datastoreItem xmlns:ds="http://schemas.openxmlformats.org/officeDocument/2006/customXml" ds:itemID="{4427119E-0EC6-45F3-B5C4-5D645139FD8A}">
   <ds:schemaRefs/>
 </ds:datastoreItem>
 </file>
 
-<file path=customXml/itemProps6.xml><?xml version="1.0" encoding="utf-8"?>
+<file path=customXml/itemProps7.xml><?xml version="1.0" encoding="utf-8"?>
 <ds:datastoreItem xmlns:ds="http://schemas.openxmlformats.org/officeDocument/2006/customXml" ds:itemID="{31A6E273-308C-4E61-93A6-3725B57DDBD2}">
   <ds:schemaRefs/>
 </ds:datastoreItem>
 </file>
 
-<file path=customXml/itemProps7.xml><?xml version="1.0" encoding="utf-8"?>
-<ds:datastoreItem xmlns:ds="http://schemas.openxmlformats.org/officeDocument/2006/customXml" ds:itemID="{B779C644-68B7-4164-9D25-5094A90807DA}">
+<file path=customXml/itemProps8.xml><?xml version="1.0" encoding="utf-8"?>
+<ds:datastoreItem xmlns:ds="http://schemas.openxmlformats.org/officeDocument/2006/customXml" ds:itemID="{43877E11-121F-45E2-A0FE-16DFA988BBD5}">
   <ds:schemaRefs/>
 </ds:datastoreItem>
 </file>
 
-<file path=customXml/itemProps8.xml><?xml version="1.0" encoding="utf-8"?>
-<ds:datastoreItem xmlns:ds="http://schemas.openxmlformats.org/officeDocument/2006/customXml" ds:itemID="{4427119E-0EC6-45F3-B5C4-5D645139FD8A}">
+<file path=customXml/itemProps9.xml><?xml version="1.0" encoding="utf-8"?>
+<ds:datastoreItem xmlns:ds="http://schemas.openxmlformats.org/officeDocument/2006/customXml" ds:itemID="{36E87CD8-B51B-F349-93FC-1B216583BF7D}">
   <ds:schemaRefs/>
 </ds:datastoreItem>
 </file>